--- a/Consolidated Essential Performance Health Check using PowerShell.pptx
+++ b/Consolidated Essential Performance Health Check using PowerShell.pptx
@@ -5,7 +5,7 @@
     <p:sldMasterId id="2147483672" r:id="rId1"/>
   </p:sldMasterIdLst>
   <p:notesMasterIdLst>
-    <p:notesMasterId r:id="rId17"/>
+    <p:notesMasterId r:id="rId18"/>
   </p:notesMasterIdLst>
   <p:sldIdLst>
     <p:sldId id="256" r:id="rId2"/>
@@ -18,16 +18,17 @@
     <p:sldId id="360" r:id="rId9"/>
     <p:sldId id="362" r:id="rId10"/>
     <p:sldId id="364" r:id="rId11"/>
-    <p:sldId id="358" r:id="rId12"/>
-    <p:sldId id="357" r:id="rId13"/>
-    <p:sldId id="361" r:id="rId14"/>
-    <p:sldId id="350" r:id="rId15"/>
-    <p:sldId id="351" r:id="rId16"/>
+    <p:sldId id="366" r:id="rId12"/>
+    <p:sldId id="358" r:id="rId13"/>
+    <p:sldId id="357" r:id="rId14"/>
+    <p:sldId id="361" r:id="rId15"/>
+    <p:sldId id="350" r:id="rId16"/>
+    <p:sldId id="351" r:id="rId17"/>
   </p:sldIdLst>
   <p:sldSz cx="12188825" cy="6858000"/>
   <p:notesSz cx="6858000" cy="9144000"/>
   <p:custDataLst>
-    <p:tags r:id="rId18"/>
+    <p:tags r:id="rId19"/>
   </p:custDataLst>
   <p:defaultTextStyle>
     <a:defPPr>
@@ -11371,10 +11372,9 @@
         <a:p>
           <a:pPr rtl="0"/>
           <a:r>
-            <a:rPr lang="en-US" sz="3200" b="1" dirty="0" smtClean="0"/>
+            <a:rPr lang="en-US" sz="3200" b="1" dirty="0"/>
             <a:t>Initial Setup</a:t>
           </a:r>
-          <a:endParaRPr lang="en-US" sz="3200" b="1" dirty="0"/>
         </a:p>
       </dgm:t>
     </dgm:pt>
@@ -11409,10 +11409,9 @@
         <a:p>
           <a:pPr rtl="0"/>
           <a:r>
-            <a:rPr lang="en-US" sz="3200" b="1" dirty="0" smtClean="0"/>
+            <a:rPr lang="en-US" sz="3200" b="1" dirty="0"/>
             <a:t>Known Limitations &amp; Questions</a:t>
           </a:r>
-          <a:endParaRPr lang="en-US" sz="3200" b="1" dirty="0"/>
         </a:p>
       </dgm:t>
     </dgm:pt>
@@ -11446,7 +11445,7 @@
         <a:lstStyle/>
         <a:p>
           <a:r>
-            <a:rPr lang="en-US" sz="3200" b="1" dirty="0" smtClean="0"/>
+            <a:rPr lang="en-US" sz="3200" b="1" dirty="0"/>
             <a:t>Common Functions</a:t>
           </a:r>
         </a:p>
@@ -11482,7 +11481,7 @@
         <a:lstStyle/>
         <a:p>
           <a:r>
-            <a:rPr lang="en-US" sz="3200" b="1" dirty="0" smtClean="0"/>
+            <a:rPr lang="en-US" sz="3200" b="1" dirty="0"/>
             <a:t>Script review</a:t>
           </a:r>
         </a:p>
@@ -11519,10 +11518,9 @@
         <a:p>
           <a:pPr rtl="0"/>
           <a:r>
-            <a:rPr lang="en-US" sz="3200" b="1" u="none" dirty="0" smtClean="0"/>
+            <a:rPr lang="en-US" sz="3200" b="1" u="none" dirty="0"/>
             <a:t>Demo Scenarios</a:t>
           </a:r>
-          <a:endParaRPr lang="en-US" sz="3200" b="1" u="none" dirty="0"/>
         </a:p>
       </dgm:t>
     </dgm:pt>
@@ -11556,13 +11554,6 @@
         </dgm:presLayoutVars>
       </dgm:prSet>
       <dgm:spPr/>
-      <dgm:t>
-        <a:bodyPr/>
-        <a:lstStyle/>
-        <a:p>
-          <a:endParaRPr lang="en-US"/>
-        </a:p>
-      </dgm:t>
     </dgm:pt>
     <dgm:pt modelId="{39FF8229-CBC5-4634-88D5-32D1040680B7}" type="pres">
       <dgm:prSet presAssocID="{50439DC6-3749-47B8-B5E1-898B9DE927B5}" presName="parentText" presStyleLbl="node1" presStyleIdx="0" presStyleCnt="5">
@@ -11572,13 +11563,6 @@
         </dgm:presLayoutVars>
       </dgm:prSet>
       <dgm:spPr/>
-      <dgm:t>
-        <a:bodyPr/>
-        <a:lstStyle/>
-        <a:p>
-          <a:endParaRPr lang="en-US"/>
-        </a:p>
-      </dgm:t>
     </dgm:pt>
     <dgm:pt modelId="{E0D1AF41-A03E-4955-8D1A-9B5B1E328E4E}" type="pres">
       <dgm:prSet presAssocID="{3C9EDCFA-95FF-4885-9435-A7D54118BE01}" presName="spacer" presStyleCnt="0"/>
@@ -11592,13 +11576,6 @@
         </dgm:presLayoutVars>
       </dgm:prSet>
       <dgm:spPr/>
-      <dgm:t>
-        <a:bodyPr/>
-        <a:lstStyle/>
-        <a:p>
-          <a:endParaRPr lang="en-US"/>
-        </a:p>
-      </dgm:t>
     </dgm:pt>
     <dgm:pt modelId="{041A7AEA-3995-4212-93B4-27674B5AFED3}" type="pres">
       <dgm:prSet presAssocID="{F08BF03E-B915-4F0C-AFB6-8861CBD5DF63}" presName="spacer" presStyleCnt="0"/>
@@ -11612,13 +11589,6 @@
         </dgm:presLayoutVars>
       </dgm:prSet>
       <dgm:spPr/>
-      <dgm:t>
-        <a:bodyPr/>
-        <a:lstStyle/>
-        <a:p>
-          <a:endParaRPr lang="en-US"/>
-        </a:p>
-      </dgm:t>
     </dgm:pt>
     <dgm:pt modelId="{FAB2C9C3-CC62-4398-B2DE-00BEF8D602F1}" type="pres">
       <dgm:prSet presAssocID="{A3A8422C-82C9-4A02-9C7C-5FA3DBCCE2E1}" presName="spacer" presStyleCnt="0"/>
@@ -11632,13 +11602,6 @@
         </dgm:presLayoutVars>
       </dgm:prSet>
       <dgm:spPr/>
-      <dgm:t>
-        <a:bodyPr/>
-        <a:lstStyle/>
-        <a:p>
-          <a:endParaRPr lang="en-US"/>
-        </a:p>
-      </dgm:t>
     </dgm:pt>
     <dgm:pt modelId="{5847E2A7-47D1-42E2-A5FC-89C9C76037A0}" type="pres">
       <dgm:prSet presAssocID="{5C20A4FA-B4CB-4821-95FB-EDE8DA2E0C15}" presName="spacer" presStyleCnt="0"/>
@@ -11652,13 +11615,6 @@
         </dgm:presLayoutVars>
       </dgm:prSet>
       <dgm:spPr/>
-      <dgm:t>
-        <a:bodyPr/>
-        <a:lstStyle/>
-        <a:p>
-          <a:endParaRPr lang="en-US"/>
-        </a:p>
-      </dgm:t>
     </dgm:pt>
   </dgm:ptLst>
   <dgm:cxnLst>
@@ -11715,10 +11671,9 @@
         <a:lstStyle/>
         <a:p>
           <a:r>
-            <a:rPr lang="en-US" b="1" dirty="0" smtClean="0"/>
+            <a:rPr lang="en-US" b="1" dirty="0"/>
             <a:t>Server with SQL installed</a:t>
           </a:r>
-          <a:endParaRPr lang="en-US" b="1" dirty="0"/>
         </a:p>
       </dgm:t>
     </dgm:pt>
@@ -11752,10 +11707,9 @@
         <a:lstStyle/>
         <a:p>
           <a:r>
-            <a:rPr lang="en-US" b="1" dirty="0" smtClean="0"/>
+            <a:rPr lang="en-US" b="1" dirty="0"/>
             <a:t>CommonModule.ps1 – Common Module</a:t>
           </a:r>
-          <a:endParaRPr lang="en-US" b="1" dirty="0"/>
         </a:p>
       </dgm:t>
     </dgm:pt>
@@ -11789,10 +11743,9 @@
         <a:lstStyle/>
         <a:p>
           <a:r>
-            <a:rPr lang="en-US" b="1" dirty="0" smtClean="0"/>
+            <a:rPr lang="en-US" b="1" dirty="0"/>
             <a:t>SQLHealthCheck.ps1 – Main Script</a:t>
           </a:r>
-          <a:endParaRPr lang="en-US" b="1" dirty="0"/>
         </a:p>
       </dgm:t>
     </dgm:pt>
@@ -11826,10 +11779,9 @@
         <a:lstStyle/>
         <a:p>
           <a:r>
-            <a:rPr lang="en-US" b="1" dirty="0" smtClean="0"/>
+            <a:rPr lang="en-US" b="1" dirty="0"/>
             <a:t>Scripts</a:t>
           </a:r>
-          <a:endParaRPr lang="en-US" b="1" dirty="0"/>
         </a:p>
       </dgm:t>
     </dgm:pt>
@@ -11863,14 +11815,13 @@
         <a:lstStyle/>
         <a:p>
           <a:r>
-            <a:rPr lang="en-US" b="0" dirty="0" smtClean="0"/>
+            <a:rPr lang="en-US" b="0" dirty="0"/>
             <a:t>Sysadmin access using </a:t>
           </a:r>
           <a:r>
-            <a:rPr lang="en-US" dirty="0" smtClean="0"/>
+            <a:rPr lang="en-US" dirty="0"/>
             <a:t>OS or SQL account</a:t>
           </a:r>
-          <a:endParaRPr lang="en-US" dirty="0"/>
         </a:p>
       </dgm:t>
     </dgm:pt>
@@ -11904,13 +11855,6 @@
         </dgm:presLayoutVars>
       </dgm:prSet>
       <dgm:spPr/>
-      <dgm:t>
-        <a:bodyPr/>
-        <a:lstStyle/>
-        <a:p>
-          <a:endParaRPr lang="en-US"/>
-        </a:p>
-      </dgm:t>
     </dgm:pt>
     <dgm:pt modelId="{C2AC79BC-77C4-4FC6-A187-A54CEE873C69}" type="pres">
       <dgm:prSet presAssocID="{346C4CDE-36FD-4F61-AC33-B66F90A5D7A3}" presName="parentText" presStyleLbl="node1" presStyleIdx="0" presStyleCnt="3" custScaleY="79310" custLinFactY="-27690" custLinFactNeighborY="-100000">
@@ -11920,13 +11864,6 @@
         </dgm:presLayoutVars>
       </dgm:prSet>
       <dgm:spPr/>
-      <dgm:t>
-        <a:bodyPr/>
-        <a:lstStyle/>
-        <a:p>
-          <a:endParaRPr lang="en-US"/>
-        </a:p>
-      </dgm:t>
     </dgm:pt>
     <dgm:pt modelId="{2F43E47B-6F44-4BCD-884E-39F273854190}" type="pres">
       <dgm:prSet presAssocID="{6E715519-2AF6-4BEB-A776-A0B58B923DE3}" presName="spacer" presStyleCnt="0"/>
@@ -11940,13 +11877,6 @@
         </dgm:presLayoutVars>
       </dgm:prSet>
       <dgm:spPr/>
-      <dgm:t>
-        <a:bodyPr/>
-        <a:lstStyle/>
-        <a:p>
-          <a:endParaRPr lang="en-US"/>
-        </a:p>
-      </dgm:t>
     </dgm:pt>
     <dgm:pt modelId="{C3EA5E24-844F-4266-9BD1-749794F25DB6}" type="pres">
       <dgm:prSet presAssocID="{45EA0F7F-82C2-4A14-83E7-31E4148D8452}" presName="childText" presStyleLbl="revTx" presStyleIdx="0" presStyleCnt="1" custLinFactNeighborY="6295">
@@ -11955,13 +11885,6 @@
         </dgm:presLayoutVars>
       </dgm:prSet>
       <dgm:spPr/>
-      <dgm:t>
-        <a:bodyPr/>
-        <a:lstStyle/>
-        <a:p>
-          <a:endParaRPr lang="en-US"/>
-        </a:p>
-      </dgm:t>
     </dgm:pt>
     <dgm:pt modelId="{DFF78DBB-F1E6-4CAA-BC94-7B15F9D1B292}" type="pres">
       <dgm:prSet presAssocID="{832CB531-F95F-4811-A0D8-AE4707EB5F55}" presName="parentText" presStyleLbl="node1" presStyleIdx="2" presStyleCnt="3" custScaleY="69397" custLinFactNeighborY="-5899">
@@ -11971,13 +11894,6 @@
         </dgm:presLayoutVars>
       </dgm:prSet>
       <dgm:spPr/>
-      <dgm:t>
-        <a:bodyPr/>
-        <a:lstStyle/>
-        <a:p>
-          <a:endParaRPr lang="en-US"/>
-        </a:p>
-      </dgm:t>
     </dgm:pt>
   </dgm:ptLst>
   <dgm:cxnLst>
@@ -12067,11 +11983,11 @@
         <a:lstStyle/>
         <a:p>
           <a:r>
-            <a:rPr lang="en-US" sz="3300" b="1" dirty="0" smtClean="0"/>
+            <a:rPr lang="en-US" sz="3300" b="1" dirty="0"/>
             <a:t>write-</a:t>
           </a:r>
           <a:r>
-            <a:rPr lang="en-US" sz="3300" b="1" dirty="0" err="1" smtClean="0"/>
+            <a:rPr lang="en-US" sz="3300" b="1" dirty="0" err="1"/>
             <a:t>PHLog</a:t>
           </a:r>
           <a:endParaRPr lang="en-US" sz="3300" b="1" dirty="0"/>
@@ -12108,7 +12024,7 @@
         <a:lstStyle/>
         <a:p>
           <a:r>
-            <a:rPr lang="en-US" sz="3300" b="1" dirty="0" err="1" smtClean="0"/>
+            <a:rPr lang="en-US" sz="3300" b="1" dirty="0" err="1"/>
             <a:t>fnExecuteQuery</a:t>
           </a:r>
           <a:endParaRPr lang="en-US" sz="3300" b="1" dirty="0"/>
@@ -12145,8 +12061,8 @@
         <a:lstStyle/>
         <a:p>
           <a:r>
-            <a:rPr lang="en-US" sz="3300" b="1" dirty="0" err="1" smtClean="0"/>
-            <a:t>fnExecuteXMCmdShell</a:t>
+            <a:rPr lang="en-US" sz="3300" b="1" dirty="0" err="1"/>
+            <a:t>fnExecuteXPCmdShell</a:t>
           </a:r>
           <a:endParaRPr lang="en-US" sz="3300" b="1" dirty="0"/>
         </a:p>
@@ -12182,13 +12098,6 @@
         </dgm:presLayoutVars>
       </dgm:prSet>
       <dgm:spPr/>
-      <dgm:t>
-        <a:bodyPr/>
-        <a:lstStyle/>
-        <a:p>
-          <a:endParaRPr lang="en-US"/>
-        </a:p>
-      </dgm:t>
     </dgm:pt>
     <dgm:pt modelId="{9D6EAEE8-208E-4D31-9DC9-FACEAD037B91}" type="pres">
       <dgm:prSet presAssocID="{584A6F1D-0DB5-41D3-9D7E-6F1D973CDF40}" presName="parentText" presStyleLbl="node1" presStyleIdx="0" presStyleCnt="4" custScaleY="46288" custLinFactY="-7061" custLinFactNeighborX="0" custLinFactNeighborY="-100000">
@@ -12198,13 +12107,6 @@
         </dgm:presLayoutVars>
       </dgm:prSet>
       <dgm:spPr/>
-      <dgm:t>
-        <a:bodyPr/>
-        <a:lstStyle/>
-        <a:p>
-          <a:endParaRPr lang="en-US"/>
-        </a:p>
-      </dgm:t>
     </dgm:pt>
     <dgm:pt modelId="{560DADB9-09E6-45B9-906D-32EBEB260D5C}" type="pres">
       <dgm:prSet presAssocID="{631FE297-2091-48B4-879D-32B034A26792}" presName="spacer" presStyleCnt="0"/>
@@ -12218,13 +12120,6 @@
         </dgm:presLayoutVars>
       </dgm:prSet>
       <dgm:spPr/>
-      <dgm:t>
-        <a:bodyPr/>
-        <a:lstStyle/>
-        <a:p>
-          <a:endParaRPr lang="en-US"/>
-        </a:p>
-      </dgm:t>
     </dgm:pt>
     <dgm:pt modelId="{438F1B67-9DAA-4417-AAC5-2AF0C45D63E9}" type="pres">
       <dgm:prSet presAssocID="{26BB2D59-D8CA-406A-A3BB-6E1062251EF6}" presName="spacer" presStyleCnt="0"/>
@@ -12238,13 +12133,6 @@
         </dgm:presLayoutVars>
       </dgm:prSet>
       <dgm:spPr/>
-      <dgm:t>
-        <a:bodyPr/>
-        <a:lstStyle/>
-        <a:p>
-          <a:endParaRPr lang="en-US"/>
-        </a:p>
-      </dgm:t>
     </dgm:pt>
     <dgm:pt modelId="{03AADF95-14C1-42D9-A19E-6A8FCBBE4D9B}" type="pres">
       <dgm:prSet presAssocID="{575C5651-05EB-4F43-A9F8-AC86A37876C2}" presName="spacer" presStyleCnt="0"/>
@@ -12258,13 +12146,6 @@
         </dgm:presLayoutVars>
       </dgm:prSet>
       <dgm:spPr/>
-      <dgm:t>
-        <a:bodyPr/>
-        <a:lstStyle/>
-        <a:p>
-          <a:endParaRPr lang="en-US"/>
-        </a:p>
-      </dgm:t>
     </dgm:pt>
   </dgm:ptLst>
   <dgm:cxnLst>
@@ -12317,10 +12198,9 @@
         <a:lstStyle/>
         <a:p>
           <a:r>
-            <a:rPr lang="en-US" sz="2300" b="1" dirty="0" smtClean="0"/>
+            <a:rPr lang="en-US" sz="2300" b="1" dirty="0"/>
             <a:t>SQL observations are based on dedicated SQL node</a:t>
           </a:r>
-          <a:endParaRPr lang="en-US" sz="2300" b="1" dirty="0"/>
         </a:p>
       </dgm:t>
     </dgm:pt>
@@ -12354,14 +12234,13 @@
         <a:lstStyle/>
         <a:p>
           <a:r>
-            <a:rPr lang="en-US" sz="2500" b="1" dirty="0" smtClean="0"/>
+            <a:rPr lang="en-US" sz="2500" b="1" dirty="0"/>
             <a:t>        </a:t>
           </a:r>
           <a:r>
-            <a:rPr lang="en-US" sz="2400" b="1" dirty="0" smtClean="0"/>
+            <a:rPr lang="en-US" sz="2400" b="1" dirty="0"/>
             <a:t>Require sysadmin access</a:t>
           </a:r>
-          <a:endParaRPr lang="en-US" sz="2400" b="1" dirty="0"/>
         </a:p>
       </dgm:t>
     </dgm:pt>
@@ -12395,26 +12274,17 @@
         <a:lstStyle/>
         <a:p>
           <a:r>
-            <a:rPr lang="en-US" b="1" dirty="0" smtClean="0"/>
-            <a:t>Use </a:t>
+            <a:rPr lang="en-US" b="1" dirty="0"/>
+            <a:t>Use ad-hoc access of </a:t>
           </a:r>
           <a:r>
-            <a:rPr lang="en-US" b="1" dirty="0" err="1" smtClean="0"/>
-            <a:t>adhoc</a:t>
-          </a:r>
-          <a:r>
-            <a:rPr lang="en-US" b="1" dirty="0" smtClean="0"/>
-            <a:t> access of </a:t>
-          </a:r>
-          <a:r>
-            <a:rPr lang="en-US" b="1" dirty="0" err="1" smtClean="0"/>
+            <a:rPr lang="en-US" b="1" dirty="0" err="1"/>
             <a:t>XP_cmdshell</a:t>
           </a:r>
           <a:r>
-            <a:rPr lang="en-US" b="1" dirty="0" smtClean="0"/>
+            <a:rPr lang="en-US" b="1" dirty="0"/>
             <a:t> to gather OS related info</a:t>
           </a:r>
-          <a:endParaRPr lang="en-US" b="1" dirty="0"/>
         </a:p>
       </dgm:t>
     </dgm:pt>
@@ -12448,10 +12318,9 @@
         <a:lstStyle/>
         <a:p>
           <a:r>
-            <a:rPr lang="en-US" sz="2200" b="1" dirty="0" smtClean="0"/>
+            <a:rPr lang="en-US" sz="2200" b="1" dirty="0"/>
             <a:t>WMI service to be running on target server (no need for port)</a:t>
           </a:r>
-          <a:endParaRPr lang="en-US" sz="2200" b="1" dirty="0"/>
         </a:p>
       </dgm:t>
     </dgm:pt>
@@ -12485,10 +12354,9 @@
         <a:lstStyle/>
         <a:p>
           <a:r>
-            <a:rPr lang="en-US" sz="2500" b="1" dirty="0" smtClean="0"/>
+            <a:rPr lang="en-US" sz="2500" b="1" dirty="0"/>
             <a:t>        Primary level checks only</a:t>
           </a:r>
-          <a:endParaRPr lang="en-US" sz="2500" b="1" dirty="0"/>
         </a:p>
       </dgm:t>
     </dgm:pt>
@@ -12522,13 +12390,6 @@
         </dgm:presLayoutVars>
       </dgm:prSet>
       <dgm:spPr/>
-      <dgm:t>
-        <a:bodyPr/>
-        <a:lstStyle/>
-        <a:p>
-          <a:endParaRPr lang="en-US"/>
-        </a:p>
-      </dgm:t>
     </dgm:pt>
     <dgm:pt modelId="{68AD024C-525C-4979-A79F-879717C1FAD9}" type="pres">
       <dgm:prSet presAssocID="{C9C1DFEB-F745-4248-AA36-0B43AB8437CF}" presName="parentText" presStyleLbl="node1" presStyleIdx="0" presStyleCnt="5" custScaleX="44170" custScaleY="22128" custLinFactY="1007" custLinFactNeighborX="-25517" custLinFactNeighborY="100000">
@@ -12538,13 +12399,6 @@
         </dgm:presLayoutVars>
       </dgm:prSet>
       <dgm:spPr/>
-      <dgm:t>
-        <a:bodyPr/>
-        <a:lstStyle/>
-        <a:p>
-          <a:endParaRPr lang="en-US"/>
-        </a:p>
-      </dgm:t>
     </dgm:pt>
     <dgm:pt modelId="{A01AD19B-5552-4D62-A055-319DBD67C666}" type="pres">
       <dgm:prSet presAssocID="{880D0D87-9D24-461B-A6C9-F96CD67FEC16}" presName="spacer" presStyleCnt="0"/>
@@ -12558,13 +12412,6 @@
         </dgm:presLayoutVars>
       </dgm:prSet>
       <dgm:spPr/>
-      <dgm:t>
-        <a:bodyPr/>
-        <a:lstStyle/>
-        <a:p>
-          <a:endParaRPr lang="en-US"/>
-        </a:p>
-      </dgm:t>
     </dgm:pt>
     <dgm:pt modelId="{9A5BC6DC-C6C3-4BF3-B112-1BD96D02AA1B}" type="pres">
       <dgm:prSet presAssocID="{6E715519-2AF6-4BEB-A776-A0B58B923DE3}" presName="spacer" presStyleCnt="0"/>
@@ -12578,13 +12425,6 @@
         </dgm:presLayoutVars>
       </dgm:prSet>
       <dgm:spPr/>
-      <dgm:t>
-        <a:bodyPr/>
-        <a:lstStyle/>
-        <a:p>
-          <a:endParaRPr lang="en-US"/>
-        </a:p>
-      </dgm:t>
     </dgm:pt>
     <dgm:pt modelId="{07F5D573-FB93-4801-B72B-734BB8960675}" type="pres">
       <dgm:prSet presAssocID="{6A4B1696-192B-4B71-923B-13239BAD49AC}" presName="spacer" presStyleCnt="0"/>
@@ -12598,13 +12438,6 @@
         </dgm:presLayoutVars>
       </dgm:prSet>
       <dgm:spPr/>
-      <dgm:t>
-        <a:bodyPr/>
-        <a:lstStyle/>
-        <a:p>
-          <a:endParaRPr lang="en-US"/>
-        </a:p>
-      </dgm:t>
     </dgm:pt>
     <dgm:pt modelId="{FCA1C682-52AA-4703-9681-B20B0F478C83}" type="pres">
       <dgm:prSet presAssocID="{5E348EE1-2956-4F54-9978-733CF26DA1CE}" presName="spacer" presStyleCnt="0"/>
@@ -12618,13 +12451,6 @@
         </dgm:presLayoutVars>
       </dgm:prSet>
       <dgm:spPr/>
-      <dgm:t>
-        <a:bodyPr/>
-        <a:lstStyle/>
-        <a:p>
-          <a:endParaRPr lang="en-US"/>
-        </a:p>
-      </dgm:t>
     </dgm:pt>
   </dgm:ptLst>
   <dgm:cxnLst>
@@ -12699,18 +12525,17 @@
         <a:p>
           <a:pPr rtl="0"/>
           <a:r>
-            <a:rPr lang="en-US" sz="3200" dirty="0" smtClean="0"/>
+            <a:rPr lang="en-US" sz="3200" dirty="0"/>
             <a:t>Blog:  </a:t>
           </a:r>
           <a:r>
-            <a:rPr lang="en-US" sz="2800" dirty="0" smtClean="0"/>
+            <a:rPr lang="en-US" sz="2800" dirty="0"/>
             <a:t>www.SQLfeatures.com</a:t>
           </a:r>
           <a:r>
-            <a:rPr lang="en-US" sz="3200" dirty="0" smtClean="0"/>
+            <a:rPr lang="en-US" sz="3200" dirty="0"/>
             <a:t> </a:t>
           </a:r>
-          <a:endParaRPr lang="en-US" sz="3200" dirty="0"/>
         </a:p>
       </dgm:t>
     </dgm:pt>
@@ -12745,24 +12570,10 @@
         </dgm:presLayoutVars>
       </dgm:prSet>
       <dgm:spPr/>
-      <dgm:t>
-        <a:bodyPr/>
-        <a:lstStyle/>
-        <a:p>
-          <a:endParaRPr lang="en-US"/>
-        </a:p>
-      </dgm:t>
     </dgm:pt>
     <dgm:pt modelId="{93198190-C74A-4E02-A347-DB69729107D9}" type="pres">
       <dgm:prSet presAssocID="{496A9B9C-EEFF-4119-AFC9-DD19A3A68FF4}" presName="circ1TxSh" presStyleLbl="vennNode1" presStyleIdx="0" presStyleCnt="1" custScaleX="352927" custLinFactNeighborX="-3102" custLinFactNeighborY="3089"/>
       <dgm:spPr/>
-      <dgm:t>
-        <a:bodyPr/>
-        <a:lstStyle/>
-        <a:p>
-          <a:endParaRPr lang="en-US"/>
-        </a:p>
-      </dgm:t>
     </dgm:pt>
   </dgm:ptLst>
   <dgm:cxnLst>
@@ -12821,7 +12632,7 @@
         <a:p>
           <a:pPr rtl="0"/>
           <a:r>
-            <a:rPr lang="en-US" sz="3200" dirty="0" smtClean="0">
+            <a:rPr lang="en-US" sz="3200" dirty="0">
               <a:solidFill>
                 <a:schemeClr val="tx1"/>
               </a:solidFill>
@@ -12829,7 +12640,7 @@
             <a:t>Twitter @</a:t>
           </a:r>
           <a:r>
-            <a:rPr lang="en-US" sz="3200" dirty="0" err="1" smtClean="0">
+            <a:rPr lang="en-US" sz="3200" dirty="0" err="1">
               <a:solidFill>
                 <a:schemeClr val="tx1"/>
               </a:solidFill>
@@ -12875,24 +12686,10 @@
         </dgm:presLayoutVars>
       </dgm:prSet>
       <dgm:spPr/>
-      <dgm:t>
-        <a:bodyPr/>
-        <a:lstStyle/>
-        <a:p>
-          <a:endParaRPr lang="en-US"/>
-        </a:p>
-      </dgm:t>
     </dgm:pt>
     <dgm:pt modelId="{93198190-C74A-4E02-A347-DB69729107D9}" type="pres">
       <dgm:prSet presAssocID="{496A9B9C-EEFF-4119-AFC9-DD19A3A68FF4}" presName="circ1TxSh" presStyleLbl="vennNode1" presStyleIdx="0" presStyleCnt="1" custScaleX="173619" custLinFactNeighborX="-3102" custLinFactNeighborY="3089"/>
       <dgm:spPr/>
-      <dgm:t>
-        <a:bodyPr/>
-        <a:lstStyle/>
-        <a:p>
-          <a:endParaRPr lang="en-US"/>
-        </a:p>
-      </dgm:t>
     </dgm:pt>
   </dgm:ptLst>
   <dgm:cxnLst>
@@ -12954,19 +12751,19 @@
         <a:p>
           <a:pPr rtl="0"/>
           <a:r>
-            <a:rPr lang="en-US" sz="3200" dirty="0" smtClean="0"/>
+            <a:rPr lang="en-US" sz="3200" dirty="0"/>
             <a:t>Facebook/Email/</a:t>
           </a:r>
           <a:r>
-            <a:rPr lang="en-US" sz="3200" dirty="0" err="1" smtClean="0"/>
+            <a:rPr lang="en-US" sz="3200" dirty="0" err="1"/>
             <a:t>LinkedIN</a:t>
           </a:r>
           <a:r>
-            <a:rPr lang="en-US" sz="3200" dirty="0" smtClean="0"/>
+            <a:rPr lang="en-US" sz="3200" dirty="0"/>
             <a:t>: </a:t>
           </a:r>
           <a:r>
-            <a:rPr lang="en-US" sz="2800" dirty="0" smtClean="0"/>
+            <a:rPr lang="en-US" sz="2800" dirty="0"/>
             <a:t>Prakash@SQLfeatures.com </a:t>
           </a:r>
           <a:endParaRPr lang="en-US" sz="2800" dirty="0">
@@ -13008,24 +12805,10 @@
         </dgm:presLayoutVars>
       </dgm:prSet>
       <dgm:spPr/>
-      <dgm:t>
-        <a:bodyPr/>
-        <a:lstStyle/>
-        <a:p>
-          <a:endParaRPr lang="en-US"/>
-        </a:p>
-      </dgm:t>
     </dgm:pt>
     <dgm:pt modelId="{93198190-C74A-4E02-A347-DB69729107D9}" type="pres">
       <dgm:prSet presAssocID="{496A9B9C-EEFF-4119-AFC9-DD19A3A68FF4}" presName="circ1TxSh" presStyleLbl="vennNode1" presStyleIdx="0" presStyleCnt="1" custScaleX="498068" custLinFactNeighborX="-3102" custLinFactNeighborY="3089"/>
       <dgm:spPr/>
-      <dgm:t>
-        <a:bodyPr/>
-        <a:lstStyle/>
-        <a:p>
-          <a:endParaRPr lang="en-US"/>
-        </a:p>
-      </dgm:t>
     </dgm:pt>
   </dgm:ptLst>
   <dgm:cxnLst>
@@ -13067,10 +12850,9 @@
         <a:p>
           <a:pPr rtl="0"/>
           <a:r>
-            <a:rPr lang="en-US" sz="3200" b="1" u="none" dirty="0" smtClean="0"/>
+            <a:rPr lang="en-US" sz="3200" b="1" u="none" dirty="0"/>
             <a:t>Primary Health Check Questions</a:t>
           </a:r>
-          <a:endParaRPr lang="en-US" sz="3200" b="1" u="none" dirty="0"/>
         </a:p>
       </dgm:t>
     </dgm:pt>
@@ -13105,10 +12887,9 @@
         <a:p>
           <a:pPr rtl="0"/>
           <a:r>
-            <a:rPr lang="en-US" sz="3200" b="1" dirty="0" smtClean="0"/>
+            <a:rPr lang="en-US" sz="3200" b="1" dirty="0"/>
             <a:t>Observations</a:t>
           </a:r>
-          <a:endParaRPr lang="en-US" sz="3200" b="1" dirty="0"/>
         </a:p>
       </dgm:t>
     </dgm:pt>
@@ -13143,10 +12924,9 @@
         <a:p>
           <a:pPr rtl="0"/>
           <a:r>
-            <a:rPr lang="en-US" sz="3200" b="1" dirty="0" smtClean="0"/>
+            <a:rPr lang="en-US" sz="3200" b="1" dirty="0"/>
             <a:t>Summary Info</a:t>
           </a:r>
-          <a:endParaRPr lang="en-US" sz="3200" b="1" dirty="0"/>
         </a:p>
       </dgm:t>
     </dgm:pt>
@@ -13181,10 +12961,9 @@
         <a:p>
           <a:pPr rtl="0"/>
           <a:r>
-            <a:rPr lang="en-US" sz="3200" b="1" dirty="0" smtClean="0"/>
+            <a:rPr lang="en-US" sz="3200" b="1" dirty="0"/>
             <a:t>Key Features</a:t>
           </a:r>
-          <a:endParaRPr lang="en-US" sz="3200" b="1" dirty="0"/>
         </a:p>
       </dgm:t>
     </dgm:pt>
@@ -13219,10 +12998,9 @@
         <a:p>
           <a:pPr rtl="0"/>
           <a:r>
-            <a:rPr lang="en-US" sz="3200" b="1" u="none" dirty="0" smtClean="0"/>
+            <a:rPr lang="en-US" sz="3200" b="1" u="none" dirty="0"/>
             <a:t>Supported Configurations</a:t>
           </a:r>
-          <a:endParaRPr lang="en-US" sz="3200" b="1" u="none" dirty="0"/>
         </a:p>
       </dgm:t>
     </dgm:pt>
@@ -13256,13 +13034,6 @@
         </dgm:presLayoutVars>
       </dgm:prSet>
       <dgm:spPr/>
-      <dgm:t>
-        <a:bodyPr/>
-        <a:lstStyle/>
-        <a:p>
-          <a:endParaRPr lang="en-US"/>
-        </a:p>
-      </dgm:t>
     </dgm:pt>
     <dgm:pt modelId="{FD0C12CE-2185-4D9B-8EC4-41A72DABFB79}" type="pres">
       <dgm:prSet presAssocID="{57F20321-7BF3-4462-8065-690082B4551D}" presName="parentText" presStyleLbl="node1" presStyleIdx="0" presStyleCnt="5">
@@ -13272,13 +13043,6 @@
         </dgm:presLayoutVars>
       </dgm:prSet>
       <dgm:spPr/>
-      <dgm:t>
-        <a:bodyPr/>
-        <a:lstStyle/>
-        <a:p>
-          <a:endParaRPr lang="en-US"/>
-        </a:p>
-      </dgm:t>
     </dgm:pt>
     <dgm:pt modelId="{D945B337-30F0-4FDD-ADD3-049FD141D357}" type="pres">
       <dgm:prSet presAssocID="{CD56E826-AD7F-48D8-8B99-A6B0A168E0B7}" presName="spacer" presStyleCnt="0"/>
@@ -13292,13 +13056,6 @@
         </dgm:presLayoutVars>
       </dgm:prSet>
       <dgm:spPr/>
-      <dgm:t>
-        <a:bodyPr/>
-        <a:lstStyle/>
-        <a:p>
-          <a:endParaRPr lang="en-US"/>
-        </a:p>
-      </dgm:t>
     </dgm:pt>
     <dgm:pt modelId="{B2E97ADC-A12D-4327-9EDF-6E3D032DB6F8}" type="pres">
       <dgm:prSet presAssocID="{C1DFBCCD-FA86-4771-A06F-702C3F168AED}" presName="spacer" presStyleCnt="0"/>
@@ -13312,13 +13069,6 @@
         </dgm:presLayoutVars>
       </dgm:prSet>
       <dgm:spPr/>
-      <dgm:t>
-        <a:bodyPr/>
-        <a:lstStyle/>
-        <a:p>
-          <a:endParaRPr lang="en-US"/>
-        </a:p>
-      </dgm:t>
     </dgm:pt>
     <dgm:pt modelId="{2E0705A7-98C5-45E0-A016-174FC26A1879}" type="pres">
       <dgm:prSet presAssocID="{6AA0E19A-6EA6-44F1-BEAA-56EBD1837A0B}" presName="spacer" presStyleCnt="0"/>
@@ -13332,13 +13082,6 @@
         </dgm:presLayoutVars>
       </dgm:prSet>
       <dgm:spPr/>
-      <dgm:t>
-        <a:bodyPr/>
-        <a:lstStyle/>
-        <a:p>
-          <a:endParaRPr lang="en-US"/>
-        </a:p>
-      </dgm:t>
     </dgm:pt>
     <dgm:pt modelId="{AC1C3248-B870-4862-B050-CC31DDA934F6}" type="pres">
       <dgm:prSet presAssocID="{913EDAAB-EE49-4162-BF89-DD63A2B874BA}" presName="spacer" presStyleCnt="0"/>
@@ -13352,13 +13095,6 @@
         </dgm:presLayoutVars>
       </dgm:prSet>
       <dgm:spPr/>
-      <dgm:t>
-        <a:bodyPr/>
-        <a:lstStyle/>
-        <a:p>
-          <a:endParaRPr lang="en-US"/>
-        </a:p>
-      </dgm:t>
     </dgm:pt>
   </dgm:ptLst>
   <dgm:cxnLst>
@@ -13415,10 +13151,9 @@
         <a:lstStyle/>
         <a:p>
           <a:r>
-            <a:rPr lang="en-US" b="1" dirty="0" smtClean="0"/>
+            <a:rPr lang="en-US" b="1" dirty="0"/>
             <a:t>How is CPU usage in last 4 hours?</a:t>
           </a:r>
-          <a:endParaRPr lang="en-US" b="1" dirty="0"/>
         </a:p>
       </dgm:t>
     </dgm:pt>
@@ -13452,10 +13187,9 @@
         <a:lstStyle/>
         <a:p>
           <a:r>
-            <a:rPr lang="en-US" b="1" dirty="0" smtClean="0"/>
+            <a:rPr lang="en-US" b="1" dirty="0"/>
             <a:t>How is current OS memory usage? </a:t>
           </a:r>
-          <a:endParaRPr lang="en-US" b="1" dirty="0"/>
         </a:p>
       </dgm:t>
     </dgm:pt>
@@ -13489,10 +13223,9 @@
         <a:lstStyle/>
         <a:p>
           <a:r>
-            <a:rPr lang="en-US" b="1" dirty="0" smtClean="0"/>
+            <a:rPr lang="en-US" b="1" dirty="0"/>
             <a:t>How is current SQL memory usage? </a:t>
           </a:r>
-          <a:endParaRPr lang="en-US" b="1" dirty="0"/>
         </a:p>
       </dgm:t>
     </dgm:pt>
@@ -13526,10 +13259,9 @@
         <a:lstStyle/>
         <a:p>
           <a:r>
-            <a:rPr lang="en-US" b="1" dirty="0" smtClean="0"/>
+            <a:rPr lang="en-US" b="1" dirty="0"/>
             <a:t>How is overall disk I/O waits?</a:t>
           </a:r>
-          <a:endParaRPr lang="en-US" b="1" dirty="0"/>
         </a:p>
       </dgm:t>
     </dgm:pt>
@@ -13563,10 +13295,9 @@
         <a:lstStyle/>
         <a:p>
           <a:r>
-            <a:rPr lang="en-US" b="1" dirty="0" smtClean="0"/>
+            <a:rPr lang="en-US" b="1" dirty="0"/>
             <a:t>How is disk space usage?</a:t>
           </a:r>
-          <a:endParaRPr lang="en-US" b="1" dirty="0"/>
         </a:p>
       </dgm:t>
     </dgm:pt>
@@ -13600,13 +13331,6 @@
         </dgm:presLayoutVars>
       </dgm:prSet>
       <dgm:spPr/>
-      <dgm:t>
-        <a:bodyPr/>
-        <a:lstStyle/>
-        <a:p>
-          <a:endParaRPr lang="en-US"/>
-        </a:p>
-      </dgm:t>
     </dgm:pt>
     <dgm:pt modelId="{C2AC79BC-77C4-4FC6-A187-A54CEE873C69}" type="pres">
       <dgm:prSet presAssocID="{346C4CDE-36FD-4F61-AC33-B66F90A5D7A3}" presName="parentText" presStyleLbl="node1" presStyleIdx="0" presStyleCnt="5">
@@ -13616,13 +13340,6 @@
         </dgm:presLayoutVars>
       </dgm:prSet>
       <dgm:spPr/>
-      <dgm:t>
-        <a:bodyPr/>
-        <a:lstStyle/>
-        <a:p>
-          <a:endParaRPr lang="en-US"/>
-        </a:p>
-      </dgm:t>
     </dgm:pt>
     <dgm:pt modelId="{3C67CEE0-0028-4B45-8C1A-8CF6B482720A}" type="pres">
       <dgm:prSet presAssocID="{6E715519-2AF6-4BEB-A776-A0B58B923DE3}" presName="spacer" presStyleCnt="0"/>
@@ -13636,13 +13353,6 @@
         </dgm:presLayoutVars>
       </dgm:prSet>
       <dgm:spPr/>
-      <dgm:t>
-        <a:bodyPr/>
-        <a:lstStyle/>
-        <a:p>
-          <a:endParaRPr lang="en-US"/>
-        </a:p>
-      </dgm:t>
     </dgm:pt>
     <dgm:pt modelId="{2902A43C-1AF5-4010-B77A-325B2CEDB5AD}" type="pres">
       <dgm:prSet presAssocID="{74F827EF-2A9D-42ED-9EB2-7D73AA61CE34}" presName="spacer" presStyleCnt="0"/>
@@ -13656,13 +13366,6 @@
         </dgm:presLayoutVars>
       </dgm:prSet>
       <dgm:spPr/>
-      <dgm:t>
-        <a:bodyPr/>
-        <a:lstStyle/>
-        <a:p>
-          <a:endParaRPr lang="en-US"/>
-        </a:p>
-      </dgm:t>
     </dgm:pt>
     <dgm:pt modelId="{DE394F13-5A87-4E3D-8F52-34D9E2476AED}" type="pres">
       <dgm:prSet presAssocID="{310E6BDB-1BC3-4480-B87F-860AF7C52E2D}" presName="spacer" presStyleCnt="0"/>
@@ -13676,13 +13379,6 @@
         </dgm:presLayoutVars>
       </dgm:prSet>
       <dgm:spPr/>
-      <dgm:t>
-        <a:bodyPr/>
-        <a:lstStyle/>
-        <a:p>
-          <a:endParaRPr lang="en-US"/>
-        </a:p>
-      </dgm:t>
     </dgm:pt>
     <dgm:pt modelId="{AF47FD13-1AA8-4A6D-B34C-D80881EA3DF6}" type="pres">
       <dgm:prSet presAssocID="{047D33D9-86B3-40E4-BB47-F6D6773B3007}" presName="spacer" presStyleCnt="0"/>
@@ -13696,13 +13392,6 @@
         </dgm:presLayoutVars>
       </dgm:prSet>
       <dgm:spPr/>
-      <dgm:t>
-        <a:bodyPr/>
-        <a:lstStyle/>
-        <a:p>
-          <a:endParaRPr lang="en-US"/>
-        </a:p>
-      </dgm:t>
     </dgm:pt>
   </dgm:ptLst>
   <dgm:cxnLst>
@@ -13759,10 +13448,9 @@
         <a:lstStyle/>
         <a:p>
           <a:r>
-            <a:rPr lang="en-US" b="1" dirty="0" smtClean="0"/>
+            <a:rPr lang="en-US" b="1" dirty="0"/>
             <a:t>Top Tables taking space</a:t>
           </a:r>
-          <a:endParaRPr lang="en-US" b="1" dirty="0"/>
         </a:p>
       </dgm:t>
     </dgm:pt>
@@ -13796,10 +13484,9 @@
         <a:lstStyle/>
         <a:p>
           <a:r>
-            <a:rPr lang="en-US" b="1" dirty="0" smtClean="0"/>
+            <a:rPr lang="en-US" b="1" dirty="0"/>
             <a:t>Database usage for each data file</a:t>
           </a:r>
-          <a:endParaRPr lang="en-US" b="1" dirty="0"/>
         </a:p>
       </dgm:t>
     </dgm:pt>
@@ -13833,10 +13520,9 @@
         <a:lstStyle/>
         <a:p>
           <a:r>
-            <a:rPr lang="en-US" b="1" dirty="0" smtClean="0"/>
+            <a:rPr lang="en-US" b="1" dirty="0"/>
             <a:t>Database growth in last 2 days</a:t>
           </a:r>
-          <a:endParaRPr lang="en-US" b="1" dirty="0"/>
         </a:p>
       </dgm:t>
     </dgm:pt>
@@ -13870,10 +13556,9 @@
         <a:lstStyle/>
         <a:p>
           <a:r>
-            <a:rPr lang="en-US" b="1" dirty="0" smtClean="0"/>
+            <a:rPr lang="en-US" b="1" dirty="0"/>
             <a:t>Top waits by SQL Server</a:t>
           </a:r>
-          <a:endParaRPr lang="en-US" b="1" dirty="0"/>
         </a:p>
       </dgm:t>
     </dgm:pt>
@@ -13907,10 +13592,9 @@
         <a:lstStyle/>
         <a:p>
           <a:r>
-            <a:rPr lang="en-US" b="1" dirty="0" smtClean="0"/>
+            <a:rPr lang="en-US" b="1" dirty="0"/>
             <a:t>Top 5 Memory consuming OS processes</a:t>
           </a:r>
-          <a:endParaRPr lang="en-US" b="1" dirty="0"/>
         </a:p>
       </dgm:t>
     </dgm:pt>
@@ -13944,13 +13628,6 @@
         </dgm:presLayoutVars>
       </dgm:prSet>
       <dgm:spPr/>
-      <dgm:t>
-        <a:bodyPr/>
-        <a:lstStyle/>
-        <a:p>
-          <a:endParaRPr lang="en-US"/>
-        </a:p>
-      </dgm:t>
     </dgm:pt>
     <dgm:pt modelId="{255252CD-ED6A-42EF-9639-2A8A3FA1282D}" type="pres">
       <dgm:prSet presAssocID="{B94E1C62-93A9-4072-AC0A-A6E524065E37}" presName="parentText" presStyleLbl="node1" presStyleIdx="0" presStyleCnt="5">
@@ -13960,13 +13637,6 @@
         </dgm:presLayoutVars>
       </dgm:prSet>
       <dgm:spPr/>
-      <dgm:t>
-        <a:bodyPr/>
-        <a:lstStyle/>
-        <a:p>
-          <a:endParaRPr lang="en-US"/>
-        </a:p>
-      </dgm:t>
     </dgm:pt>
     <dgm:pt modelId="{249241BA-02BF-40C4-8ED5-A58553BCAF05}" type="pres">
       <dgm:prSet presAssocID="{E23C368A-47CD-4D9B-8F36-562009BCCC3A}" presName="spacer" presStyleCnt="0"/>
@@ -13980,13 +13650,6 @@
         </dgm:presLayoutVars>
       </dgm:prSet>
       <dgm:spPr/>
-      <dgm:t>
-        <a:bodyPr/>
-        <a:lstStyle/>
-        <a:p>
-          <a:endParaRPr lang="en-US"/>
-        </a:p>
-      </dgm:t>
     </dgm:pt>
     <dgm:pt modelId="{4503EB55-F0C2-4F53-81F1-A7CC76C846D8}" type="pres">
       <dgm:prSet presAssocID="{B4085F2C-9DE3-454F-8102-F1D48C2266D6}" presName="spacer" presStyleCnt="0"/>
@@ -14000,13 +13663,6 @@
         </dgm:presLayoutVars>
       </dgm:prSet>
       <dgm:spPr/>
-      <dgm:t>
-        <a:bodyPr/>
-        <a:lstStyle/>
-        <a:p>
-          <a:endParaRPr lang="en-US"/>
-        </a:p>
-      </dgm:t>
     </dgm:pt>
     <dgm:pt modelId="{1218B49D-CE46-4E84-B978-37C661B4C9FF}" type="pres">
       <dgm:prSet presAssocID="{D60735CA-9C5F-48BE-AD13-B2C6B6EB7285}" presName="spacer" presStyleCnt="0"/>
@@ -14020,13 +13676,6 @@
         </dgm:presLayoutVars>
       </dgm:prSet>
       <dgm:spPr/>
-      <dgm:t>
-        <a:bodyPr/>
-        <a:lstStyle/>
-        <a:p>
-          <a:endParaRPr lang="en-US"/>
-        </a:p>
-      </dgm:t>
     </dgm:pt>
     <dgm:pt modelId="{12F7D914-A26D-43D8-90EB-7BBF96A12858}" type="pres">
       <dgm:prSet presAssocID="{F3A5EBFF-3136-4C57-AF13-09BB8A0A4D93}" presName="spacer" presStyleCnt="0"/>
@@ -14040,13 +13689,6 @@
         </dgm:presLayoutVars>
       </dgm:prSet>
       <dgm:spPr/>
-      <dgm:t>
-        <a:bodyPr/>
-        <a:lstStyle/>
-        <a:p>
-          <a:endParaRPr lang="en-US"/>
-        </a:p>
-      </dgm:t>
     </dgm:pt>
   </dgm:ptLst>
   <dgm:cxnLst>
@@ -14103,10 +13745,9 @@
         <a:lstStyle/>
         <a:p>
           <a:r>
-            <a:rPr lang="en-US" b="1" dirty="0" smtClean="0"/>
+            <a:rPr lang="en-US" b="1" dirty="0"/>
             <a:t>Consolidation of key database stats</a:t>
           </a:r>
-          <a:endParaRPr lang="en-US" b="1" dirty="0"/>
         </a:p>
       </dgm:t>
     </dgm:pt>
@@ -14140,10 +13781,9 @@
         <a:lstStyle/>
         <a:p>
           <a:r>
-            <a:rPr lang="en-US" b="1" dirty="0" smtClean="0"/>
+            <a:rPr lang="en-US" b="1" dirty="0"/>
             <a:t>Consistency and Transparency</a:t>
           </a:r>
-          <a:endParaRPr lang="en-US" b="1" dirty="0"/>
         </a:p>
       </dgm:t>
     </dgm:pt>
@@ -14177,10 +13817,9 @@
         <a:lstStyle/>
         <a:p>
           <a:r>
-            <a:rPr lang="en-US" b="1" dirty="0" smtClean="0"/>
+            <a:rPr lang="en-US" b="1" dirty="0"/>
             <a:t>Quick checks to ensure zero database performance impact</a:t>
           </a:r>
-          <a:endParaRPr lang="en-US" b="1" dirty="0"/>
         </a:p>
       </dgm:t>
     </dgm:pt>
@@ -14214,10 +13853,9 @@
         <a:lstStyle/>
         <a:p>
           <a:r>
-            <a:rPr lang="en-US" b="1" dirty="0" smtClean="0"/>
+            <a:rPr lang="en-US" b="1" dirty="0"/>
             <a:t>HTML formatted email</a:t>
           </a:r>
-          <a:endParaRPr lang="en-US" b="1" dirty="0"/>
         </a:p>
       </dgm:t>
     </dgm:pt>
@@ -14251,10 +13889,9 @@
         <a:lstStyle/>
         <a:p>
           <a:r>
-            <a:rPr lang="en-US" b="1" dirty="0" smtClean="0"/>
+            <a:rPr lang="en-US" b="1" dirty="0"/>
             <a:t>Runs from central server</a:t>
           </a:r>
-          <a:endParaRPr lang="en-US" b="1" dirty="0"/>
         </a:p>
       </dgm:t>
     </dgm:pt>
@@ -14288,10 +13925,9 @@
         <a:lstStyle/>
         <a:p>
           <a:r>
-            <a:rPr lang="en-US" b="1" dirty="0" smtClean="0"/>
+            <a:rPr lang="en-US" b="1" dirty="0"/>
             <a:t>Timeout for stats collection</a:t>
           </a:r>
-          <a:endParaRPr lang="en-US" b="1" dirty="0"/>
         </a:p>
       </dgm:t>
     </dgm:pt>
@@ -14325,13 +13961,6 @@
         </dgm:presLayoutVars>
       </dgm:prSet>
       <dgm:spPr/>
-      <dgm:t>
-        <a:bodyPr/>
-        <a:lstStyle/>
-        <a:p>
-          <a:endParaRPr lang="en-US"/>
-        </a:p>
-      </dgm:t>
     </dgm:pt>
     <dgm:pt modelId="{0DADF98C-5C2B-4EA5-9ECD-DD3782CE8581}" type="pres">
       <dgm:prSet presAssocID="{CCDAE6A4-BDFD-412F-8D64-90E33AAC8058}" presName="parentText" presStyleLbl="node1" presStyleIdx="0" presStyleCnt="6">
@@ -14341,13 +13970,6 @@
         </dgm:presLayoutVars>
       </dgm:prSet>
       <dgm:spPr/>
-      <dgm:t>
-        <a:bodyPr/>
-        <a:lstStyle/>
-        <a:p>
-          <a:endParaRPr lang="en-US"/>
-        </a:p>
-      </dgm:t>
     </dgm:pt>
     <dgm:pt modelId="{B70232B3-FF9E-455F-A110-4C8E781F8C32}" type="pres">
       <dgm:prSet presAssocID="{87CFFB29-2FC4-4F35-9576-66B697690379}" presName="spacer" presStyleCnt="0"/>
@@ -14361,13 +13983,6 @@
         </dgm:presLayoutVars>
       </dgm:prSet>
       <dgm:spPr/>
-      <dgm:t>
-        <a:bodyPr/>
-        <a:lstStyle/>
-        <a:p>
-          <a:endParaRPr lang="en-US"/>
-        </a:p>
-      </dgm:t>
     </dgm:pt>
     <dgm:pt modelId="{B4EDAFE8-E7E6-4C1A-A1D9-5310DE802408}" type="pres">
       <dgm:prSet presAssocID="{00B2DF14-C5F0-4056-BED7-C18860A87757}" presName="spacer" presStyleCnt="0"/>
@@ -14381,13 +13996,6 @@
         </dgm:presLayoutVars>
       </dgm:prSet>
       <dgm:spPr/>
-      <dgm:t>
-        <a:bodyPr/>
-        <a:lstStyle/>
-        <a:p>
-          <a:endParaRPr lang="en-US"/>
-        </a:p>
-      </dgm:t>
     </dgm:pt>
     <dgm:pt modelId="{40FDBDBE-E85B-4FC0-AABF-B577F1F8BE3C}" type="pres">
       <dgm:prSet presAssocID="{BEC3F90E-B716-46A4-8E88-70BEEBAE3CD4}" presName="spacer" presStyleCnt="0"/>
@@ -14401,13 +14009,6 @@
         </dgm:presLayoutVars>
       </dgm:prSet>
       <dgm:spPr/>
-      <dgm:t>
-        <a:bodyPr/>
-        <a:lstStyle/>
-        <a:p>
-          <a:endParaRPr lang="en-US"/>
-        </a:p>
-      </dgm:t>
     </dgm:pt>
     <dgm:pt modelId="{D9C59427-60F8-40CE-AE41-994634F0E9AA}" type="pres">
       <dgm:prSet presAssocID="{C0DD2E31-08D5-449C-A626-C888D5F2B2EF}" presName="spacer" presStyleCnt="0"/>
@@ -14421,13 +14022,6 @@
         </dgm:presLayoutVars>
       </dgm:prSet>
       <dgm:spPr/>
-      <dgm:t>
-        <a:bodyPr/>
-        <a:lstStyle/>
-        <a:p>
-          <a:endParaRPr lang="en-US"/>
-        </a:p>
-      </dgm:t>
     </dgm:pt>
     <dgm:pt modelId="{69A2DE9F-D400-4DA5-9C62-8D64BC32640B}" type="pres">
       <dgm:prSet presAssocID="{8CA36F19-00F5-407E-A37F-0D0E7EFA7A32}" presName="spacer" presStyleCnt="0"/>
@@ -14441,13 +14035,6 @@
         </dgm:presLayoutVars>
       </dgm:prSet>
       <dgm:spPr/>
-      <dgm:t>
-        <a:bodyPr/>
-        <a:lstStyle/>
-        <a:p>
-          <a:endParaRPr lang="en-US"/>
-        </a:p>
-      </dgm:t>
     </dgm:pt>
   </dgm:ptLst>
   <dgm:cxnLst>
@@ -14508,10 +14095,9 @@
         <a:lstStyle/>
         <a:p>
           <a:r>
-            <a:rPr lang="en-US" sz="3000" b="1" dirty="0" smtClean="0"/>
+            <a:rPr lang="en-US" sz="3000" b="1" dirty="0"/>
             <a:t>Using Windows authentication as default</a:t>
           </a:r>
-          <a:endParaRPr lang="en-US" sz="3000" b="1" dirty="0"/>
         </a:p>
       </dgm:t>
     </dgm:pt>
@@ -14545,18 +14131,17 @@
         <a:lstStyle/>
         <a:p>
           <a:r>
-            <a:rPr lang="en-US" sz="3000" b="1" dirty="0" smtClean="0"/>
+            <a:rPr lang="en-US" sz="3000" b="1" dirty="0"/>
             <a:t>Using SQL port to collect stats (No </a:t>
           </a:r>
           <a:r>
-            <a:rPr lang="en-US" sz="3000" b="1" dirty="0" err="1" smtClean="0"/>
+            <a:rPr lang="en-US" sz="3000" b="1" dirty="0" err="1"/>
             <a:t>WinRM</a:t>
           </a:r>
           <a:r>
-            <a:rPr lang="en-US" sz="3000" b="1" dirty="0" smtClean="0"/>
+            <a:rPr lang="en-US" sz="3000" b="1" dirty="0"/>
             <a:t> or WMI ports to be opened)</a:t>
           </a:r>
-          <a:endParaRPr lang="en-US" sz="3000" b="1" dirty="0"/>
         </a:p>
       </dgm:t>
     </dgm:pt>
@@ -14590,10 +14175,9 @@
         <a:lstStyle/>
         <a:p>
           <a:r>
-            <a:rPr lang="en-US" sz="3000" b="1" dirty="0" smtClean="0"/>
+            <a:rPr lang="en-US" sz="3000" b="1" dirty="0"/>
             <a:t>Read Intent AlwaysON databases</a:t>
           </a:r>
-          <a:endParaRPr lang="en-US" sz="3000" b="1" dirty="0"/>
         </a:p>
       </dgm:t>
     </dgm:pt>
@@ -14627,10 +14211,9 @@
         <a:lstStyle/>
         <a:p>
           <a:r>
-            <a:rPr lang="en-US" sz="3000" b="1" dirty="0" smtClean="0"/>
+            <a:rPr lang="en-US" sz="3000" b="1" dirty="0"/>
             <a:t>Multiple domain</a:t>
           </a:r>
-          <a:endParaRPr lang="en-US" sz="3000" b="1" dirty="0"/>
         </a:p>
       </dgm:t>
     </dgm:pt>
@@ -14664,10 +14247,9 @@
         <a:lstStyle/>
         <a:p>
           <a:r>
-            <a:rPr lang="en-US" sz="3000" b="1" dirty="0" smtClean="0"/>
+            <a:rPr lang="en-US" sz="3000" b="1" dirty="0"/>
             <a:t>SQL 2005 onwards</a:t>
           </a:r>
-          <a:endParaRPr lang="en-US" sz="3000" b="1" dirty="0"/>
         </a:p>
       </dgm:t>
     </dgm:pt>
@@ -14701,10 +14283,9 @@
         <a:lstStyle/>
         <a:p>
           <a:r>
-            <a:rPr lang="en-US" sz="3000" b="1" dirty="0" smtClean="0"/>
+            <a:rPr lang="en-US" sz="3000" b="1" dirty="0"/>
             <a:t>SQL Authentication for non-trusted domains</a:t>
           </a:r>
-          <a:endParaRPr lang="en-US" sz="3000" b="1" dirty="0"/>
         </a:p>
       </dgm:t>
     </dgm:pt>
@@ -14738,10 +14319,9 @@
         <a:lstStyle/>
         <a:p>
           <a:r>
-            <a:rPr lang="en-US" sz="3000" b="1" dirty="0" smtClean="0"/>
+            <a:rPr lang="en-US" sz="3000" b="1" dirty="0"/>
             <a:t>SQL named and default Instance</a:t>
           </a:r>
-          <a:endParaRPr lang="en-US" sz="3000" b="1" dirty="0"/>
         </a:p>
       </dgm:t>
     </dgm:pt>
@@ -14775,13 +14355,6 @@
         </dgm:presLayoutVars>
       </dgm:prSet>
       <dgm:spPr/>
-      <dgm:t>
-        <a:bodyPr/>
-        <a:lstStyle/>
-        <a:p>
-          <a:endParaRPr lang="en-US"/>
-        </a:p>
-      </dgm:t>
     </dgm:pt>
     <dgm:pt modelId="{5EB1B882-CB63-4803-9C7D-F3891E0BF340}" type="pres">
       <dgm:prSet presAssocID="{931D6689-FF13-4030-B95C-671FDA7F1841}" presName="parentText" presStyleLbl="node1" presStyleIdx="0" presStyleCnt="7">
@@ -14791,13 +14364,6 @@
         </dgm:presLayoutVars>
       </dgm:prSet>
       <dgm:spPr/>
-      <dgm:t>
-        <a:bodyPr/>
-        <a:lstStyle/>
-        <a:p>
-          <a:endParaRPr lang="en-US"/>
-        </a:p>
-      </dgm:t>
     </dgm:pt>
     <dgm:pt modelId="{06392751-50C0-4326-BD0C-FF5764340A41}" type="pres">
       <dgm:prSet presAssocID="{52615CA0-4EF4-4379-B961-FFFB83FA1D3D}" presName="spacer" presStyleCnt="0"/>
@@ -14811,13 +14377,6 @@
         </dgm:presLayoutVars>
       </dgm:prSet>
       <dgm:spPr/>
-      <dgm:t>
-        <a:bodyPr/>
-        <a:lstStyle/>
-        <a:p>
-          <a:endParaRPr lang="en-US"/>
-        </a:p>
-      </dgm:t>
     </dgm:pt>
     <dgm:pt modelId="{BB473F42-59C6-477A-B238-D63C45F52D1E}" type="pres">
       <dgm:prSet presAssocID="{13C6A0AA-B273-4D9D-93CB-24ECAE8DA3C5}" presName="spacer" presStyleCnt="0"/>
@@ -14831,13 +14390,6 @@
         </dgm:presLayoutVars>
       </dgm:prSet>
       <dgm:spPr/>
-      <dgm:t>
-        <a:bodyPr/>
-        <a:lstStyle/>
-        <a:p>
-          <a:endParaRPr lang="en-US"/>
-        </a:p>
-      </dgm:t>
     </dgm:pt>
     <dgm:pt modelId="{A8CCBFB8-BE60-4039-81BF-2C25D012E277}" type="pres">
       <dgm:prSet presAssocID="{38E31925-9380-47D6-AB43-5669A6514505}" presName="spacer" presStyleCnt="0"/>
@@ -14851,13 +14403,6 @@
         </dgm:presLayoutVars>
       </dgm:prSet>
       <dgm:spPr/>
-      <dgm:t>
-        <a:bodyPr/>
-        <a:lstStyle/>
-        <a:p>
-          <a:endParaRPr lang="en-US"/>
-        </a:p>
-      </dgm:t>
     </dgm:pt>
     <dgm:pt modelId="{CD4E3F8F-CF9A-46CD-B736-0879A15C2D3C}" type="pres">
       <dgm:prSet presAssocID="{01C3EA0E-949D-4930-9DD1-57198BDA0079}" presName="spacer" presStyleCnt="0"/>
@@ -14871,13 +14416,6 @@
         </dgm:presLayoutVars>
       </dgm:prSet>
       <dgm:spPr/>
-      <dgm:t>
-        <a:bodyPr/>
-        <a:lstStyle/>
-        <a:p>
-          <a:endParaRPr lang="en-US"/>
-        </a:p>
-      </dgm:t>
     </dgm:pt>
     <dgm:pt modelId="{3F8C7C40-E49B-4A41-B202-4C7DC4744ADA}" type="pres">
       <dgm:prSet presAssocID="{902D862F-DAF3-4C95-B6B7-A8C5CB5EEB12}" presName="spacer" presStyleCnt="0"/>
@@ -14891,13 +14429,6 @@
         </dgm:presLayoutVars>
       </dgm:prSet>
       <dgm:spPr/>
-      <dgm:t>
-        <a:bodyPr/>
-        <a:lstStyle/>
-        <a:p>
-          <a:endParaRPr lang="en-US"/>
-        </a:p>
-      </dgm:t>
     </dgm:pt>
     <dgm:pt modelId="{AB7E63A2-1AA9-43C3-981F-161D2AB0BDB5}" type="pres">
       <dgm:prSet presAssocID="{285F33BC-2E1B-41C6-8EDC-A0E24B5679EB}" presName="spacer" presStyleCnt="0"/>
@@ -14911,13 +14442,6 @@
         </dgm:presLayoutVars>
       </dgm:prSet>
       <dgm:spPr/>
-      <dgm:t>
-        <a:bodyPr/>
-        <a:lstStyle/>
-        <a:p>
-          <a:endParaRPr lang="en-US"/>
-        </a:p>
-      </dgm:t>
     </dgm:pt>
   </dgm:ptLst>
   <dgm:cxnLst>
@@ -14982,10 +14506,9 @@
         <a:lstStyle/>
         <a:p>
           <a:r>
-            <a:rPr lang="en-US" b="1" dirty="0" smtClean="0"/>
+            <a:rPr lang="en-US" b="1" dirty="0"/>
             <a:t>Critical observations for SQL Performance</a:t>
           </a:r>
-          <a:endParaRPr lang="en-US" b="1" dirty="0"/>
         </a:p>
       </dgm:t>
     </dgm:pt>
@@ -15019,10 +14542,9 @@
         <a:lstStyle/>
         <a:p>
           <a:r>
-            <a:rPr lang="en-US" b="1" dirty="0" smtClean="0"/>
+            <a:rPr lang="en-US" b="1" dirty="0"/>
             <a:t>OS and SQL Uptime</a:t>
           </a:r>
-          <a:endParaRPr lang="en-US" b="1" dirty="0"/>
         </a:p>
       </dgm:t>
     </dgm:pt>
@@ -15056,10 +14578,9 @@
         <a:lstStyle/>
         <a:p>
           <a:r>
-            <a:rPr lang="en-US" b="1" dirty="0" smtClean="0"/>
+            <a:rPr lang="en-US" b="1" dirty="0"/>
             <a:t>How was OS and SQL memory is configured</a:t>
           </a:r>
-          <a:endParaRPr lang="en-US" b="1" dirty="0"/>
         </a:p>
       </dgm:t>
     </dgm:pt>
@@ -15093,10 +14614,9 @@
         <a:lstStyle/>
         <a:p>
           <a:r>
-            <a:rPr lang="en-US" b="1" dirty="0" smtClean="0"/>
+            <a:rPr lang="en-US" b="1" dirty="0"/>
             <a:t>SQL observations are based on dedicated SQL Node</a:t>
           </a:r>
-          <a:endParaRPr lang="en-US" b="1" dirty="0"/>
         </a:p>
       </dgm:t>
     </dgm:pt>
@@ -15130,10 +14650,9 @@
         <a:lstStyle/>
         <a:p>
           <a:r>
-            <a:rPr lang="en-US" b="1" dirty="0" smtClean="0"/>
+            <a:rPr lang="en-US" b="1" dirty="0"/>
             <a:t>Ad-hoc database growth</a:t>
           </a:r>
-          <a:endParaRPr lang="en-US" b="1" dirty="0"/>
         </a:p>
       </dgm:t>
     </dgm:pt>
@@ -15167,10 +14686,9 @@
         <a:lstStyle/>
         <a:p>
           <a:r>
-            <a:rPr lang="en-US" b="1" dirty="0" smtClean="0"/>
+            <a:rPr lang="en-US" b="1" dirty="0"/>
             <a:t>Database Latency</a:t>
           </a:r>
-          <a:endParaRPr lang="en-US" b="1" dirty="0"/>
         </a:p>
       </dgm:t>
     </dgm:pt>
@@ -15204,10 +14722,9 @@
         <a:lstStyle/>
         <a:p>
           <a:r>
-            <a:rPr lang="en-US" b="1" dirty="0" smtClean="0"/>
+            <a:rPr lang="en-US" b="1" dirty="0"/>
             <a:t>High CPU usage</a:t>
           </a:r>
-          <a:endParaRPr lang="en-US" b="1" dirty="0"/>
         </a:p>
       </dgm:t>
     </dgm:pt>
@@ -15241,13 +14758,6 @@
         </dgm:presLayoutVars>
       </dgm:prSet>
       <dgm:spPr/>
-      <dgm:t>
-        <a:bodyPr/>
-        <a:lstStyle/>
-        <a:p>
-          <a:endParaRPr lang="en-US"/>
-        </a:p>
-      </dgm:t>
     </dgm:pt>
     <dgm:pt modelId="{C2AC79BC-77C4-4FC6-A187-A54CEE873C69}" type="pres">
       <dgm:prSet presAssocID="{346C4CDE-36FD-4F61-AC33-B66F90A5D7A3}" presName="parentText" presStyleLbl="node1" presStyleIdx="0" presStyleCnt="2" custLinFactNeighborY="-15886">
@@ -15257,13 +14767,6 @@
         </dgm:presLayoutVars>
       </dgm:prSet>
       <dgm:spPr/>
-      <dgm:t>
-        <a:bodyPr/>
-        <a:lstStyle/>
-        <a:p>
-          <a:endParaRPr lang="en-US"/>
-        </a:p>
-      </dgm:t>
     </dgm:pt>
     <dgm:pt modelId="{10DE68FC-13DD-4814-A02F-A8AC2BD722AC}" type="pres">
       <dgm:prSet presAssocID="{346C4CDE-36FD-4F61-AC33-B66F90A5D7A3}" presName="childText" presStyleLbl="revTx" presStyleIdx="0" presStyleCnt="1" custLinFactNeighborY="-25034">
@@ -15272,13 +14775,6 @@
         </dgm:presLayoutVars>
       </dgm:prSet>
       <dgm:spPr/>
-      <dgm:t>
-        <a:bodyPr/>
-        <a:lstStyle/>
-        <a:p>
-          <a:endParaRPr lang="en-US"/>
-        </a:p>
-      </dgm:t>
     </dgm:pt>
     <dgm:pt modelId="{4A1824F6-ED0D-46F3-B950-7E50CE12681F}" type="pres">
       <dgm:prSet presAssocID="{16CBACE0-E2B7-41D2-993A-62DA61535BAC}" presName="parentText" presStyleLbl="node1" presStyleIdx="1" presStyleCnt="2">
@@ -15288,13 +14784,6 @@
         </dgm:presLayoutVars>
       </dgm:prSet>
       <dgm:spPr/>
-      <dgm:t>
-        <a:bodyPr/>
-        <a:lstStyle/>
-        <a:p>
-          <a:endParaRPr lang="en-US"/>
-        </a:p>
-      </dgm:t>
     </dgm:pt>
   </dgm:ptLst>
   <dgm:cxnLst>
@@ -15349,10 +14838,9 @@
         <a:lstStyle/>
         <a:p>
           <a:r>
-            <a:rPr lang="en-US" sz="2000" b="1" dirty="0" smtClean="0"/>
+            <a:rPr lang="en-US" sz="2000" b="1" dirty="0"/>
             <a:t>Key consolidated views to match OS and SQL information</a:t>
           </a:r>
-          <a:endParaRPr lang="en-US" sz="2000" b="1" dirty="0"/>
         </a:p>
       </dgm:t>
     </dgm:pt>
@@ -15386,10 +14874,9 @@
         <a:lstStyle/>
         <a:p>
           <a:r>
-            <a:rPr lang="en-US" sz="2000" b="1" dirty="0" smtClean="0"/>
+            <a:rPr lang="en-US" sz="2000" b="1" dirty="0"/>
             <a:t>Memory View</a:t>
           </a:r>
-          <a:endParaRPr lang="en-US" sz="2000" b="1" dirty="0"/>
         </a:p>
       </dgm:t>
     </dgm:pt>
@@ -15423,10 +14910,9 @@
         <a:lstStyle/>
         <a:p>
           <a:r>
-            <a:rPr lang="en-US" sz="1500" b="1" dirty="0" smtClean="0"/>
+            <a:rPr lang="en-US" sz="1500" b="1" dirty="0"/>
             <a:t>PLE</a:t>
           </a:r>
-          <a:endParaRPr lang="en-US" sz="1500" b="1" dirty="0"/>
         </a:p>
       </dgm:t>
     </dgm:pt>
@@ -15460,10 +14946,9 @@
         <a:lstStyle/>
         <a:p>
           <a:r>
-            <a:rPr lang="en-US" sz="1500" b="1" dirty="0" smtClean="0"/>
+            <a:rPr lang="en-US" sz="1500" b="1" dirty="0"/>
             <a:t>Min/Max memory</a:t>
           </a:r>
-          <a:endParaRPr lang="en-US" sz="1500" b="1" dirty="0"/>
         </a:p>
       </dgm:t>
     </dgm:pt>
@@ -15497,10 +14982,9 @@
         <a:lstStyle/>
         <a:p>
           <a:r>
-            <a:rPr lang="en-US" sz="1500" b="1" dirty="0" smtClean="0"/>
+            <a:rPr lang="en-US" sz="1500" b="1" dirty="0"/>
             <a:t>OS Total and Free RAM</a:t>
           </a:r>
-          <a:endParaRPr lang="en-US" sz="1500" b="1" dirty="0"/>
         </a:p>
       </dgm:t>
     </dgm:pt>
@@ -15534,10 +15018,9 @@
         <a:lstStyle/>
         <a:p>
           <a:r>
-            <a:rPr lang="en-US" b="1" dirty="0" smtClean="0"/>
+            <a:rPr lang="en-US" b="1" dirty="0"/>
             <a:t>CPU View</a:t>
           </a:r>
-          <a:endParaRPr lang="en-US" b="1" dirty="0"/>
         </a:p>
       </dgm:t>
     </dgm:pt>
@@ -15571,10 +15054,9 @@
         <a:lstStyle/>
         <a:p>
           <a:r>
-            <a:rPr lang="en-US" b="1" dirty="0" smtClean="0"/>
+            <a:rPr lang="en-US" b="1" dirty="0"/>
             <a:t>OS and SQL Uptime</a:t>
           </a:r>
-          <a:endParaRPr lang="en-US" b="1" dirty="0"/>
         </a:p>
       </dgm:t>
     </dgm:pt>
@@ -15608,10 +15090,9 @@
         <a:lstStyle/>
         <a:p>
           <a:r>
-            <a:rPr lang="en-US" b="1" dirty="0" smtClean="0"/>
+            <a:rPr lang="en-US" b="1" dirty="0"/>
             <a:t>No of CPU</a:t>
           </a:r>
-          <a:endParaRPr lang="en-US" b="1" dirty="0"/>
         </a:p>
       </dgm:t>
     </dgm:pt>
@@ -15645,18 +15126,17 @@
         <a:lstStyle/>
         <a:p>
           <a:r>
-            <a:rPr lang="en-US" b="1" dirty="0" smtClean="0"/>
+            <a:rPr lang="en-US" b="1" dirty="0"/>
             <a:t>Last 4 hours </a:t>
           </a:r>
           <a:r>
-            <a:rPr lang="en-US" b="1" dirty="0" err="1" smtClean="0"/>
+            <a:rPr lang="en-US" b="1" dirty="0" err="1"/>
             <a:t>Avg</a:t>
           </a:r>
           <a:r>
-            <a:rPr lang="en-US" b="1" dirty="0" smtClean="0"/>
+            <a:rPr lang="en-US" b="1" dirty="0"/>
             <a:t>/Max/Min CPU Usage by SQL server</a:t>
           </a:r>
-          <a:endParaRPr lang="en-US" b="1" dirty="0"/>
         </a:p>
       </dgm:t>
     </dgm:pt>
@@ -15690,10 +15170,9 @@
         <a:lstStyle/>
         <a:p>
           <a:r>
-            <a:rPr lang="en-US" sz="2000" b="1" dirty="0" smtClean="0"/>
+            <a:rPr lang="en-US" sz="2000" b="1" dirty="0"/>
             <a:t>Disk view</a:t>
           </a:r>
-          <a:endParaRPr lang="en-US" sz="2000" b="1" dirty="0"/>
         </a:p>
       </dgm:t>
     </dgm:pt>
@@ -15727,18 +15206,17 @@
         <a:lstStyle/>
         <a:p>
           <a:r>
-            <a:rPr lang="en-US" b="1" dirty="0" smtClean="0"/>
+            <a:rPr lang="en-US" b="1" dirty="0"/>
             <a:t>Last 4 hours </a:t>
           </a:r>
           <a:r>
-            <a:rPr lang="en-US" b="1" dirty="0" err="1" smtClean="0"/>
+            <a:rPr lang="en-US" b="1" dirty="0" err="1"/>
             <a:t>Avg</a:t>
           </a:r>
           <a:r>
-            <a:rPr lang="en-US" b="1" dirty="0" smtClean="0"/>
+            <a:rPr lang="en-US" b="1" dirty="0"/>
             <a:t>/Max/Min CPU Usage by Non-SQL processes</a:t>
           </a:r>
-          <a:endParaRPr lang="en-US" b="1" dirty="0"/>
         </a:p>
       </dgm:t>
     </dgm:pt>
@@ -15772,18 +15250,17 @@
         <a:lstStyle/>
         <a:p>
           <a:r>
-            <a:rPr lang="en-US" b="1" dirty="0" smtClean="0"/>
+            <a:rPr lang="en-US" b="1" dirty="0"/>
             <a:t>Last 30 min </a:t>
           </a:r>
           <a:r>
-            <a:rPr lang="en-US" b="1" dirty="0" err="1" smtClean="0"/>
+            <a:rPr lang="en-US" b="1" dirty="0" err="1"/>
             <a:t>Avg</a:t>
           </a:r>
           <a:r>
-            <a:rPr lang="en-US" b="1" dirty="0" smtClean="0"/>
+            <a:rPr lang="en-US" b="1" dirty="0"/>
             <a:t>/Max/Min CPU Usage by SQL server</a:t>
           </a:r>
-          <a:endParaRPr lang="en-US" b="1" dirty="0"/>
         </a:p>
       </dgm:t>
     </dgm:pt>
@@ -15817,10 +15294,9 @@
         <a:lstStyle/>
         <a:p>
           <a:r>
-            <a:rPr lang="en-US" b="1" dirty="0" smtClean="0"/>
+            <a:rPr lang="en-US" b="1" dirty="0"/>
             <a:t>Highest Read/Write/Overall Latency</a:t>
           </a:r>
-          <a:endParaRPr lang="en-US" b="1" dirty="0"/>
         </a:p>
       </dgm:t>
     </dgm:pt>
@@ -15854,10 +15330,9 @@
         <a:lstStyle/>
         <a:p>
           <a:r>
-            <a:rPr lang="en-US" b="1" dirty="0" smtClean="0"/>
+            <a:rPr lang="en-US" b="1" dirty="0"/>
             <a:t>Drive usage mapped to data  and log files</a:t>
           </a:r>
-          <a:endParaRPr lang="en-US" b="1" dirty="0"/>
         </a:p>
       </dgm:t>
     </dgm:pt>
@@ -15891,13 +15366,6 @@
         </dgm:presLayoutVars>
       </dgm:prSet>
       <dgm:spPr/>
-      <dgm:t>
-        <a:bodyPr/>
-        <a:lstStyle/>
-        <a:p>
-          <a:endParaRPr lang="en-US"/>
-        </a:p>
-      </dgm:t>
     </dgm:pt>
     <dgm:pt modelId="{C2AC79BC-77C4-4FC6-A187-A54CEE873C69}" type="pres">
       <dgm:prSet presAssocID="{346C4CDE-36FD-4F61-AC33-B66F90A5D7A3}" presName="parentText" presStyleLbl="node1" presStyleIdx="0" presStyleCnt="4" custScaleY="59004">
@@ -15907,13 +15375,6 @@
         </dgm:presLayoutVars>
       </dgm:prSet>
       <dgm:spPr/>
-      <dgm:t>
-        <a:bodyPr/>
-        <a:lstStyle/>
-        <a:p>
-          <a:endParaRPr lang="en-US"/>
-        </a:p>
-      </dgm:t>
     </dgm:pt>
     <dgm:pt modelId="{38D3A7C5-889A-487D-AA59-06AB4A972E11}" type="pres">
       <dgm:prSet presAssocID="{6E715519-2AF6-4BEB-A776-A0B58B923DE3}" presName="spacer" presStyleCnt="0"/>
@@ -15927,13 +15388,6 @@
         </dgm:presLayoutVars>
       </dgm:prSet>
       <dgm:spPr/>
-      <dgm:t>
-        <a:bodyPr/>
-        <a:lstStyle/>
-        <a:p>
-          <a:endParaRPr lang="en-US"/>
-        </a:p>
-      </dgm:t>
     </dgm:pt>
     <dgm:pt modelId="{357D803B-3768-45B9-8E4E-2B110E62BCD0}" type="pres">
       <dgm:prSet presAssocID="{31A2E076-8F33-4FE6-A151-D5C7FF198AD4}" presName="childText" presStyleLbl="revTx" presStyleIdx="0" presStyleCnt="3" custLinFactNeighborY="11789">
@@ -15942,13 +15396,6 @@
         </dgm:presLayoutVars>
       </dgm:prSet>
       <dgm:spPr/>
-      <dgm:t>
-        <a:bodyPr/>
-        <a:lstStyle/>
-        <a:p>
-          <a:endParaRPr lang="en-US"/>
-        </a:p>
-      </dgm:t>
     </dgm:pt>
     <dgm:pt modelId="{066691E2-4A79-4C96-8821-FC759DFC4CC2}" type="pres">
       <dgm:prSet presAssocID="{E3A2AB30-4FE4-4FF6-A5B6-13ED90392E96}" presName="parentText" presStyleLbl="node1" presStyleIdx="2" presStyleCnt="4" custScaleY="61693" custLinFactNeighborY="12002">
@@ -15958,13 +15405,6 @@
         </dgm:presLayoutVars>
       </dgm:prSet>
       <dgm:spPr/>
-      <dgm:t>
-        <a:bodyPr/>
-        <a:lstStyle/>
-        <a:p>
-          <a:endParaRPr lang="en-US"/>
-        </a:p>
-      </dgm:t>
     </dgm:pt>
     <dgm:pt modelId="{4F4BD30E-D3C0-440D-A0B5-3FF6936890CB}" type="pres">
       <dgm:prSet presAssocID="{E3A2AB30-4FE4-4FF6-A5B6-13ED90392E96}" presName="childText" presStyleLbl="revTx" presStyleIdx="1" presStyleCnt="3" custLinFactNeighborY="42016">
@@ -15973,13 +15413,6 @@
         </dgm:presLayoutVars>
       </dgm:prSet>
       <dgm:spPr/>
-      <dgm:t>
-        <a:bodyPr/>
-        <a:lstStyle/>
-        <a:p>
-          <a:endParaRPr lang="en-US"/>
-        </a:p>
-      </dgm:t>
     </dgm:pt>
     <dgm:pt modelId="{8A3AEA11-F8CF-486D-A4F3-77052337E117}" type="pres">
       <dgm:prSet presAssocID="{E8F34DCF-5E02-4493-B06C-A9E895649150}" presName="parentText" presStyleLbl="node1" presStyleIdx="3" presStyleCnt="4" custScaleY="64981" custLinFactNeighborY="-35151">
@@ -15989,13 +15422,6 @@
         </dgm:presLayoutVars>
       </dgm:prSet>
       <dgm:spPr/>
-      <dgm:t>
-        <a:bodyPr/>
-        <a:lstStyle/>
-        <a:p>
-          <a:endParaRPr lang="en-US"/>
-        </a:p>
-      </dgm:t>
     </dgm:pt>
     <dgm:pt modelId="{DA880F0B-2261-46F9-8BDB-3E6643D259B1}" type="pres">
       <dgm:prSet presAssocID="{E8F34DCF-5E02-4493-B06C-A9E895649150}" presName="childText" presStyleLbl="revTx" presStyleIdx="2" presStyleCnt="3" custLinFactNeighborY="-29175">
@@ -16004,13 +15430,6 @@
         </dgm:presLayoutVars>
       </dgm:prSet>
       <dgm:spPr/>
-      <dgm:t>
-        <a:bodyPr/>
-        <a:lstStyle/>
-        <a:p>
-          <a:endParaRPr lang="en-US"/>
-        </a:p>
-      </dgm:t>
     </dgm:pt>
   </dgm:ptLst>
   <dgm:cxnLst>
@@ -16084,10 +15503,9 @@
         <a:lstStyle/>
         <a:p>
           <a:r>
-            <a:rPr lang="en-US" b="1" dirty="0" smtClean="0"/>
+            <a:rPr lang="en-US" b="1" dirty="0"/>
             <a:t>Demo scenarios include </a:t>
           </a:r>
-          <a:endParaRPr lang="en-US" b="1" dirty="0"/>
         </a:p>
       </dgm:t>
     </dgm:pt>
@@ -16121,10 +15539,9 @@
         <a:lstStyle/>
         <a:p>
           <a:r>
-            <a:rPr lang="en-US" b="1" dirty="0" smtClean="0"/>
+            <a:rPr lang="en-US" b="1" dirty="0"/>
             <a:t>Diff SQL versions from 2008 to 2016</a:t>
           </a:r>
-          <a:endParaRPr lang="en-US" b="1" dirty="0"/>
         </a:p>
       </dgm:t>
     </dgm:pt>
@@ -16158,10 +15575,9 @@
         <a:lstStyle/>
         <a:p>
           <a:r>
-            <a:rPr lang="en-US" b="1" dirty="0" smtClean="0"/>
+            <a:rPr lang="en-US" b="1" dirty="0"/>
             <a:t>Named and Default Instance</a:t>
           </a:r>
-          <a:endParaRPr lang="en-US" b="1" dirty="0"/>
         </a:p>
       </dgm:t>
     </dgm:pt>
@@ -16195,10 +15611,9 @@
         <a:lstStyle/>
         <a:p>
           <a:r>
-            <a:rPr lang="en-US" b="1" dirty="0" smtClean="0"/>
+            <a:rPr lang="en-US" b="1" dirty="0"/>
             <a:t>Windows &amp; SQL Authentication</a:t>
           </a:r>
-          <a:endParaRPr lang="en-US" b="1" dirty="0"/>
         </a:p>
       </dgm:t>
     </dgm:pt>
@@ -16232,10 +15647,9 @@
         <a:lstStyle/>
         <a:p>
           <a:r>
-            <a:rPr lang="en-US" b="1" dirty="0" smtClean="0"/>
+            <a:rPr lang="en-US" b="1" dirty="0"/>
             <a:t>Host Name with and without FQDN</a:t>
           </a:r>
-          <a:endParaRPr lang="en-US" b="1" dirty="0"/>
         </a:p>
       </dgm:t>
     </dgm:pt>
@@ -16269,10 +15683,9 @@
         <a:lstStyle/>
         <a:p>
           <a:r>
-            <a:rPr lang="en-US" dirty="0" smtClean="0"/>
+            <a:rPr lang="en-US" dirty="0"/>
             <a:t>Script Parameters</a:t>
           </a:r>
-          <a:endParaRPr lang="en-US" dirty="0"/>
         </a:p>
       </dgm:t>
     </dgm:pt>
@@ -16306,7 +15719,7 @@
         <a:lstStyle/>
         <a:p>
           <a:r>
-            <a:rPr lang="en-US" b="1" dirty="0" err="1" smtClean="0"/>
+            <a:rPr lang="en-US" b="1" dirty="0" err="1"/>
             <a:t>EmailSender</a:t>
           </a:r>
           <a:endParaRPr lang="en-US" b="1" dirty="0"/>
@@ -16343,7 +15756,7 @@
         <a:lstStyle/>
         <a:p>
           <a:r>
-            <a:rPr lang="en-US" b="1" dirty="0" err="1" smtClean="0"/>
+            <a:rPr lang="en-US" b="1" dirty="0" err="1"/>
             <a:t>ServerInstance</a:t>
           </a:r>
           <a:endParaRPr lang="en-US" b="1" dirty="0"/>
@@ -16380,14 +15793,13 @@
         <a:lstStyle/>
         <a:p>
           <a:r>
-            <a:rPr lang="en-US" b="1" dirty="0" err="1" smtClean="0"/>
+            <a:rPr lang="en-US" b="1" dirty="0" err="1"/>
             <a:t>SqlUser</a:t>
           </a:r>
           <a:r>
-            <a:rPr lang="en-US" b="1" dirty="0" smtClean="0"/>
+            <a:rPr lang="en-US" b="1" dirty="0"/>
             <a:t> - Optional</a:t>
           </a:r>
-          <a:endParaRPr lang="en-US" b="1" dirty="0"/>
         </a:p>
       </dgm:t>
     </dgm:pt>
@@ -16421,14 +15833,13 @@
         <a:lstStyle/>
         <a:p>
           <a:r>
-            <a:rPr lang="en-US" b="1" dirty="0" err="1" smtClean="0"/>
+            <a:rPr lang="en-US" b="1" dirty="0" err="1"/>
             <a:t>SqlPassword</a:t>
           </a:r>
           <a:r>
-            <a:rPr lang="en-US" b="1" dirty="0" smtClean="0"/>
+            <a:rPr lang="en-US" b="1" dirty="0"/>
             <a:t>– Optional (Default windows authentication will be used)</a:t>
           </a:r>
-          <a:endParaRPr lang="en-US" b="1" dirty="0"/>
         </a:p>
       </dgm:t>
     </dgm:pt>
@@ -16462,14 +15873,13 @@
         <a:lstStyle/>
         <a:p>
           <a:r>
-            <a:rPr lang="en-US" b="1" dirty="0" err="1" smtClean="0"/>
+            <a:rPr lang="en-US" b="1" dirty="0" err="1"/>
             <a:t>Smtpserver</a:t>
           </a:r>
           <a:r>
-            <a:rPr lang="en-US" b="1" dirty="0" smtClean="0"/>
+            <a:rPr lang="en-US" b="1" dirty="0"/>
             <a:t>- Optional</a:t>
           </a:r>
-          <a:endParaRPr lang="en-US" b="1" dirty="0"/>
         </a:p>
       </dgm:t>
     </dgm:pt>
@@ -16503,13 +15913,6 @@
         </dgm:presLayoutVars>
       </dgm:prSet>
       <dgm:spPr/>
-      <dgm:t>
-        <a:bodyPr/>
-        <a:lstStyle/>
-        <a:p>
-          <a:endParaRPr lang="en-US"/>
-        </a:p>
-      </dgm:t>
     </dgm:pt>
     <dgm:pt modelId="{7138743C-3DBC-49B5-B864-0A4B0B265BCF}" type="pres">
       <dgm:prSet presAssocID="{BB106808-2767-4704-9651-0E2538A22AEB}" presName="parentText" presStyleLbl="node1" presStyleIdx="0" presStyleCnt="2">
@@ -16519,13 +15922,6 @@
         </dgm:presLayoutVars>
       </dgm:prSet>
       <dgm:spPr/>
-      <dgm:t>
-        <a:bodyPr/>
-        <a:lstStyle/>
-        <a:p>
-          <a:endParaRPr lang="en-US"/>
-        </a:p>
-      </dgm:t>
     </dgm:pt>
     <dgm:pt modelId="{60A80BC2-C5E0-4393-B85C-FAA052C71825}" type="pres">
       <dgm:prSet presAssocID="{BB106808-2767-4704-9651-0E2538A22AEB}" presName="childText" presStyleLbl="revTx" presStyleIdx="0" presStyleCnt="2" custScaleY="113650" custLinFactNeighborY="4340">
@@ -16534,13 +15930,6 @@
         </dgm:presLayoutVars>
       </dgm:prSet>
       <dgm:spPr/>
-      <dgm:t>
-        <a:bodyPr/>
-        <a:lstStyle/>
-        <a:p>
-          <a:endParaRPr lang="en-US"/>
-        </a:p>
-      </dgm:t>
     </dgm:pt>
     <dgm:pt modelId="{E77F4C3D-F6ED-45BB-AC50-A2F4FACC1EB1}" type="pres">
       <dgm:prSet presAssocID="{3796419D-5E4A-4A26-9C9B-69979B0D72F1}" presName="parentText" presStyleLbl="node1" presStyleIdx="1" presStyleCnt="2">
@@ -16550,13 +15939,6 @@
         </dgm:presLayoutVars>
       </dgm:prSet>
       <dgm:spPr/>
-      <dgm:t>
-        <a:bodyPr/>
-        <a:lstStyle/>
-        <a:p>
-          <a:endParaRPr lang="en-US"/>
-        </a:p>
-      </dgm:t>
     </dgm:pt>
     <dgm:pt modelId="{49F4E748-0747-4D59-914B-28182EAC8EAF}" type="pres">
       <dgm:prSet presAssocID="{3796419D-5E4A-4A26-9C9B-69979B0D72F1}" presName="childText" presStyleLbl="revTx" presStyleIdx="1" presStyleCnt="2" custScaleY="107477" custLinFactNeighborY="8012">
@@ -16565,13 +15947,6 @@
         </dgm:presLayoutVars>
       </dgm:prSet>
       <dgm:spPr/>
-      <dgm:t>
-        <a:bodyPr/>
-        <a:lstStyle/>
-        <a:p>
-          <a:endParaRPr lang="en-US"/>
-        </a:p>
-      </dgm:t>
     </dgm:pt>
   </dgm:ptLst>
   <dgm:cxnLst>
@@ -16675,7 +16050,7 @@
         </a:bodyPr>
         <a:lstStyle/>
         <a:p>
-          <a:pPr lvl="0" algn="l" defTabSz="1422400" rtl="0">
+          <a:pPr marL="0" lvl="0" indent="0" algn="l" defTabSz="1422400" rtl="0">
             <a:lnSpc>
               <a:spcPct val="90000"/>
             </a:lnSpc>
@@ -16685,12 +16060,12 @@
             <a:spcAft>
               <a:spcPct val="35000"/>
             </a:spcAft>
+            <a:buNone/>
           </a:pPr>
           <a:r>
-            <a:rPr lang="en-US" sz="3200" b="1" u="none" kern="1200" dirty="0" smtClean="0"/>
+            <a:rPr lang="en-US" sz="3200" b="1" u="none" kern="1200" dirty="0"/>
             <a:t>Demo Scenarios</a:t>
           </a:r>
-          <a:endParaRPr lang="en-US" sz="3200" b="1" u="none" kern="1200" dirty="0"/>
         </a:p>
       </dsp:txBody>
       <dsp:txXfrm>
@@ -16752,7 +16127,7 @@
         </a:bodyPr>
         <a:lstStyle/>
         <a:p>
-          <a:pPr lvl="0" algn="l" defTabSz="1422400" rtl="0">
+          <a:pPr marL="0" lvl="0" indent="0" algn="l" defTabSz="1422400" rtl="0">
             <a:lnSpc>
               <a:spcPct val="90000"/>
             </a:lnSpc>
@@ -16762,12 +16137,12 @@
             <a:spcAft>
               <a:spcPct val="35000"/>
             </a:spcAft>
+            <a:buNone/>
           </a:pPr>
           <a:r>
-            <a:rPr lang="en-US" sz="3200" b="1" kern="1200" dirty="0" smtClean="0"/>
+            <a:rPr lang="en-US" sz="3200" b="1" kern="1200" dirty="0"/>
             <a:t>Initial Setup</a:t>
           </a:r>
-          <a:endParaRPr lang="en-US" sz="3200" b="1" kern="1200" dirty="0"/>
         </a:p>
       </dsp:txBody>
       <dsp:txXfrm>
@@ -16829,7 +16204,7 @@
         </a:bodyPr>
         <a:lstStyle/>
         <a:p>
-          <a:pPr lvl="0" algn="l" defTabSz="1422400">
+          <a:pPr marL="0" lvl="0" indent="0" algn="l" defTabSz="1422400">
             <a:lnSpc>
               <a:spcPct val="90000"/>
             </a:lnSpc>
@@ -16839,9 +16214,10 @@
             <a:spcAft>
               <a:spcPct val="35000"/>
             </a:spcAft>
+            <a:buNone/>
           </a:pPr>
           <a:r>
-            <a:rPr lang="en-US" sz="3200" b="1" kern="1200" dirty="0" smtClean="0"/>
+            <a:rPr lang="en-US" sz="3200" b="1" kern="1200" dirty="0"/>
             <a:t>Common Functions</a:t>
           </a:r>
         </a:p>
@@ -16905,7 +16281,7 @@
         </a:bodyPr>
         <a:lstStyle/>
         <a:p>
-          <a:pPr lvl="0" algn="l" defTabSz="1422400">
+          <a:pPr marL="0" lvl="0" indent="0" algn="l" defTabSz="1422400">
             <a:lnSpc>
               <a:spcPct val="90000"/>
             </a:lnSpc>
@@ -16915,9 +16291,10 @@
             <a:spcAft>
               <a:spcPct val="35000"/>
             </a:spcAft>
+            <a:buNone/>
           </a:pPr>
           <a:r>
-            <a:rPr lang="en-US" sz="3200" b="1" kern="1200" dirty="0" smtClean="0"/>
+            <a:rPr lang="en-US" sz="3200" b="1" kern="1200" dirty="0"/>
             <a:t>Script review</a:t>
           </a:r>
         </a:p>
@@ -16981,7 +16358,7 @@
         </a:bodyPr>
         <a:lstStyle/>
         <a:p>
-          <a:pPr lvl="0" algn="l" defTabSz="1422400" rtl="0">
+          <a:pPr marL="0" lvl="0" indent="0" algn="l" defTabSz="1422400" rtl="0">
             <a:lnSpc>
               <a:spcPct val="90000"/>
             </a:lnSpc>
@@ -16991,12 +16368,12 @@
             <a:spcAft>
               <a:spcPct val="35000"/>
             </a:spcAft>
+            <a:buNone/>
           </a:pPr>
           <a:r>
-            <a:rPr lang="en-US" sz="3200" b="1" kern="1200" dirty="0" smtClean="0"/>
+            <a:rPr lang="en-US" sz="3200" b="1" kern="1200" dirty="0"/>
             <a:t>Known Limitations &amp; Questions</a:t>
           </a:r>
-          <a:endParaRPr lang="en-US" sz="3200" b="1" kern="1200" dirty="0"/>
         </a:p>
       </dsp:txBody>
       <dsp:txXfrm>
@@ -17016,6 +16393,319 @@
       <dsp:cNvGrpSpPr/>
     </dsp:nvGrpSpPr>
     <dsp:grpSpPr/>
+    <dsp:sp modelId="{C2AC79BC-77C4-4FC6-A187-A54CEE873C69}">
+      <dsp:nvSpPr>
+        <dsp:cNvPr id="0" name=""/>
+        <dsp:cNvSpPr/>
+      </dsp:nvSpPr>
+      <dsp:spPr>
+        <a:xfrm>
+          <a:off x="0" y="420415"/>
+          <a:ext cx="11125200" cy="913080"/>
+        </a:xfrm>
+        <a:prstGeom prst="roundRect">
+          <a:avLst/>
+        </a:prstGeom>
+        <a:solidFill>
+          <a:schemeClr val="accent1">
+            <a:hueOff val="0"/>
+            <a:satOff val="0"/>
+            <a:lumOff val="0"/>
+            <a:alphaOff val="0"/>
+          </a:schemeClr>
+        </a:solidFill>
+        <a:ln w="19050" cap="flat" cmpd="sng" algn="ctr">
+          <a:solidFill>
+            <a:schemeClr val="lt1">
+              <a:hueOff val="0"/>
+              <a:satOff val="0"/>
+              <a:lumOff val="0"/>
+              <a:alphaOff val="0"/>
+            </a:schemeClr>
+          </a:solidFill>
+          <a:prstDash val="solid"/>
+        </a:ln>
+        <a:effectLst/>
+      </dsp:spPr>
+      <dsp:style>
+        <a:lnRef idx="2">
+          <a:scrgbClr r="0" g="0" b="0"/>
+        </a:lnRef>
+        <a:fillRef idx="1">
+          <a:scrgbClr r="0" g="0" b="0"/>
+        </a:fillRef>
+        <a:effectRef idx="0">
+          <a:scrgbClr r="0" g="0" b="0"/>
+        </a:effectRef>
+        <a:fontRef idx="minor">
+          <a:schemeClr val="lt1"/>
+        </a:fontRef>
+      </dsp:style>
+      <dsp:txBody>
+        <a:bodyPr spcFirstLastPara="0" vert="horz" wrap="square" lIns="125730" tIns="125730" rIns="125730" bIns="125730" numCol="1" spcCol="1270" anchor="ctr" anchorCtr="0">
+          <a:noAutofit/>
+        </a:bodyPr>
+        <a:lstStyle/>
+        <a:p>
+          <a:pPr marL="0" lvl="0" indent="0" algn="l" defTabSz="1466850">
+            <a:lnSpc>
+              <a:spcPct val="90000"/>
+            </a:lnSpc>
+            <a:spcBef>
+              <a:spcPct val="0"/>
+            </a:spcBef>
+            <a:spcAft>
+              <a:spcPct val="35000"/>
+            </a:spcAft>
+            <a:buNone/>
+          </a:pPr>
+          <a:r>
+            <a:rPr lang="en-US" sz="3300" b="1" kern="1200" dirty="0"/>
+            <a:t>Server with SQL installed</a:t>
+          </a:r>
+        </a:p>
+      </dsp:txBody>
+      <dsp:txXfrm>
+        <a:off x="44573" y="464988"/>
+        <a:ext cx="11036054" cy="823934"/>
+      </dsp:txXfrm>
+    </dsp:sp>
+    <dsp:sp modelId="{E20F3530-3F59-49E8-A439-4A2B73B9EB55}">
+      <dsp:nvSpPr>
+        <dsp:cNvPr id="0" name=""/>
+        <dsp:cNvSpPr/>
+      </dsp:nvSpPr>
+      <dsp:spPr>
+        <a:xfrm>
+          <a:off x="0" y="1752605"/>
+          <a:ext cx="11125200" cy="818157"/>
+        </a:xfrm>
+        <a:prstGeom prst="roundRect">
+          <a:avLst/>
+        </a:prstGeom>
+        <a:solidFill>
+          <a:schemeClr val="accent1">
+            <a:hueOff val="0"/>
+            <a:satOff val="0"/>
+            <a:lumOff val="0"/>
+            <a:alphaOff val="0"/>
+          </a:schemeClr>
+        </a:solidFill>
+        <a:ln w="19050" cap="flat" cmpd="sng" algn="ctr">
+          <a:solidFill>
+            <a:schemeClr val="lt1">
+              <a:hueOff val="0"/>
+              <a:satOff val="0"/>
+              <a:lumOff val="0"/>
+              <a:alphaOff val="0"/>
+            </a:schemeClr>
+          </a:solidFill>
+          <a:prstDash val="solid"/>
+        </a:ln>
+        <a:effectLst/>
+      </dsp:spPr>
+      <dsp:style>
+        <a:lnRef idx="2">
+          <a:scrgbClr r="0" g="0" b="0"/>
+        </a:lnRef>
+        <a:fillRef idx="1">
+          <a:scrgbClr r="0" g="0" b="0"/>
+        </a:fillRef>
+        <a:effectRef idx="0">
+          <a:scrgbClr r="0" g="0" b="0"/>
+        </a:effectRef>
+        <a:fontRef idx="minor">
+          <a:schemeClr val="lt1"/>
+        </a:fontRef>
+      </dsp:style>
+      <dsp:txBody>
+        <a:bodyPr spcFirstLastPara="0" vert="horz" wrap="square" lIns="125730" tIns="125730" rIns="125730" bIns="125730" numCol="1" spcCol="1270" anchor="ctr" anchorCtr="0">
+          <a:noAutofit/>
+        </a:bodyPr>
+        <a:lstStyle/>
+        <a:p>
+          <a:pPr marL="0" lvl="0" indent="0" algn="l" defTabSz="1466850">
+            <a:lnSpc>
+              <a:spcPct val="90000"/>
+            </a:lnSpc>
+            <a:spcBef>
+              <a:spcPct val="0"/>
+            </a:spcBef>
+            <a:spcAft>
+              <a:spcPct val="35000"/>
+            </a:spcAft>
+            <a:buNone/>
+          </a:pPr>
+          <a:r>
+            <a:rPr lang="en-US" sz="3300" b="1" kern="1200" dirty="0"/>
+            <a:t>Scripts</a:t>
+          </a:r>
+        </a:p>
+      </dsp:txBody>
+      <dsp:txXfrm>
+        <a:off x="39939" y="1792544"/>
+        <a:ext cx="11045322" cy="738279"/>
+      </dsp:txXfrm>
+    </dsp:sp>
+    <dsp:sp modelId="{C3EA5E24-844F-4266-9BD1-749794F25DB6}">
+      <dsp:nvSpPr>
+        <dsp:cNvPr id="0" name=""/>
+        <dsp:cNvSpPr/>
+      </dsp:nvSpPr>
+      <dsp:spPr>
+        <a:xfrm>
+          <a:off x="0" y="2819394"/>
+          <a:ext cx="11125200" cy="1291680"/>
+        </a:xfrm>
+        <a:prstGeom prst="rect">
+          <a:avLst/>
+        </a:prstGeom>
+        <a:noFill/>
+        <a:ln>
+          <a:noFill/>
+        </a:ln>
+        <a:effectLst/>
+      </dsp:spPr>
+      <dsp:style>
+        <a:lnRef idx="0">
+          <a:scrgbClr r="0" g="0" b="0"/>
+        </a:lnRef>
+        <a:fillRef idx="0">
+          <a:scrgbClr r="0" g="0" b="0"/>
+        </a:fillRef>
+        <a:effectRef idx="0">
+          <a:scrgbClr r="0" g="0" b="0"/>
+        </a:effectRef>
+        <a:fontRef idx="minor"/>
+      </dsp:style>
+      <dsp:txBody>
+        <a:bodyPr spcFirstLastPara="0" vert="horz" wrap="square" lIns="353225" tIns="41910" rIns="234696" bIns="41910" numCol="1" spcCol="1270" anchor="t" anchorCtr="0">
+          <a:noAutofit/>
+        </a:bodyPr>
+        <a:lstStyle/>
+        <a:p>
+          <a:pPr marL="228600" lvl="1" indent="-228600" algn="l" defTabSz="1155700">
+            <a:lnSpc>
+              <a:spcPct val="90000"/>
+            </a:lnSpc>
+            <a:spcBef>
+              <a:spcPct val="0"/>
+            </a:spcBef>
+            <a:spcAft>
+              <a:spcPct val="20000"/>
+            </a:spcAft>
+            <a:buChar char="•"/>
+          </a:pPr>
+          <a:r>
+            <a:rPr lang="en-US" sz="2600" b="1" kern="1200" dirty="0"/>
+            <a:t>SQLHealthCheck.ps1 – Main Script</a:t>
+          </a:r>
+        </a:p>
+        <a:p>
+          <a:pPr marL="228600" lvl="1" indent="-228600" algn="l" defTabSz="1155700">
+            <a:lnSpc>
+              <a:spcPct val="90000"/>
+            </a:lnSpc>
+            <a:spcBef>
+              <a:spcPct val="0"/>
+            </a:spcBef>
+            <a:spcAft>
+              <a:spcPct val="20000"/>
+            </a:spcAft>
+            <a:buChar char="•"/>
+          </a:pPr>
+          <a:r>
+            <a:rPr lang="en-US" sz="2600" b="1" kern="1200" dirty="0"/>
+            <a:t>CommonModule.ps1 – Common Module</a:t>
+          </a:r>
+        </a:p>
+      </dsp:txBody>
+      <dsp:txXfrm>
+        <a:off x="0" y="2819394"/>
+        <a:ext cx="11125200" cy="1291680"/>
+      </dsp:txXfrm>
+    </dsp:sp>
+    <dsp:sp modelId="{DFF78DBB-F1E6-4CAA-BC94-7B15F9D1B292}">
+      <dsp:nvSpPr>
+        <dsp:cNvPr id="0" name=""/>
+        <dsp:cNvSpPr/>
+      </dsp:nvSpPr>
+      <dsp:spPr>
+        <a:xfrm>
+          <a:off x="0" y="3962405"/>
+          <a:ext cx="11125200" cy="798953"/>
+        </a:xfrm>
+        <a:prstGeom prst="roundRect">
+          <a:avLst/>
+        </a:prstGeom>
+        <a:solidFill>
+          <a:schemeClr val="accent1">
+            <a:hueOff val="0"/>
+            <a:satOff val="0"/>
+            <a:lumOff val="0"/>
+            <a:alphaOff val="0"/>
+          </a:schemeClr>
+        </a:solidFill>
+        <a:ln w="19050" cap="flat" cmpd="sng" algn="ctr">
+          <a:solidFill>
+            <a:schemeClr val="lt1">
+              <a:hueOff val="0"/>
+              <a:satOff val="0"/>
+              <a:lumOff val="0"/>
+              <a:alphaOff val="0"/>
+            </a:schemeClr>
+          </a:solidFill>
+          <a:prstDash val="solid"/>
+        </a:ln>
+        <a:effectLst/>
+      </dsp:spPr>
+      <dsp:style>
+        <a:lnRef idx="2">
+          <a:scrgbClr r="0" g="0" b="0"/>
+        </a:lnRef>
+        <a:fillRef idx="1">
+          <a:scrgbClr r="0" g="0" b="0"/>
+        </a:fillRef>
+        <a:effectRef idx="0">
+          <a:scrgbClr r="0" g="0" b="0"/>
+        </a:effectRef>
+        <a:fontRef idx="minor">
+          <a:schemeClr val="lt1"/>
+        </a:fontRef>
+      </dsp:style>
+      <dsp:txBody>
+        <a:bodyPr spcFirstLastPara="0" vert="horz" wrap="square" lIns="125730" tIns="125730" rIns="125730" bIns="125730" numCol="1" spcCol="1270" anchor="ctr" anchorCtr="0">
+          <a:noAutofit/>
+        </a:bodyPr>
+        <a:lstStyle/>
+        <a:p>
+          <a:pPr marL="0" lvl="0" indent="0" algn="l" defTabSz="1466850">
+            <a:lnSpc>
+              <a:spcPct val="90000"/>
+            </a:lnSpc>
+            <a:spcBef>
+              <a:spcPct val="0"/>
+            </a:spcBef>
+            <a:spcAft>
+              <a:spcPct val="35000"/>
+            </a:spcAft>
+            <a:buNone/>
+          </a:pPr>
+          <a:r>
+            <a:rPr lang="en-US" sz="3300" b="0" kern="1200" dirty="0"/>
+            <a:t>Sysadmin access using </a:t>
+          </a:r>
+          <a:r>
+            <a:rPr lang="en-US" sz="3300" kern="1200" dirty="0"/>
+            <a:t>OS or SQL account</a:t>
+          </a:r>
+        </a:p>
+      </dsp:txBody>
+      <dsp:txXfrm>
+        <a:off x="39002" y="4001407"/>
+        <a:ext cx="11047196" cy="720949"/>
+      </dsp:txXfrm>
+    </dsp:sp>
   </dsp:spTree>
 </dsp:drawing>
 </file>
@@ -17028,6 +16718,322 @@
       <dsp:cNvGrpSpPr/>
     </dsp:nvGrpSpPr>
     <dsp:grpSpPr/>
+    <dsp:sp modelId="{9D6EAEE8-208E-4D31-9DC9-FACEAD037B91}">
+      <dsp:nvSpPr>
+        <dsp:cNvPr id="0" name=""/>
+        <dsp:cNvSpPr/>
+      </dsp:nvSpPr>
+      <dsp:spPr>
+        <a:xfrm>
+          <a:off x="0" y="1249220"/>
+          <a:ext cx="11125200" cy="554567"/>
+        </a:xfrm>
+        <a:prstGeom prst="roundRect">
+          <a:avLst/>
+        </a:prstGeom>
+        <a:solidFill>
+          <a:schemeClr val="accent1">
+            <a:hueOff val="0"/>
+            <a:satOff val="0"/>
+            <a:lumOff val="0"/>
+            <a:alphaOff val="0"/>
+          </a:schemeClr>
+        </a:solidFill>
+        <a:ln w="19050" cap="flat" cmpd="sng" algn="ctr">
+          <a:solidFill>
+            <a:schemeClr val="lt1">
+              <a:hueOff val="0"/>
+              <a:satOff val="0"/>
+              <a:lumOff val="0"/>
+              <a:alphaOff val="0"/>
+            </a:schemeClr>
+          </a:solidFill>
+          <a:prstDash val="solid"/>
+        </a:ln>
+        <a:effectLst/>
+      </dsp:spPr>
+      <dsp:style>
+        <a:lnRef idx="2">
+          <a:scrgbClr r="0" g="0" b="0"/>
+        </a:lnRef>
+        <a:fillRef idx="1">
+          <a:scrgbClr r="0" g="0" b="0"/>
+        </a:fillRef>
+        <a:effectRef idx="0">
+          <a:scrgbClr r="0" g="0" b="0"/>
+        </a:effectRef>
+        <a:fontRef idx="minor">
+          <a:schemeClr val="lt1"/>
+        </a:fontRef>
+      </dsp:style>
+      <dsp:txBody>
+        <a:bodyPr spcFirstLastPara="0" vert="horz" wrap="square" lIns="125730" tIns="125730" rIns="125730" bIns="125730" numCol="1" spcCol="1270" anchor="ctr" anchorCtr="0">
+          <a:noAutofit/>
+        </a:bodyPr>
+        <a:lstStyle/>
+        <a:p>
+          <a:pPr marL="0" lvl="0" indent="0" algn="l" defTabSz="1466850">
+            <a:lnSpc>
+              <a:spcPct val="90000"/>
+            </a:lnSpc>
+            <a:spcBef>
+              <a:spcPct val="0"/>
+            </a:spcBef>
+            <a:spcAft>
+              <a:spcPct val="35000"/>
+            </a:spcAft>
+            <a:buNone/>
+          </a:pPr>
+          <a:r>
+            <a:rPr lang="en-US" sz="3300" b="1" kern="1200" dirty="0" err="1"/>
+            <a:t>fnSendEmail</a:t>
+          </a:r>
+          <a:endParaRPr lang="en-US" sz="3300" b="1" kern="1200" dirty="0"/>
+        </a:p>
+      </dsp:txBody>
+      <dsp:txXfrm>
+        <a:off x="27072" y="1276292"/>
+        <a:ext cx="11071056" cy="500423"/>
+      </dsp:txXfrm>
+    </dsp:sp>
+    <dsp:sp modelId="{912813AE-42D4-4669-AC79-77EFBDD19470}">
+      <dsp:nvSpPr>
+        <dsp:cNvPr id="0" name=""/>
+        <dsp:cNvSpPr/>
+      </dsp:nvSpPr>
+      <dsp:spPr>
+        <a:xfrm>
+          <a:off x="0" y="2066318"/>
+          <a:ext cx="11125200" cy="563433"/>
+        </a:xfrm>
+        <a:prstGeom prst="roundRect">
+          <a:avLst/>
+        </a:prstGeom>
+        <a:solidFill>
+          <a:schemeClr val="accent1">
+            <a:hueOff val="0"/>
+            <a:satOff val="0"/>
+            <a:lumOff val="0"/>
+            <a:alphaOff val="0"/>
+          </a:schemeClr>
+        </a:solidFill>
+        <a:ln w="19050" cap="flat" cmpd="sng" algn="ctr">
+          <a:solidFill>
+            <a:schemeClr val="lt1">
+              <a:hueOff val="0"/>
+              <a:satOff val="0"/>
+              <a:lumOff val="0"/>
+              <a:alphaOff val="0"/>
+            </a:schemeClr>
+          </a:solidFill>
+          <a:prstDash val="solid"/>
+        </a:ln>
+        <a:effectLst/>
+      </dsp:spPr>
+      <dsp:style>
+        <a:lnRef idx="2">
+          <a:scrgbClr r="0" g="0" b="0"/>
+        </a:lnRef>
+        <a:fillRef idx="1">
+          <a:scrgbClr r="0" g="0" b="0"/>
+        </a:fillRef>
+        <a:effectRef idx="0">
+          <a:scrgbClr r="0" g="0" b="0"/>
+        </a:effectRef>
+        <a:fontRef idx="minor">
+          <a:schemeClr val="lt1"/>
+        </a:fontRef>
+      </dsp:style>
+      <dsp:txBody>
+        <a:bodyPr spcFirstLastPara="0" vert="horz" wrap="square" lIns="125730" tIns="125730" rIns="125730" bIns="125730" numCol="1" spcCol="1270" anchor="ctr" anchorCtr="0">
+          <a:noAutofit/>
+        </a:bodyPr>
+        <a:lstStyle/>
+        <a:p>
+          <a:pPr marL="0" lvl="0" indent="0" algn="l" defTabSz="1466850">
+            <a:lnSpc>
+              <a:spcPct val="90000"/>
+            </a:lnSpc>
+            <a:spcBef>
+              <a:spcPct val="0"/>
+            </a:spcBef>
+            <a:spcAft>
+              <a:spcPct val="35000"/>
+            </a:spcAft>
+            <a:buNone/>
+          </a:pPr>
+          <a:r>
+            <a:rPr lang="en-US" sz="3300" b="1" kern="1200" dirty="0"/>
+            <a:t>write-</a:t>
+          </a:r>
+          <a:r>
+            <a:rPr lang="en-US" sz="3300" b="1" kern="1200" dirty="0" err="1"/>
+            <a:t>PHLog</a:t>
+          </a:r>
+          <a:endParaRPr lang="en-US" sz="3300" b="1" kern="1200" dirty="0"/>
+        </a:p>
+      </dsp:txBody>
+      <dsp:txXfrm>
+        <a:off x="27505" y="2093823"/>
+        <a:ext cx="11070190" cy="508423"/>
+      </dsp:txXfrm>
+    </dsp:sp>
+    <dsp:sp modelId="{C82A7E89-4CAE-4EFE-8C8A-0D3A5597E275}">
+      <dsp:nvSpPr>
+        <dsp:cNvPr id="0" name=""/>
+        <dsp:cNvSpPr/>
+      </dsp:nvSpPr>
+      <dsp:spPr>
+        <a:xfrm>
+          <a:off x="0" y="2959305"/>
+          <a:ext cx="11125200" cy="499767"/>
+        </a:xfrm>
+        <a:prstGeom prst="roundRect">
+          <a:avLst/>
+        </a:prstGeom>
+        <a:solidFill>
+          <a:schemeClr val="accent1">
+            <a:hueOff val="0"/>
+            <a:satOff val="0"/>
+            <a:lumOff val="0"/>
+            <a:alphaOff val="0"/>
+          </a:schemeClr>
+        </a:solidFill>
+        <a:ln w="19050" cap="flat" cmpd="sng" algn="ctr">
+          <a:solidFill>
+            <a:schemeClr val="lt1">
+              <a:hueOff val="0"/>
+              <a:satOff val="0"/>
+              <a:lumOff val="0"/>
+              <a:alphaOff val="0"/>
+            </a:schemeClr>
+          </a:solidFill>
+          <a:prstDash val="solid"/>
+        </a:ln>
+        <a:effectLst/>
+      </dsp:spPr>
+      <dsp:style>
+        <a:lnRef idx="2">
+          <a:scrgbClr r="0" g="0" b="0"/>
+        </a:lnRef>
+        <a:fillRef idx="1">
+          <a:scrgbClr r="0" g="0" b="0"/>
+        </a:fillRef>
+        <a:effectRef idx="0">
+          <a:scrgbClr r="0" g="0" b="0"/>
+        </a:effectRef>
+        <a:fontRef idx="minor">
+          <a:schemeClr val="lt1"/>
+        </a:fontRef>
+      </dsp:style>
+      <dsp:txBody>
+        <a:bodyPr spcFirstLastPara="0" vert="horz" wrap="square" lIns="125730" tIns="125730" rIns="125730" bIns="125730" numCol="1" spcCol="1270" anchor="ctr" anchorCtr="0">
+          <a:noAutofit/>
+        </a:bodyPr>
+        <a:lstStyle/>
+        <a:p>
+          <a:pPr marL="0" lvl="0" indent="0" algn="l" defTabSz="1466850">
+            <a:lnSpc>
+              <a:spcPct val="90000"/>
+            </a:lnSpc>
+            <a:spcBef>
+              <a:spcPct val="0"/>
+            </a:spcBef>
+            <a:spcAft>
+              <a:spcPct val="35000"/>
+            </a:spcAft>
+            <a:buNone/>
+          </a:pPr>
+          <a:r>
+            <a:rPr lang="en-US" sz="3300" b="1" kern="1200" dirty="0" err="1"/>
+            <a:t>fnExecuteQuery</a:t>
+          </a:r>
+          <a:endParaRPr lang="en-US" sz="3300" b="1" kern="1200" dirty="0"/>
+        </a:p>
+      </dsp:txBody>
+      <dsp:txXfrm>
+        <a:off x="24397" y="2983702"/>
+        <a:ext cx="11076406" cy="450973"/>
+      </dsp:txXfrm>
+    </dsp:sp>
+    <dsp:sp modelId="{E24DD087-71BB-4D06-A46C-4429521B2B6F}">
+      <dsp:nvSpPr>
+        <dsp:cNvPr id="0" name=""/>
+        <dsp:cNvSpPr/>
+      </dsp:nvSpPr>
+      <dsp:spPr>
+        <a:xfrm>
+          <a:off x="0" y="3688864"/>
+          <a:ext cx="11125200" cy="507997"/>
+        </a:xfrm>
+        <a:prstGeom prst="roundRect">
+          <a:avLst/>
+        </a:prstGeom>
+        <a:solidFill>
+          <a:schemeClr val="accent1">
+            <a:hueOff val="0"/>
+            <a:satOff val="0"/>
+            <a:lumOff val="0"/>
+            <a:alphaOff val="0"/>
+          </a:schemeClr>
+        </a:solidFill>
+        <a:ln w="19050" cap="flat" cmpd="sng" algn="ctr">
+          <a:solidFill>
+            <a:schemeClr val="lt1">
+              <a:hueOff val="0"/>
+              <a:satOff val="0"/>
+              <a:lumOff val="0"/>
+              <a:alphaOff val="0"/>
+            </a:schemeClr>
+          </a:solidFill>
+          <a:prstDash val="solid"/>
+        </a:ln>
+        <a:effectLst/>
+      </dsp:spPr>
+      <dsp:style>
+        <a:lnRef idx="2">
+          <a:scrgbClr r="0" g="0" b="0"/>
+        </a:lnRef>
+        <a:fillRef idx="1">
+          <a:scrgbClr r="0" g="0" b="0"/>
+        </a:fillRef>
+        <a:effectRef idx="0">
+          <a:scrgbClr r="0" g="0" b="0"/>
+        </a:effectRef>
+        <a:fontRef idx="minor">
+          <a:schemeClr val="lt1"/>
+        </a:fontRef>
+      </dsp:style>
+      <dsp:txBody>
+        <a:bodyPr spcFirstLastPara="0" vert="horz" wrap="square" lIns="125730" tIns="125730" rIns="125730" bIns="125730" numCol="1" spcCol="1270" anchor="ctr" anchorCtr="0">
+          <a:noAutofit/>
+        </a:bodyPr>
+        <a:lstStyle/>
+        <a:p>
+          <a:pPr marL="0" lvl="0" indent="0" algn="l" defTabSz="1466850">
+            <a:lnSpc>
+              <a:spcPct val="90000"/>
+            </a:lnSpc>
+            <a:spcBef>
+              <a:spcPct val="0"/>
+            </a:spcBef>
+            <a:spcAft>
+              <a:spcPct val="35000"/>
+            </a:spcAft>
+            <a:buNone/>
+          </a:pPr>
+          <a:r>
+            <a:rPr lang="en-US" sz="3300" b="1" kern="1200" dirty="0" err="1"/>
+            <a:t>fnExecuteXPCmdShell</a:t>
+          </a:r>
+          <a:endParaRPr lang="en-US" sz="3300" b="1" kern="1200" dirty="0"/>
+        </a:p>
+      </dsp:txBody>
+      <dsp:txXfrm>
+        <a:off x="24798" y="3713662"/>
+        <a:ext cx="11075604" cy="458401"/>
+      </dsp:txXfrm>
+    </dsp:sp>
   </dsp:spTree>
 </dsp:drawing>
 </file>
@@ -17040,6 +17046,403 @@
       <dsp:cNvGrpSpPr/>
     </dsp:nvGrpSpPr>
     <dsp:grpSpPr/>
+    <dsp:sp modelId="{68AD024C-525C-4979-A79F-879717C1FAD9}">
+      <dsp:nvSpPr>
+        <dsp:cNvPr id="0" name=""/>
+        <dsp:cNvSpPr/>
+      </dsp:nvSpPr>
+      <dsp:spPr>
+        <a:xfrm>
+          <a:off x="266782" y="685815"/>
+          <a:ext cx="4914000" cy="778763"/>
+        </a:xfrm>
+        <a:prstGeom prst="roundRect">
+          <a:avLst/>
+        </a:prstGeom>
+        <a:solidFill>
+          <a:schemeClr val="accent1">
+            <a:hueOff val="0"/>
+            <a:satOff val="0"/>
+            <a:lumOff val="0"/>
+            <a:alphaOff val="0"/>
+          </a:schemeClr>
+        </a:solidFill>
+        <a:ln w="19050" cap="flat" cmpd="sng" algn="ctr">
+          <a:solidFill>
+            <a:schemeClr val="lt1">
+              <a:hueOff val="0"/>
+              <a:satOff val="0"/>
+              <a:lumOff val="0"/>
+              <a:alphaOff val="0"/>
+            </a:schemeClr>
+          </a:solidFill>
+          <a:prstDash val="solid"/>
+        </a:ln>
+        <a:effectLst/>
+      </dsp:spPr>
+      <dsp:style>
+        <a:lnRef idx="2">
+          <a:scrgbClr r="0" g="0" b="0"/>
+        </a:lnRef>
+        <a:fillRef idx="1">
+          <a:scrgbClr r="0" g="0" b="0"/>
+        </a:fillRef>
+        <a:effectRef idx="0">
+          <a:scrgbClr r="0" g="0" b="0"/>
+        </a:effectRef>
+        <a:fontRef idx="minor">
+          <a:schemeClr val="lt1"/>
+        </a:fontRef>
+      </dsp:style>
+      <dsp:txBody>
+        <a:bodyPr spcFirstLastPara="0" vert="horz" wrap="square" lIns="95250" tIns="95250" rIns="95250" bIns="95250" numCol="1" spcCol="1270" anchor="ctr" anchorCtr="0">
+          <a:noAutofit/>
+        </a:bodyPr>
+        <a:lstStyle/>
+        <a:p>
+          <a:pPr marL="0" lvl="0" indent="0" algn="l" defTabSz="1111250">
+            <a:lnSpc>
+              <a:spcPct val="90000"/>
+            </a:lnSpc>
+            <a:spcBef>
+              <a:spcPct val="0"/>
+            </a:spcBef>
+            <a:spcAft>
+              <a:spcPct val="35000"/>
+            </a:spcAft>
+            <a:buNone/>
+          </a:pPr>
+          <a:r>
+            <a:rPr lang="en-US" sz="2500" b="1" kern="1200" dirty="0"/>
+            <a:t>        Primary level checks only</a:t>
+          </a:r>
+        </a:p>
+      </dsp:txBody>
+      <dsp:txXfrm>
+        <a:off x="304798" y="723831"/>
+        <a:ext cx="4837968" cy="702731"/>
+      </dsp:txXfrm>
+    </dsp:sp>
+    <dsp:sp modelId="{C2AC79BC-77C4-4FC6-A187-A54CEE873C69}">
+      <dsp:nvSpPr>
+        <dsp:cNvPr id="0" name=""/>
+        <dsp:cNvSpPr/>
+      </dsp:nvSpPr>
+      <dsp:spPr>
+        <a:xfrm>
+          <a:off x="5867374" y="652018"/>
+          <a:ext cx="4876953" cy="786400"/>
+        </a:xfrm>
+        <a:prstGeom prst="roundRect">
+          <a:avLst/>
+        </a:prstGeom>
+        <a:solidFill>
+          <a:schemeClr val="accent1">
+            <a:hueOff val="0"/>
+            <a:satOff val="0"/>
+            <a:lumOff val="0"/>
+            <a:alphaOff val="0"/>
+          </a:schemeClr>
+        </a:solidFill>
+        <a:ln w="19050" cap="flat" cmpd="sng" algn="ctr">
+          <a:solidFill>
+            <a:schemeClr val="lt1">
+              <a:hueOff val="0"/>
+              <a:satOff val="0"/>
+              <a:lumOff val="0"/>
+              <a:alphaOff val="0"/>
+            </a:schemeClr>
+          </a:solidFill>
+          <a:prstDash val="solid"/>
+        </a:ln>
+        <a:effectLst/>
+      </dsp:spPr>
+      <dsp:style>
+        <a:lnRef idx="2">
+          <a:scrgbClr r="0" g="0" b="0"/>
+        </a:lnRef>
+        <a:fillRef idx="1">
+          <a:scrgbClr r="0" g="0" b="0"/>
+        </a:fillRef>
+        <a:effectRef idx="0">
+          <a:scrgbClr r="0" g="0" b="0"/>
+        </a:effectRef>
+        <a:fontRef idx="minor">
+          <a:schemeClr val="lt1"/>
+        </a:fontRef>
+      </dsp:style>
+      <dsp:txBody>
+        <a:bodyPr spcFirstLastPara="0" vert="horz" wrap="square" lIns="87630" tIns="87630" rIns="87630" bIns="87630" numCol="1" spcCol="1270" anchor="ctr" anchorCtr="0">
+          <a:noAutofit/>
+        </a:bodyPr>
+        <a:lstStyle/>
+        <a:p>
+          <a:pPr marL="0" lvl="0" indent="0" algn="l" defTabSz="1022350">
+            <a:lnSpc>
+              <a:spcPct val="90000"/>
+            </a:lnSpc>
+            <a:spcBef>
+              <a:spcPct val="0"/>
+            </a:spcBef>
+            <a:spcAft>
+              <a:spcPct val="35000"/>
+            </a:spcAft>
+            <a:buNone/>
+          </a:pPr>
+          <a:r>
+            <a:rPr lang="en-US" sz="2300" b="1" kern="1200" dirty="0"/>
+            <a:t>SQL observations are based on dedicated SQL node</a:t>
+          </a:r>
+        </a:p>
+      </dsp:txBody>
+      <dsp:txXfrm>
+        <a:off x="5905763" y="690407"/>
+        <a:ext cx="4800175" cy="709622"/>
+      </dsp:txXfrm>
+    </dsp:sp>
+    <dsp:sp modelId="{F918F93C-D714-47C3-9603-EFF344BADEB7}">
+      <dsp:nvSpPr>
+        <dsp:cNvPr id="0" name=""/>
+        <dsp:cNvSpPr/>
+      </dsp:nvSpPr>
+      <dsp:spPr>
+        <a:xfrm>
+          <a:off x="3352745" y="2135474"/>
+          <a:ext cx="4904766" cy="760111"/>
+        </a:xfrm>
+        <a:prstGeom prst="roundRect">
+          <a:avLst/>
+        </a:prstGeom>
+        <a:solidFill>
+          <a:schemeClr val="accent1">
+            <a:hueOff val="0"/>
+            <a:satOff val="0"/>
+            <a:lumOff val="0"/>
+            <a:alphaOff val="0"/>
+          </a:schemeClr>
+        </a:solidFill>
+        <a:ln w="19050" cap="flat" cmpd="sng" algn="ctr">
+          <a:solidFill>
+            <a:schemeClr val="lt1">
+              <a:hueOff val="0"/>
+              <a:satOff val="0"/>
+              <a:lumOff val="0"/>
+              <a:alphaOff val="0"/>
+            </a:schemeClr>
+          </a:solidFill>
+          <a:prstDash val="solid"/>
+        </a:ln>
+        <a:effectLst/>
+      </dsp:spPr>
+      <dsp:style>
+        <a:lnRef idx="2">
+          <a:scrgbClr r="0" g="0" b="0"/>
+        </a:lnRef>
+        <a:fillRef idx="1">
+          <a:scrgbClr r="0" g="0" b="0"/>
+        </a:fillRef>
+        <a:effectRef idx="0">
+          <a:scrgbClr r="0" g="0" b="0"/>
+        </a:effectRef>
+        <a:fontRef idx="minor">
+          <a:schemeClr val="lt1"/>
+        </a:fontRef>
+      </dsp:style>
+      <dsp:txBody>
+        <a:bodyPr spcFirstLastPara="0" vert="horz" wrap="square" lIns="95250" tIns="95250" rIns="95250" bIns="95250" numCol="1" spcCol="1270" anchor="ctr" anchorCtr="0">
+          <a:noAutofit/>
+        </a:bodyPr>
+        <a:lstStyle/>
+        <a:p>
+          <a:pPr marL="0" lvl="0" indent="0" algn="l" defTabSz="1111250">
+            <a:lnSpc>
+              <a:spcPct val="90000"/>
+            </a:lnSpc>
+            <a:spcBef>
+              <a:spcPct val="0"/>
+            </a:spcBef>
+            <a:spcAft>
+              <a:spcPct val="35000"/>
+            </a:spcAft>
+            <a:buNone/>
+          </a:pPr>
+          <a:r>
+            <a:rPr lang="en-US" sz="2500" b="1" kern="1200" dirty="0"/>
+            <a:t>        </a:t>
+          </a:r>
+          <a:r>
+            <a:rPr lang="en-US" sz="2400" b="1" kern="1200" dirty="0"/>
+            <a:t>Require sysadmin access</a:t>
+          </a:r>
+        </a:p>
+      </dsp:txBody>
+      <dsp:txXfrm>
+        <a:off x="3389851" y="2172580"/>
+        <a:ext cx="4830554" cy="685899"/>
+      </dsp:txXfrm>
+    </dsp:sp>
+    <dsp:sp modelId="{7D3546B8-CFC8-4105-9DB0-ED8EEBD38E3F}">
+      <dsp:nvSpPr>
+        <dsp:cNvPr id="0" name=""/>
+        <dsp:cNvSpPr/>
+      </dsp:nvSpPr>
+      <dsp:spPr>
+        <a:xfrm>
+          <a:off x="6019790" y="3428999"/>
+          <a:ext cx="4571900" cy="873399"/>
+        </a:xfrm>
+        <a:prstGeom prst="roundRect">
+          <a:avLst/>
+        </a:prstGeom>
+        <a:solidFill>
+          <a:schemeClr val="accent1">
+            <a:hueOff val="0"/>
+            <a:satOff val="0"/>
+            <a:lumOff val="0"/>
+            <a:alphaOff val="0"/>
+          </a:schemeClr>
+        </a:solidFill>
+        <a:ln w="19050" cap="flat" cmpd="sng" algn="ctr">
+          <a:solidFill>
+            <a:schemeClr val="lt1">
+              <a:hueOff val="0"/>
+              <a:satOff val="0"/>
+              <a:lumOff val="0"/>
+              <a:alphaOff val="0"/>
+            </a:schemeClr>
+          </a:solidFill>
+          <a:prstDash val="solid"/>
+        </a:ln>
+        <a:effectLst/>
+      </dsp:spPr>
+      <dsp:style>
+        <a:lnRef idx="2">
+          <a:scrgbClr r="0" g="0" b="0"/>
+        </a:lnRef>
+        <a:fillRef idx="1">
+          <a:scrgbClr r="0" g="0" b="0"/>
+        </a:fillRef>
+        <a:effectRef idx="0">
+          <a:scrgbClr r="0" g="0" b="0"/>
+        </a:effectRef>
+        <a:fontRef idx="minor">
+          <a:schemeClr val="lt1"/>
+        </a:fontRef>
+      </dsp:style>
+      <dsp:txBody>
+        <a:bodyPr spcFirstLastPara="0" vert="horz" wrap="square" lIns="83820" tIns="83820" rIns="83820" bIns="83820" numCol="1" spcCol="1270" anchor="ctr" anchorCtr="0">
+          <a:noAutofit/>
+        </a:bodyPr>
+        <a:lstStyle/>
+        <a:p>
+          <a:pPr marL="0" lvl="0" indent="0" algn="l" defTabSz="977900">
+            <a:lnSpc>
+              <a:spcPct val="90000"/>
+            </a:lnSpc>
+            <a:spcBef>
+              <a:spcPct val="0"/>
+            </a:spcBef>
+            <a:spcAft>
+              <a:spcPct val="35000"/>
+            </a:spcAft>
+            <a:buNone/>
+          </a:pPr>
+          <a:r>
+            <a:rPr lang="en-US" sz="2200" b="1" kern="1200" dirty="0"/>
+            <a:t>Use ad-hoc access of </a:t>
+          </a:r>
+          <a:r>
+            <a:rPr lang="en-US" sz="2200" b="1" kern="1200" dirty="0" err="1"/>
+            <a:t>XP_cmdshell</a:t>
+          </a:r>
+          <a:r>
+            <a:rPr lang="en-US" sz="2200" b="1" kern="1200" dirty="0"/>
+            <a:t> to gather OS related info</a:t>
+          </a:r>
+        </a:p>
+      </dsp:txBody>
+      <dsp:txXfrm>
+        <a:off x="6062426" y="3471635"/>
+        <a:ext cx="4486628" cy="788127"/>
+      </dsp:txXfrm>
+    </dsp:sp>
+    <dsp:sp modelId="{7D6676CA-AECC-4598-B86D-6DEAE52AC9FF}">
+      <dsp:nvSpPr>
+        <dsp:cNvPr id="0" name=""/>
+        <dsp:cNvSpPr/>
+      </dsp:nvSpPr>
+      <dsp:spPr>
+        <a:xfrm>
+          <a:off x="304719" y="3455467"/>
+          <a:ext cx="5029257" cy="846933"/>
+        </a:xfrm>
+        <a:prstGeom prst="roundRect">
+          <a:avLst/>
+        </a:prstGeom>
+        <a:solidFill>
+          <a:schemeClr val="accent1">
+            <a:hueOff val="0"/>
+            <a:satOff val="0"/>
+            <a:lumOff val="0"/>
+            <a:alphaOff val="0"/>
+          </a:schemeClr>
+        </a:solidFill>
+        <a:ln w="19050" cap="flat" cmpd="sng" algn="ctr">
+          <a:solidFill>
+            <a:schemeClr val="lt1">
+              <a:hueOff val="0"/>
+              <a:satOff val="0"/>
+              <a:lumOff val="0"/>
+              <a:alphaOff val="0"/>
+            </a:schemeClr>
+          </a:solidFill>
+          <a:prstDash val="solid"/>
+        </a:ln>
+        <a:effectLst/>
+      </dsp:spPr>
+      <dsp:style>
+        <a:lnRef idx="2">
+          <a:scrgbClr r="0" g="0" b="0"/>
+        </a:lnRef>
+        <a:fillRef idx="1">
+          <a:scrgbClr r="0" g="0" b="0"/>
+        </a:fillRef>
+        <a:effectRef idx="0">
+          <a:scrgbClr r="0" g="0" b="0"/>
+        </a:effectRef>
+        <a:fontRef idx="minor">
+          <a:schemeClr val="lt1"/>
+        </a:fontRef>
+      </dsp:style>
+      <dsp:txBody>
+        <a:bodyPr spcFirstLastPara="0" vert="horz" wrap="square" lIns="83820" tIns="83820" rIns="83820" bIns="83820" numCol="1" spcCol="1270" anchor="ctr" anchorCtr="0">
+          <a:noAutofit/>
+        </a:bodyPr>
+        <a:lstStyle/>
+        <a:p>
+          <a:pPr marL="0" lvl="0" indent="0" algn="l" defTabSz="977900">
+            <a:lnSpc>
+              <a:spcPct val="90000"/>
+            </a:lnSpc>
+            <a:spcBef>
+              <a:spcPct val="0"/>
+            </a:spcBef>
+            <a:spcAft>
+              <a:spcPct val="35000"/>
+            </a:spcAft>
+            <a:buNone/>
+          </a:pPr>
+          <a:r>
+            <a:rPr lang="en-US" sz="2200" b="1" kern="1200" dirty="0"/>
+            <a:t>WMI service to be running on target server (no need for port)</a:t>
+          </a:r>
+        </a:p>
+      </dsp:txBody>
+      <dsp:txXfrm>
+        <a:off x="346063" y="3496811"/>
+        <a:ext cx="4946569" cy="764245"/>
+      </dsp:txXfrm>
+    </dsp:sp>
   </dsp:spTree>
 </dsp:drawing>
 </file>
@@ -17052,6 +17455,85 @@
       <dsp:cNvGrpSpPr/>
     </dsp:nvGrpSpPr>
     <dsp:grpSpPr/>
+    <dsp:sp modelId="{93198190-C74A-4E02-A347-DB69729107D9}">
+      <dsp:nvSpPr>
+        <dsp:cNvPr id="0" name=""/>
+        <dsp:cNvSpPr/>
+      </dsp:nvSpPr>
+      <dsp:spPr>
+        <a:xfrm>
+          <a:off x="311423" y="0"/>
+          <a:ext cx="5378603" cy="1523999"/>
+        </a:xfrm>
+        <a:prstGeom prst="ellipse">
+          <a:avLst/>
+        </a:prstGeom>
+        <a:solidFill>
+          <a:schemeClr val="dk1"/>
+        </a:solidFill>
+        <a:ln w="19050" cap="flat" cmpd="sng" algn="ctr">
+          <a:solidFill>
+            <a:schemeClr val="dk1">
+              <a:shade val="50000"/>
+            </a:schemeClr>
+          </a:solidFill>
+          <a:prstDash val="solid"/>
+        </a:ln>
+        <a:effectLst/>
+      </dsp:spPr>
+      <dsp:style>
+        <a:lnRef idx="2">
+          <a:schemeClr val="dk1">
+            <a:shade val="50000"/>
+          </a:schemeClr>
+        </a:lnRef>
+        <a:fillRef idx="1">
+          <a:schemeClr val="dk1"/>
+        </a:fillRef>
+        <a:effectRef idx="0">
+          <a:schemeClr val="dk1"/>
+        </a:effectRef>
+        <a:fontRef idx="minor">
+          <a:schemeClr val="lt1"/>
+        </a:fontRef>
+      </dsp:style>
+      <dsp:txBody>
+        <a:bodyPr spcFirstLastPara="0" vert="horz" wrap="square" lIns="0" tIns="0" rIns="0" bIns="0" numCol="1" spcCol="1270" anchor="ctr" anchorCtr="0">
+          <a:noAutofit/>
+        </a:bodyPr>
+        <a:lstStyle/>
+        <a:p>
+          <a:pPr marL="0" lvl="0" indent="0" algn="ctr" defTabSz="1422400" rtl="0">
+            <a:lnSpc>
+              <a:spcPct val="90000"/>
+            </a:lnSpc>
+            <a:spcBef>
+              <a:spcPct val="0"/>
+            </a:spcBef>
+            <a:spcAft>
+              <a:spcPct val="35000"/>
+            </a:spcAft>
+            <a:buNone/>
+          </a:pPr>
+          <a:r>
+            <a:rPr lang="en-US" sz="3200" kern="1200" dirty="0"/>
+            <a:t>Blog:  </a:t>
+          </a:r>
+          <a:r>
+            <a:rPr lang="en-US" sz="2800" kern="1200" dirty="0"/>
+            <a:t>www.SQLfeatures.com</a:t>
+          </a:r>
+          <a:r>
+            <a:rPr lang="en-US" sz="3200" kern="1200" dirty="0"/>
+            <a:t> </a:t>
+          </a:r>
+        </a:p>
+      </dsp:txBody>
+      <dsp:txXfrm>
+        <a:off x="1099101" y="223184"/>
+        <a:ext cx="3803247" cy="1077631"/>
+      </dsp:txXfrm>
+    </dsp:sp>
   </dsp:spTree>
 </dsp:drawing>
 </file>
@@ -17064,6 +17546,94 @@
       <dsp:cNvGrpSpPr/>
     </dsp:nvGrpSpPr>
     <dsp:grpSpPr/>
+    <dsp:sp modelId="{93198190-C74A-4E02-A347-DB69729107D9}">
+      <dsp:nvSpPr>
+        <dsp:cNvPr id="0" name=""/>
+        <dsp:cNvSpPr/>
+      </dsp:nvSpPr>
+      <dsp:spPr>
+        <a:xfrm>
+          <a:off x="160787" y="0"/>
+          <a:ext cx="4030210" cy="2321296"/>
+        </a:xfrm>
+        <a:prstGeom prst="ellipse">
+          <a:avLst/>
+        </a:prstGeom>
+        <a:solidFill>
+          <a:schemeClr val="dk1"/>
+        </a:solidFill>
+        <a:ln w="19050" cap="flat" cmpd="sng" algn="ctr">
+          <a:solidFill>
+            <a:schemeClr val="dk1">
+              <a:shade val="50000"/>
+            </a:schemeClr>
+          </a:solidFill>
+          <a:prstDash val="solid"/>
+        </a:ln>
+        <a:effectLst/>
+      </dsp:spPr>
+      <dsp:style>
+        <a:lnRef idx="2">
+          <a:schemeClr val="dk1">
+            <a:shade val="50000"/>
+          </a:schemeClr>
+        </a:lnRef>
+        <a:fillRef idx="1">
+          <a:schemeClr val="dk1"/>
+        </a:fillRef>
+        <a:effectRef idx="0">
+          <a:schemeClr val="dk1"/>
+        </a:effectRef>
+        <a:fontRef idx="minor">
+          <a:schemeClr val="lt1"/>
+        </a:fontRef>
+      </dsp:style>
+      <dsp:txBody>
+        <a:bodyPr spcFirstLastPara="0" vert="horz" wrap="square" lIns="0" tIns="0" rIns="0" bIns="0" numCol="1" spcCol="1270" anchor="ctr" anchorCtr="0">
+          <a:noAutofit/>
+        </a:bodyPr>
+        <a:lstStyle/>
+        <a:p>
+          <a:pPr marL="0" lvl="0" indent="0" algn="ctr" defTabSz="1422400" rtl="0">
+            <a:lnSpc>
+              <a:spcPct val="90000"/>
+            </a:lnSpc>
+            <a:spcBef>
+              <a:spcPct val="0"/>
+            </a:spcBef>
+            <a:spcAft>
+              <a:spcPct val="35000"/>
+            </a:spcAft>
+            <a:buNone/>
+          </a:pPr>
+          <a:r>
+            <a:rPr lang="en-US" sz="3200" kern="1200" dirty="0">
+              <a:solidFill>
+                <a:schemeClr val="tx1"/>
+              </a:solidFill>
+            </a:rPr>
+            <a:t>Twitter @</a:t>
+          </a:r>
+          <a:r>
+            <a:rPr lang="en-US" sz="3200" kern="1200" dirty="0" err="1">
+              <a:solidFill>
+                <a:schemeClr val="tx1"/>
+              </a:solidFill>
+            </a:rPr>
+            <a:t>PrakashHeda</a:t>
+          </a:r>
+          <a:endParaRPr lang="en-US" sz="3200" kern="1200" dirty="0">
+            <a:solidFill>
+              <a:schemeClr val="tx1"/>
+            </a:solidFill>
+          </a:endParaRPr>
+        </a:p>
+      </dsp:txBody>
+      <dsp:txXfrm>
+        <a:off x="750998" y="339946"/>
+        <a:ext cx="2849788" cy="1641404"/>
+      </dsp:txXfrm>
+    </dsp:sp>
   </dsp:spTree>
 </dsp:drawing>
 </file>
@@ -17076,6 +17646,92 @@
       <dsp:cNvGrpSpPr/>
     </dsp:nvGrpSpPr>
     <dsp:grpSpPr/>
+    <dsp:sp modelId="{93198190-C74A-4E02-A347-DB69729107D9}">
+      <dsp:nvSpPr>
+        <dsp:cNvPr id="0" name=""/>
+        <dsp:cNvSpPr/>
+      </dsp:nvSpPr>
+      <dsp:spPr>
+        <a:xfrm>
+          <a:off x="38101" y="0"/>
+          <a:ext cx="6547836" cy="1314646"/>
+        </a:xfrm>
+        <a:prstGeom prst="ellipse">
+          <a:avLst/>
+        </a:prstGeom>
+        <a:noFill/>
+        <a:ln w="9525" cap="flat" cmpd="sng" algn="ctr">
+          <a:noFill/>
+          <a:prstDash val="solid"/>
+        </a:ln>
+        <a:effectLst>
+          <a:outerShdw blurRad="50800" dist="43000" dir="5400000" rotWithShape="0">
+            <a:srgbClr val="000000">
+              <a:alpha val="40000"/>
+            </a:srgbClr>
+          </a:outerShdw>
+        </a:effectLst>
+      </dsp:spPr>
+      <dsp:style>
+        <a:lnRef idx="1">
+          <a:schemeClr val="dk1"/>
+        </a:lnRef>
+        <a:fillRef idx="3">
+          <a:schemeClr val="dk1"/>
+        </a:fillRef>
+        <a:effectRef idx="2">
+          <a:schemeClr val="dk1"/>
+        </a:effectRef>
+        <a:fontRef idx="minor">
+          <a:schemeClr val="lt1"/>
+        </a:fontRef>
+      </dsp:style>
+      <dsp:txBody>
+        <a:bodyPr spcFirstLastPara="0" vert="horz" wrap="square" lIns="0" tIns="0" rIns="0" bIns="0" numCol="1" spcCol="1270" anchor="ctr" anchorCtr="0">
+          <a:noAutofit/>
+        </a:bodyPr>
+        <a:lstStyle/>
+        <a:p>
+          <a:pPr marL="0" lvl="0" indent="0" algn="ctr" defTabSz="1422400" rtl="0">
+            <a:lnSpc>
+              <a:spcPct val="90000"/>
+            </a:lnSpc>
+            <a:spcBef>
+              <a:spcPct val="0"/>
+            </a:spcBef>
+            <a:spcAft>
+              <a:spcPct val="35000"/>
+            </a:spcAft>
+            <a:buNone/>
+          </a:pPr>
+          <a:r>
+            <a:rPr lang="en-US" sz="3200" kern="1200" dirty="0"/>
+            <a:t>Facebook/Email/</a:t>
+          </a:r>
+          <a:r>
+            <a:rPr lang="en-US" sz="3200" kern="1200" dirty="0" err="1"/>
+            <a:t>LinkedIN</a:t>
+          </a:r>
+          <a:r>
+            <a:rPr lang="en-US" sz="3200" kern="1200" dirty="0"/>
+            <a:t>: </a:t>
+          </a:r>
+          <a:r>
+            <a:rPr lang="en-US" sz="2800" kern="1200" dirty="0"/>
+            <a:t>Prakash@SQLfeatures.com </a:t>
+          </a:r>
+          <a:endParaRPr lang="en-US" sz="2800" kern="1200" dirty="0">
+            <a:solidFill>
+              <a:schemeClr val="tx1"/>
+            </a:solidFill>
+          </a:endParaRPr>
+        </a:p>
+      </dsp:txBody>
+      <dsp:txXfrm>
+        <a:off x="997009" y="192525"/>
+        <a:ext cx="4630020" cy="929596"/>
+      </dsp:txXfrm>
+    </dsp:sp>
   </dsp:spTree>
 </dsp:drawing>
 </file>
@@ -17142,7 +17798,7 @@
         </a:bodyPr>
         <a:lstStyle/>
         <a:p>
-          <a:pPr lvl="0" algn="l" defTabSz="1422400" rtl="0">
+          <a:pPr marL="0" lvl="0" indent="0" algn="l" defTabSz="1422400" rtl="0">
             <a:lnSpc>
               <a:spcPct val="90000"/>
             </a:lnSpc>
@@ -17152,12 +17808,12 @@
             <a:spcAft>
               <a:spcPct val="35000"/>
             </a:spcAft>
+            <a:buNone/>
           </a:pPr>
           <a:r>
-            <a:rPr lang="en-US" sz="3200" b="1" u="none" kern="1200" dirty="0" smtClean="0"/>
+            <a:rPr lang="en-US" sz="3200" b="1" u="none" kern="1200" dirty="0"/>
             <a:t>Primary Health Check Questions</a:t>
           </a:r>
-          <a:endParaRPr lang="en-US" sz="3200" b="1" u="none" kern="1200" dirty="0"/>
         </a:p>
       </dsp:txBody>
       <dsp:txXfrm>
@@ -17219,7 +17875,7 @@
         </a:bodyPr>
         <a:lstStyle/>
         <a:p>
-          <a:pPr lvl="0" algn="l" defTabSz="1422400" rtl="0">
+          <a:pPr marL="0" lvl="0" indent="0" algn="l" defTabSz="1422400" rtl="0">
             <a:lnSpc>
               <a:spcPct val="90000"/>
             </a:lnSpc>
@@ -17229,12 +17885,12 @@
             <a:spcAft>
               <a:spcPct val="35000"/>
             </a:spcAft>
+            <a:buNone/>
           </a:pPr>
           <a:r>
-            <a:rPr lang="en-US" sz="3200" b="1" kern="1200" dirty="0" smtClean="0"/>
+            <a:rPr lang="en-US" sz="3200" b="1" kern="1200" dirty="0"/>
             <a:t>Key Features</a:t>
           </a:r>
-          <a:endParaRPr lang="en-US" sz="3200" b="1" kern="1200" dirty="0"/>
         </a:p>
       </dsp:txBody>
       <dsp:txXfrm>
@@ -17296,7 +17952,7 @@
         </a:bodyPr>
         <a:lstStyle/>
         <a:p>
-          <a:pPr lvl="0" algn="l" defTabSz="1422400" rtl="0">
+          <a:pPr marL="0" lvl="0" indent="0" algn="l" defTabSz="1422400" rtl="0">
             <a:lnSpc>
               <a:spcPct val="90000"/>
             </a:lnSpc>
@@ -17306,12 +17962,12 @@
             <a:spcAft>
               <a:spcPct val="35000"/>
             </a:spcAft>
+            <a:buNone/>
           </a:pPr>
           <a:r>
-            <a:rPr lang="en-US" sz="3200" b="1" u="none" kern="1200" dirty="0" smtClean="0"/>
+            <a:rPr lang="en-US" sz="3200" b="1" u="none" kern="1200" dirty="0"/>
             <a:t>Supported Configurations</a:t>
           </a:r>
-          <a:endParaRPr lang="en-US" sz="3200" b="1" u="none" kern="1200" dirty="0"/>
         </a:p>
       </dsp:txBody>
       <dsp:txXfrm>
@@ -17373,7 +18029,7 @@
         </a:bodyPr>
         <a:lstStyle/>
         <a:p>
-          <a:pPr lvl="0" algn="l" defTabSz="1422400" rtl="0">
+          <a:pPr marL="0" lvl="0" indent="0" algn="l" defTabSz="1422400" rtl="0">
             <a:lnSpc>
               <a:spcPct val="90000"/>
             </a:lnSpc>
@@ -17383,12 +18039,12 @@
             <a:spcAft>
               <a:spcPct val="35000"/>
             </a:spcAft>
+            <a:buNone/>
           </a:pPr>
           <a:r>
-            <a:rPr lang="en-US" sz="3200" b="1" kern="1200" dirty="0" smtClean="0"/>
+            <a:rPr lang="en-US" sz="3200" b="1" kern="1200" dirty="0"/>
             <a:t>Observations</a:t>
           </a:r>
-          <a:endParaRPr lang="en-US" sz="3200" b="1" kern="1200" dirty="0"/>
         </a:p>
       </dsp:txBody>
       <dsp:txXfrm>
@@ -17450,7 +18106,7 @@
         </a:bodyPr>
         <a:lstStyle/>
         <a:p>
-          <a:pPr lvl="0" algn="l" defTabSz="1422400" rtl="0">
+          <a:pPr marL="0" lvl="0" indent="0" algn="l" defTabSz="1422400" rtl="0">
             <a:lnSpc>
               <a:spcPct val="90000"/>
             </a:lnSpc>
@@ -17460,12 +18116,12 @@
             <a:spcAft>
               <a:spcPct val="35000"/>
             </a:spcAft>
+            <a:buNone/>
           </a:pPr>
           <a:r>
-            <a:rPr lang="en-US" sz="3200" b="1" kern="1200" dirty="0" smtClean="0"/>
+            <a:rPr lang="en-US" sz="3200" b="1" kern="1200" dirty="0"/>
             <a:t>Summary Info</a:t>
           </a:r>
-          <a:endParaRPr lang="en-US" sz="3200" b="1" kern="1200" dirty="0"/>
         </a:p>
       </dsp:txBody>
       <dsp:txXfrm>
@@ -17485,6 +18141,391 @@
       <dsp:cNvGrpSpPr/>
     </dsp:nvGrpSpPr>
     <dsp:grpSpPr/>
+    <dsp:sp modelId="{C2AC79BC-77C4-4FC6-A187-A54CEE873C69}">
+      <dsp:nvSpPr>
+        <dsp:cNvPr id="0" name=""/>
+        <dsp:cNvSpPr/>
+      </dsp:nvSpPr>
+      <dsp:spPr>
+        <a:xfrm>
+          <a:off x="0" y="16830"/>
+          <a:ext cx="4953000" cy="1074060"/>
+        </a:xfrm>
+        <a:prstGeom prst="roundRect">
+          <a:avLst/>
+        </a:prstGeom>
+        <a:solidFill>
+          <a:schemeClr val="accent1">
+            <a:hueOff val="0"/>
+            <a:satOff val="0"/>
+            <a:lumOff val="0"/>
+            <a:alphaOff val="0"/>
+          </a:schemeClr>
+        </a:solidFill>
+        <a:ln w="19050" cap="flat" cmpd="sng" algn="ctr">
+          <a:solidFill>
+            <a:schemeClr val="lt1">
+              <a:hueOff val="0"/>
+              <a:satOff val="0"/>
+              <a:lumOff val="0"/>
+              <a:alphaOff val="0"/>
+            </a:schemeClr>
+          </a:solidFill>
+          <a:prstDash val="solid"/>
+        </a:ln>
+        <a:effectLst/>
+      </dsp:spPr>
+      <dsp:style>
+        <a:lnRef idx="2">
+          <a:scrgbClr r="0" g="0" b="0"/>
+        </a:lnRef>
+        <a:fillRef idx="1">
+          <a:scrgbClr r="0" g="0" b="0"/>
+        </a:fillRef>
+        <a:effectRef idx="0">
+          <a:scrgbClr r="0" g="0" b="0"/>
+        </a:effectRef>
+        <a:fontRef idx="minor">
+          <a:schemeClr val="lt1"/>
+        </a:fontRef>
+      </dsp:style>
+      <dsp:txBody>
+        <a:bodyPr spcFirstLastPara="0" vert="horz" wrap="square" lIns="102870" tIns="102870" rIns="102870" bIns="102870" numCol="1" spcCol="1270" anchor="ctr" anchorCtr="0">
+          <a:noAutofit/>
+        </a:bodyPr>
+        <a:lstStyle/>
+        <a:p>
+          <a:pPr marL="0" lvl="0" indent="0" algn="l" defTabSz="1200150">
+            <a:lnSpc>
+              <a:spcPct val="90000"/>
+            </a:lnSpc>
+            <a:spcBef>
+              <a:spcPct val="0"/>
+            </a:spcBef>
+            <a:spcAft>
+              <a:spcPct val="35000"/>
+            </a:spcAft>
+            <a:buNone/>
+          </a:pPr>
+          <a:r>
+            <a:rPr lang="en-US" sz="2700" b="1" kern="1200" dirty="0"/>
+            <a:t>How is CPU usage in last 4 hours?</a:t>
+          </a:r>
+        </a:p>
+      </dsp:txBody>
+      <dsp:txXfrm>
+        <a:off x="52431" y="69261"/>
+        <a:ext cx="4848138" cy="969198"/>
+      </dsp:txXfrm>
+    </dsp:sp>
+    <dsp:sp modelId="{6E4D5E3A-4E34-4D62-9EB9-99BE0E179255}">
+      <dsp:nvSpPr>
+        <dsp:cNvPr id="0" name=""/>
+        <dsp:cNvSpPr/>
+      </dsp:nvSpPr>
+      <dsp:spPr>
+        <a:xfrm>
+          <a:off x="0" y="1168650"/>
+          <a:ext cx="4953000" cy="1074060"/>
+        </a:xfrm>
+        <a:prstGeom prst="roundRect">
+          <a:avLst/>
+        </a:prstGeom>
+        <a:solidFill>
+          <a:schemeClr val="accent1">
+            <a:hueOff val="0"/>
+            <a:satOff val="0"/>
+            <a:lumOff val="0"/>
+            <a:alphaOff val="0"/>
+          </a:schemeClr>
+        </a:solidFill>
+        <a:ln w="19050" cap="flat" cmpd="sng" algn="ctr">
+          <a:solidFill>
+            <a:schemeClr val="lt1">
+              <a:hueOff val="0"/>
+              <a:satOff val="0"/>
+              <a:lumOff val="0"/>
+              <a:alphaOff val="0"/>
+            </a:schemeClr>
+          </a:solidFill>
+          <a:prstDash val="solid"/>
+        </a:ln>
+        <a:effectLst/>
+      </dsp:spPr>
+      <dsp:style>
+        <a:lnRef idx="2">
+          <a:scrgbClr r="0" g="0" b="0"/>
+        </a:lnRef>
+        <a:fillRef idx="1">
+          <a:scrgbClr r="0" g="0" b="0"/>
+        </a:fillRef>
+        <a:effectRef idx="0">
+          <a:scrgbClr r="0" g="0" b="0"/>
+        </a:effectRef>
+        <a:fontRef idx="minor">
+          <a:schemeClr val="lt1"/>
+        </a:fontRef>
+      </dsp:style>
+      <dsp:txBody>
+        <a:bodyPr spcFirstLastPara="0" vert="horz" wrap="square" lIns="102870" tIns="102870" rIns="102870" bIns="102870" numCol="1" spcCol="1270" anchor="ctr" anchorCtr="0">
+          <a:noAutofit/>
+        </a:bodyPr>
+        <a:lstStyle/>
+        <a:p>
+          <a:pPr marL="0" lvl="0" indent="0" algn="l" defTabSz="1200150">
+            <a:lnSpc>
+              <a:spcPct val="90000"/>
+            </a:lnSpc>
+            <a:spcBef>
+              <a:spcPct val="0"/>
+            </a:spcBef>
+            <a:spcAft>
+              <a:spcPct val="35000"/>
+            </a:spcAft>
+            <a:buNone/>
+          </a:pPr>
+          <a:r>
+            <a:rPr lang="en-US" sz="2700" b="1" kern="1200" dirty="0"/>
+            <a:t>How is current OS memory usage? </a:t>
+          </a:r>
+        </a:p>
+      </dsp:txBody>
+      <dsp:txXfrm>
+        <a:off x="52431" y="1221081"/>
+        <a:ext cx="4848138" cy="969198"/>
+      </dsp:txXfrm>
+    </dsp:sp>
+    <dsp:sp modelId="{6C49FADF-5539-4130-9C60-A1129552506F}">
+      <dsp:nvSpPr>
+        <dsp:cNvPr id="0" name=""/>
+        <dsp:cNvSpPr/>
+      </dsp:nvSpPr>
+      <dsp:spPr>
+        <a:xfrm>
+          <a:off x="0" y="2320470"/>
+          <a:ext cx="4953000" cy="1074060"/>
+        </a:xfrm>
+        <a:prstGeom prst="roundRect">
+          <a:avLst/>
+        </a:prstGeom>
+        <a:solidFill>
+          <a:schemeClr val="accent1">
+            <a:hueOff val="0"/>
+            <a:satOff val="0"/>
+            <a:lumOff val="0"/>
+            <a:alphaOff val="0"/>
+          </a:schemeClr>
+        </a:solidFill>
+        <a:ln w="19050" cap="flat" cmpd="sng" algn="ctr">
+          <a:solidFill>
+            <a:schemeClr val="lt1">
+              <a:hueOff val="0"/>
+              <a:satOff val="0"/>
+              <a:lumOff val="0"/>
+              <a:alphaOff val="0"/>
+            </a:schemeClr>
+          </a:solidFill>
+          <a:prstDash val="solid"/>
+        </a:ln>
+        <a:effectLst/>
+      </dsp:spPr>
+      <dsp:style>
+        <a:lnRef idx="2">
+          <a:scrgbClr r="0" g="0" b="0"/>
+        </a:lnRef>
+        <a:fillRef idx="1">
+          <a:scrgbClr r="0" g="0" b="0"/>
+        </a:fillRef>
+        <a:effectRef idx="0">
+          <a:scrgbClr r="0" g="0" b="0"/>
+        </a:effectRef>
+        <a:fontRef idx="minor">
+          <a:schemeClr val="lt1"/>
+        </a:fontRef>
+      </dsp:style>
+      <dsp:txBody>
+        <a:bodyPr spcFirstLastPara="0" vert="horz" wrap="square" lIns="102870" tIns="102870" rIns="102870" bIns="102870" numCol="1" spcCol="1270" anchor="ctr" anchorCtr="0">
+          <a:noAutofit/>
+        </a:bodyPr>
+        <a:lstStyle/>
+        <a:p>
+          <a:pPr marL="0" lvl="0" indent="0" algn="l" defTabSz="1200150">
+            <a:lnSpc>
+              <a:spcPct val="90000"/>
+            </a:lnSpc>
+            <a:spcBef>
+              <a:spcPct val="0"/>
+            </a:spcBef>
+            <a:spcAft>
+              <a:spcPct val="35000"/>
+            </a:spcAft>
+            <a:buNone/>
+          </a:pPr>
+          <a:r>
+            <a:rPr lang="en-US" sz="2700" b="1" kern="1200" dirty="0"/>
+            <a:t>How is current SQL memory usage? </a:t>
+          </a:r>
+        </a:p>
+      </dsp:txBody>
+      <dsp:txXfrm>
+        <a:off x="52431" y="2372901"/>
+        <a:ext cx="4848138" cy="969198"/>
+      </dsp:txXfrm>
+    </dsp:sp>
+    <dsp:sp modelId="{CA76038E-2DF5-4CD0-AC08-2529D51055F3}">
+      <dsp:nvSpPr>
+        <dsp:cNvPr id="0" name=""/>
+        <dsp:cNvSpPr/>
+      </dsp:nvSpPr>
+      <dsp:spPr>
+        <a:xfrm>
+          <a:off x="0" y="3472290"/>
+          <a:ext cx="4953000" cy="1074060"/>
+        </a:xfrm>
+        <a:prstGeom prst="roundRect">
+          <a:avLst/>
+        </a:prstGeom>
+        <a:solidFill>
+          <a:schemeClr val="accent1">
+            <a:hueOff val="0"/>
+            <a:satOff val="0"/>
+            <a:lumOff val="0"/>
+            <a:alphaOff val="0"/>
+          </a:schemeClr>
+        </a:solidFill>
+        <a:ln w="19050" cap="flat" cmpd="sng" algn="ctr">
+          <a:solidFill>
+            <a:schemeClr val="lt1">
+              <a:hueOff val="0"/>
+              <a:satOff val="0"/>
+              <a:lumOff val="0"/>
+              <a:alphaOff val="0"/>
+            </a:schemeClr>
+          </a:solidFill>
+          <a:prstDash val="solid"/>
+        </a:ln>
+        <a:effectLst/>
+      </dsp:spPr>
+      <dsp:style>
+        <a:lnRef idx="2">
+          <a:scrgbClr r="0" g="0" b="0"/>
+        </a:lnRef>
+        <a:fillRef idx="1">
+          <a:scrgbClr r="0" g="0" b="0"/>
+        </a:fillRef>
+        <a:effectRef idx="0">
+          <a:scrgbClr r="0" g="0" b="0"/>
+        </a:effectRef>
+        <a:fontRef idx="minor">
+          <a:schemeClr val="lt1"/>
+        </a:fontRef>
+      </dsp:style>
+      <dsp:txBody>
+        <a:bodyPr spcFirstLastPara="0" vert="horz" wrap="square" lIns="102870" tIns="102870" rIns="102870" bIns="102870" numCol="1" spcCol="1270" anchor="ctr" anchorCtr="0">
+          <a:noAutofit/>
+        </a:bodyPr>
+        <a:lstStyle/>
+        <a:p>
+          <a:pPr marL="0" lvl="0" indent="0" algn="l" defTabSz="1200150">
+            <a:lnSpc>
+              <a:spcPct val="90000"/>
+            </a:lnSpc>
+            <a:spcBef>
+              <a:spcPct val="0"/>
+            </a:spcBef>
+            <a:spcAft>
+              <a:spcPct val="35000"/>
+            </a:spcAft>
+            <a:buNone/>
+          </a:pPr>
+          <a:r>
+            <a:rPr lang="en-US" sz="2700" b="1" kern="1200" dirty="0"/>
+            <a:t>How is overall disk I/O waits?</a:t>
+          </a:r>
+        </a:p>
+      </dsp:txBody>
+      <dsp:txXfrm>
+        <a:off x="52431" y="3524721"/>
+        <a:ext cx="4848138" cy="969198"/>
+      </dsp:txXfrm>
+    </dsp:sp>
+    <dsp:sp modelId="{C839F8F8-A8CC-490C-A562-DFC4019DAE69}">
+      <dsp:nvSpPr>
+        <dsp:cNvPr id="0" name=""/>
+        <dsp:cNvSpPr/>
+      </dsp:nvSpPr>
+      <dsp:spPr>
+        <a:xfrm>
+          <a:off x="0" y="4624110"/>
+          <a:ext cx="4953000" cy="1074060"/>
+        </a:xfrm>
+        <a:prstGeom prst="roundRect">
+          <a:avLst/>
+        </a:prstGeom>
+        <a:solidFill>
+          <a:schemeClr val="accent1">
+            <a:hueOff val="0"/>
+            <a:satOff val="0"/>
+            <a:lumOff val="0"/>
+            <a:alphaOff val="0"/>
+          </a:schemeClr>
+        </a:solidFill>
+        <a:ln w="19050" cap="flat" cmpd="sng" algn="ctr">
+          <a:solidFill>
+            <a:schemeClr val="lt1">
+              <a:hueOff val="0"/>
+              <a:satOff val="0"/>
+              <a:lumOff val="0"/>
+              <a:alphaOff val="0"/>
+            </a:schemeClr>
+          </a:solidFill>
+          <a:prstDash val="solid"/>
+        </a:ln>
+        <a:effectLst/>
+      </dsp:spPr>
+      <dsp:style>
+        <a:lnRef idx="2">
+          <a:scrgbClr r="0" g="0" b="0"/>
+        </a:lnRef>
+        <a:fillRef idx="1">
+          <a:scrgbClr r="0" g="0" b="0"/>
+        </a:fillRef>
+        <a:effectRef idx="0">
+          <a:scrgbClr r="0" g="0" b="0"/>
+        </a:effectRef>
+        <a:fontRef idx="minor">
+          <a:schemeClr val="lt1"/>
+        </a:fontRef>
+      </dsp:style>
+      <dsp:txBody>
+        <a:bodyPr spcFirstLastPara="0" vert="horz" wrap="square" lIns="102870" tIns="102870" rIns="102870" bIns="102870" numCol="1" spcCol="1270" anchor="ctr" anchorCtr="0">
+          <a:noAutofit/>
+        </a:bodyPr>
+        <a:lstStyle/>
+        <a:p>
+          <a:pPr marL="0" lvl="0" indent="0" algn="l" defTabSz="1200150">
+            <a:lnSpc>
+              <a:spcPct val="90000"/>
+            </a:lnSpc>
+            <a:spcBef>
+              <a:spcPct val="0"/>
+            </a:spcBef>
+            <a:spcAft>
+              <a:spcPct val="35000"/>
+            </a:spcAft>
+            <a:buNone/>
+          </a:pPr>
+          <a:r>
+            <a:rPr lang="en-US" sz="2700" b="1" kern="1200" dirty="0"/>
+            <a:t>How is disk space usage?</a:t>
+          </a:r>
+        </a:p>
+      </dsp:txBody>
+      <dsp:txXfrm>
+        <a:off x="52431" y="4676541"/>
+        <a:ext cx="4848138" cy="969198"/>
+      </dsp:txXfrm>
+    </dsp:sp>
   </dsp:spTree>
 </dsp:drawing>
 </file>
@@ -17497,6 +18538,391 @@
       <dsp:cNvGrpSpPr/>
     </dsp:nvGrpSpPr>
     <dsp:grpSpPr/>
+    <dsp:sp modelId="{255252CD-ED6A-42EF-9639-2A8A3FA1282D}">
+      <dsp:nvSpPr>
+        <dsp:cNvPr id="0" name=""/>
+        <dsp:cNvSpPr/>
+      </dsp:nvSpPr>
+      <dsp:spPr>
+        <a:xfrm>
+          <a:off x="0" y="20531"/>
+          <a:ext cx="4800600" cy="1072579"/>
+        </a:xfrm>
+        <a:prstGeom prst="roundRect">
+          <a:avLst/>
+        </a:prstGeom>
+        <a:solidFill>
+          <a:schemeClr val="accent1">
+            <a:hueOff val="0"/>
+            <a:satOff val="0"/>
+            <a:lumOff val="0"/>
+            <a:alphaOff val="0"/>
+          </a:schemeClr>
+        </a:solidFill>
+        <a:ln w="19050" cap="flat" cmpd="sng" algn="ctr">
+          <a:solidFill>
+            <a:schemeClr val="lt1">
+              <a:hueOff val="0"/>
+              <a:satOff val="0"/>
+              <a:lumOff val="0"/>
+              <a:alphaOff val="0"/>
+            </a:schemeClr>
+          </a:solidFill>
+          <a:prstDash val="solid"/>
+        </a:ln>
+        <a:effectLst/>
+      </dsp:spPr>
+      <dsp:style>
+        <a:lnRef idx="2">
+          <a:scrgbClr r="0" g="0" b="0"/>
+        </a:lnRef>
+        <a:fillRef idx="1">
+          <a:scrgbClr r="0" g="0" b="0"/>
+        </a:fillRef>
+        <a:effectRef idx="0">
+          <a:scrgbClr r="0" g="0" b="0"/>
+        </a:effectRef>
+        <a:fontRef idx="minor">
+          <a:schemeClr val="lt1"/>
+        </a:fontRef>
+      </dsp:style>
+      <dsp:txBody>
+        <a:bodyPr spcFirstLastPara="0" vert="horz" wrap="square" lIns="102870" tIns="102870" rIns="102870" bIns="102870" numCol="1" spcCol="1270" anchor="ctr" anchorCtr="0">
+          <a:noAutofit/>
+        </a:bodyPr>
+        <a:lstStyle/>
+        <a:p>
+          <a:pPr marL="0" lvl="0" indent="0" algn="l" defTabSz="1200150">
+            <a:lnSpc>
+              <a:spcPct val="90000"/>
+            </a:lnSpc>
+            <a:spcBef>
+              <a:spcPct val="0"/>
+            </a:spcBef>
+            <a:spcAft>
+              <a:spcPct val="35000"/>
+            </a:spcAft>
+            <a:buNone/>
+          </a:pPr>
+          <a:r>
+            <a:rPr lang="en-US" sz="2700" b="1" kern="1200" dirty="0"/>
+            <a:t>Top Tables taking space</a:t>
+          </a:r>
+        </a:p>
+      </dsp:txBody>
+      <dsp:txXfrm>
+        <a:off x="52359" y="72890"/>
+        <a:ext cx="4695882" cy="967861"/>
+      </dsp:txXfrm>
+    </dsp:sp>
+    <dsp:sp modelId="{327E1E57-02A3-44B3-8E42-BBF4FCA5DFB3}">
+      <dsp:nvSpPr>
+        <dsp:cNvPr id="0" name=""/>
+        <dsp:cNvSpPr/>
+      </dsp:nvSpPr>
+      <dsp:spPr>
+        <a:xfrm>
+          <a:off x="0" y="1170871"/>
+          <a:ext cx="4800600" cy="1072579"/>
+        </a:xfrm>
+        <a:prstGeom prst="roundRect">
+          <a:avLst/>
+        </a:prstGeom>
+        <a:solidFill>
+          <a:schemeClr val="accent1">
+            <a:hueOff val="0"/>
+            <a:satOff val="0"/>
+            <a:lumOff val="0"/>
+            <a:alphaOff val="0"/>
+          </a:schemeClr>
+        </a:solidFill>
+        <a:ln w="19050" cap="flat" cmpd="sng" algn="ctr">
+          <a:solidFill>
+            <a:schemeClr val="lt1">
+              <a:hueOff val="0"/>
+              <a:satOff val="0"/>
+              <a:lumOff val="0"/>
+              <a:alphaOff val="0"/>
+            </a:schemeClr>
+          </a:solidFill>
+          <a:prstDash val="solid"/>
+        </a:ln>
+        <a:effectLst/>
+      </dsp:spPr>
+      <dsp:style>
+        <a:lnRef idx="2">
+          <a:scrgbClr r="0" g="0" b="0"/>
+        </a:lnRef>
+        <a:fillRef idx="1">
+          <a:scrgbClr r="0" g="0" b="0"/>
+        </a:fillRef>
+        <a:effectRef idx="0">
+          <a:scrgbClr r="0" g="0" b="0"/>
+        </a:effectRef>
+        <a:fontRef idx="minor">
+          <a:schemeClr val="lt1"/>
+        </a:fontRef>
+      </dsp:style>
+      <dsp:txBody>
+        <a:bodyPr spcFirstLastPara="0" vert="horz" wrap="square" lIns="102870" tIns="102870" rIns="102870" bIns="102870" numCol="1" spcCol="1270" anchor="ctr" anchorCtr="0">
+          <a:noAutofit/>
+        </a:bodyPr>
+        <a:lstStyle/>
+        <a:p>
+          <a:pPr marL="0" lvl="0" indent="0" algn="l" defTabSz="1200150">
+            <a:lnSpc>
+              <a:spcPct val="90000"/>
+            </a:lnSpc>
+            <a:spcBef>
+              <a:spcPct val="0"/>
+            </a:spcBef>
+            <a:spcAft>
+              <a:spcPct val="35000"/>
+            </a:spcAft>
+            <a:buNone/>
+          </a:pPr>
+          <a:r>
+            <a:rPr lang="en-US" sz="2700" b="1" kern="1200" dirty="0"/>
+            <a:t>Database usage for each data file</a:t>
+          </a:r>
+        </a:p>
+      </dsp:txBody>
+      <dsp:txXfrm>
+        <a:off x="52359" y="1223230"/>
+        <a:ext cx="4695882" cy="967861"/>
+      </dsp:txXfrm>
+    </dsp:sp>
+    <dsp:sp modelId="{3605912D-CF16-491E-88F1-101B3F15E0A1}">
+      <dsp:nvSpPr>
+        <dsp:cNvPr id="0" name=""/>
+        <dsp:cNvSpPr/>
+      </dsp:nvSpPr>
+      <dsp:spPr>
+        <a:xfrm>
+          <a:off x="0" y="2321210"/>
+          <a:ext cx="4800600" cy="1072579"/>
+        </a:xfrm>
+        <a:prstGeom prst="roundRect">
+          <a:avLst/>
+        </a:prstGeom>
+        <a:solidFill>
+          <a:schemeClr val="accent1">
+            <a:hueOff val="0"/>
+            <a:satOff val="0"/>
+            <a:lumOff val="0"/>
+            <a:alphaOff val="0"/>
+          </a:schemeClr>
+        </a:solidFill>
+        <a:ln w="19050" cap="flat" cmpd="sng" algn="ctr">
+          <a:solidFill>
+            <a:schemeClr val="lt1">
+              <a:hueOff val="0"/>
+              <a:satOff val="0"/>
+              <a:lumOff val="0"/>
+              <a:alphaOff val="0"/>
+            </a:schemeClr>
+          </a:solidFill>
+          <a:prstDash val="solid"/>
+        </a:ln>
+        <a:effectLst/>
+      </dsp:spPr>
+      <dsp:style>
+        <a:lnRef idx="2">
+          <a:scrgbClr r="0" g="0" b="0"/>
+        </a:lnRef>
+        <a:fillRef idx="1">
+          <a:scrgbClr r="0" g="0" b="0"/>
+        </a:fillRef>
+        <a:effectRef idx="0">
+          <a:scrgbClr r="0" g="0" b="0"/>
+        </a:effectRef>
+        <a:fontRef idx="minor">
+          <a:schemeClr val="lt1"/>
+        </a:fontRef>
+      </dsp:style>
+      <dsp:txBody>
+        <a:bodyPr spcFirstLastPara="0" vert="horz" wrap="square" lIns="102870" tIns="102870" rIns="102870" bIns="102870" numCol="1" spcCol="1270" anchor="ctr" anchorCtr="0">
+          <a:noAutofit/>
+        </a:bodyPr>
+        <a:lstStyle/>
+        <a:p>
+          <a:pPr marL="0" lvl="0" indent="0" algn="l" defTabSz="1200150">
+            <a:lnSpc>
+              <a:spcPct val="90000"/>
+            </a:lnSpc>
+            <a:spcBef>
+              <a:spcPct val="0"/>
+            </a:spcBef>
+            <a:spcAft>
+              <a:spcPct val="35000"/>
+            </a:spcAft>
+            <a:buNone/>
+          </a:pPr>
+          <a:r>
+            <a:rPr lang="en-US" sz="2700" b="1" kern="1200" dirty="0"/>
+            <a:t>Database growth in last 2 days</a:t>
+          </a:r>
+        </a:p>
+      </dsp:txBody>
+      <dsp:txXfrm>
+        <a:off x="52359" y="2373569"/>
+        <a:ext cx="4695882" cy="967861"/>
+      </dsp:txXfrm>
+    </dsp:sp>
+    <dsp:sp modelId="{61A5A88E-9802-4543-BBB5-72A84FB3F242}">
+      <dsp:nvSpPr>
+        <dsp:cNvPr id="0" name=""/>
+        <dsp:cNvSpPr/>
+      </dsp:nvSpPr>
+      <dsp:spPr>
+        <a:xfrm>
+          <a:off x="0" y="3471549"/>
+          <a:ext cx="4800600" cy="1072579"/>
+        </a:xfrm>
+        <a:prstGeom prst="roundRect">
+          <a:avLst/>
+        </a:prstGeom>
+        <a:solidFill>
+          <a:schemeClr val="accent1">
+            <a:hueOff val="0"/>
+            <a:satOff val="0"/>
+            <a:lumOff val="0"/>
+            <a:alphaOff val="0"/>
+          </a:schemeClr>
+        </a:solidFill>
+        <a:ln w="19050" cap="flat" cmpd="sng" algn="ctr">
+          <a:solidFill>
+            <a:schemeClr val="lt1">
+              <a:hueOff val="0"/>
+              <a:satOff val="0"/>
+              <a:lumOff val="0"/>
+              <a:alphaOff val="0"/>
+            </a:schemeClr>
+          </a:solidFill>
+          <a:prstDash val="solid"/>
+        </a:ln>
+        <a:effectLst/>
+      </dsp:spPr>
+      <dsp:style>
+        <a:lnRef idx="2">
+          <a:scrgbClr r="0" g="0" b="0"/>
+        </a:lnRef>
+        <a:fillRef idx="1">
+          <a:scrgbClr r="0" g="0" b="0"/>
+        </a:fillRef>
+        <a:effectRef idx="0">
+          <a:scrgbClr r="0" g="0" b="0"/>
+        </a:effectRef>
+        <a:fontRef idx="minor">
+          <a:schemeClr val="lt1"/>
+        </a:fontRef>
+      </dsp:style>
+      <dsp:txBody>
+        <a:bodyPr spcFirstLastPara="0" vert="horz" wrap="square" lIns="102870" tIns="102870" rIns="102870" bIns="102870" numCol="1" spcCol="1270" anchor="ctr" anchorCtr="0">
+          <a:noAutofit/>
+        </a:bodyPr>
+        <a:lstStyle/>
+        <a:p>
+          <a:pPr marL="0" lvl="0" indent="0" algn="l" defTabSz="1200150">
+            <a:lnSpc>
+              <a:spcPct val="90000"/>
+            </a:lnSpc>
+            <a:spcBef>
+              <a:spcPct val="0"/>
+            </a:spcBef>
+            <a:spcAft>
+              <a:spcPct val="35000"/>
+            </a:spcAft>
+            <a:buNone/>
+          </a:pPr>
+          <a:r>
+            <a:rPr lang="en-US" sz="2700" b="1" kern="1200" dirty="0"/>
+            <a:t>Top waits by SQL Server</a:t>
+          </a:r>
+        </a:p>
+      </dsp:txBody>
+      <dsp:txXfrm>
+        <a:off x="52359" y="3523908"/>
+        <a:ext cx="4695882" cy="967861"/>
+      </dsp:txXfrm>
+    </dsp:sp>
+    <dsp:sp modelId="{C84DD27E-60DB-44A5-8AEB-068FD1EC35EE}">
+      <dsp:nvSpPr>
+        <dsp:cNvPr id="0" name=""/>
+        <dsp:cNvSpPr/>
+      </dsp:nvSpPr>
+      <dsp:spPr>
+        <a:xfrm>
+          <a:off x="0" y="4621888"/>
+          <a:ext cx="4800600" cy="1072579"/>
+        </a:xfrm>
+        <a:prstGeom prst="roundRect">
+          <a:avLst/>
+        </a:prstGeom>
+        <a:solidFill>
+          <a:schemeClr val="accent1">
+            <a:hueOff val="0"/>
+            <a:satOff val="0"/>
+            <a:lumOff val="0"/>
+            <a:alphaOff val="0"/>
+          </a:schemeClr>
+        </a:solidFill>
+        <a:ln w="19050" cap="flat" cmpd="sng" algn="ctr">
+          <a:solidFill>
+            <a:schemeClr val="lt1">
+              <a:hueOff val="0"/>
+              <a:satOff val="0"/>
+              <a:lumOff val="0"/>
+              <a:alphaOff val="0"/>
+            </a:schemeClr>
+          </a:solidFill>
+          <a:prstDash val="solid"/>
+        </a:ln>
+        <a:effectLst/>
+      </dsp:spPr>
+      <dsp:style>
+        <a:lnRef idx="2">
+          <a:scrgbClr r="0" g="0" b="0"/>
+        </a:lnRef>
+        <a:fillRef idx="1">
+          <a:scrgbClr r="0" g="0" b="0"/>
+        </a:fillRef>
+        <a:effectRef idx="0">
+          <a:scrgbClr r="0" g="0" b="0"/>
+        </a:effectRef>
+        <a:fontRef idx="minor">
+          <a:schemeClr val="lt1"/>
+        </a:fontRef>
+      </dsp:style>
+      <dsp:txBody>
+        <a:bodyPr spcFirstLastPara="0" vert="horz" wrap="square" lIns="102870" tIns="102870" rIns="102870" bIns="102870" numCol="1" spcCol="1270" anchor="ctr" anchorCtr="0">
+          <a:noAutofit/>
+        </a:bodyPr>
+        <a:lstStyle/>
+        <a:p>
+          <a:pPr marL="0" lvl="0" indent="0" algn="l" defTabSz="1200150">
+            <a:lnSpc>
+              <a:spcPct val="90000"/>
+            </a:lnSpc>
+            <a:spcBef>
+              <a:spcPct val="0"/>
+            </a:spcBef>
+            <a:spcAft>
+              <a:spcPct val="35000"/>
+            </a:spcAft>
+            <a:buNone/>
+          </a:pPr>
+          <a:r>
+            <a:rPr lang="en-US" sz="2700" b="1" kern="1200" dirty="0"/>
+            <a:t>Top 5 Memory consuming OS processes</a:t>
+          </a:r>
+        </a:p>
+      </dsp:txBody>
+      <dsp:txXfrm>
+        <a:off x="52359" y="4674247"/>
+        <a:ext cx="4695882" cy="967861"/>
+      </dsp:txXfrm>
+    </dsp:sp>
   </dsp:spTree>
 </dsp:drawing>
 </file>
@@ -17509,6 +18935,468 @@
       <dsp:cNvGrpSpPr/>
     </dsp:nvGrpSpPr>
     <dsp:grpSpPr/>
+    <dsp:sp modelId="{0DADF98C-5C2B-4EA5-9ECD-DD3782CE8581}">
+      <dsp:nvSpPr>
+        <dsp:cNvPr id="0" name=""/>
+        <dsp:cNvSpPr/>
+      </dsp:nvSpPr>
+      <dsp:spPr>
+        <a:xfrm>
+          <a:off x="0" y="245384"/>
+          <a:ext cx="11125200" cy="791505"/>
+        </a:xfrm>
+        <a:prstGeom prst="roundRect">
+          <a:avLst/>
+        </a:prstGeom>
+        <a:solidFill>
+          <a:schemeClr val="accent1">
+            <a:hueOff val="0"/>
+            <a:satOff val="0"/>
+            <a:lumOff val="0"/>
+            <a:alphaOff val="0"/>
+          </a:schemeClr>
+        </a:solidFill>
+        <a:ln w="19050" cap="flat" cmpd="sng" algn="ctr">
+          <a:solidFill>
+            <a:schemeClr val="lt1">
+              <a:hueOff val="0"/>
+              <a:satOff val="0"/>
+              <a:lumOff val="0"/>
+              <a:alphaOff val="0"/>
+            </a:schemeClr>
+          </a:solidFill>
+          <a:prstDash val="solid"/>
+        </a:ln>
+        <a:effectLst/>
+      </dsp:spPr>
+      <dsp:style>
+        <a:lnRef idx="2">
+          <a:scrgbClr r="0" g="0" b="0"/>
+        </a:lnRef>
+        <a:fillRef idx="1">
+          <a:scrgbClr r="0" g="0" b="0"/>
+        </a:fillRef>
+        <a:effectRef idx="0">
+          <a:scrgbClr r="0" g="0" b="0"/>
+        </a:effectRef>
+        <a:fontRef idx="minor">
+          <a:schemeClr val="lt1"/>
+        </a:fontRef>
+      </dsp:style>
+      <dsp:txBody>
+        <a:bodyPr spcFirstLastPara="0" vert="horz" wrap="square" lIns="125730" tIns="125730" rIns="125730" bIns="125730" numCol="1" spcCol="1270" anchor="ctr" anchorCtr="0">
+          <a:noAutofit/>
+        </a:bodyPr>
+        <a:lstStyle/>
+        <a:p>
+          <a:pPr marL="0" lvl="0" indent="0" algn="l" defTabSz="1466850">
+            <a:lnSpc>
+              <a:spcPct val="90000"/>
+            </a:lnSpc>
+            <a:spcBef>
+              <a:spcPct val="0"/>
+            </a:spcBef>
+            <a:spcAft>
+              <a:spcPct val="35000"/>
+            </a:spcAft>
+            <a:buNone/>
+          </a:pPr>
+          <a:r>
+            <a:rPr lang="en-US" sz="3300" b="1" kern="1200" dirty="0"/>
+            <a:t>Consolidation of key database stats</a:t>
+          </a:r>
+        </a:p>
+      </dsp:txBody>
+      <dsp:txXfrm>
+        <a:off x="38638" y="284022"/>
+        <a:ext cx="11047924" cy="714229"/>
+      </dsp:txXfrm>
+    </dsp:sp>
+    <dsp:sp modelId="{9DD2E2AE-3FEB-4A45-B119-EE7FE2D1E5D5}">
+      <dsp:nvSpPr>
+        <dsp:cNvPr id="0" name=""/>
+        <dsp:cNvSpPr/>
+      </dsp:nvSpPr>
+      <dsp:spPr>
+        <a:xfrm>
+          <a:off x="0" y="1131930"/>
+          <a:ext cx="11125200" cy="791505"/>
+        </a:xfrm>
+        <a:prstGeom prst="roundRect">
+          <a:avLst/>
+        </a:prstGeom>
+        <a:solidFill>
+          <a:schemeClr val="accent1">
+            <a:hueOff val="0"/>
+            <a:satOff val="0"/>
+            <a:lumOff val="0"/>
+            <a:alphaOff val="0"/>
+          </a:schemeClr>
+        </a:solidFill>
+        <a:ln w="19050" cap="flat" cmpd="sng" algn="ctr">
+          <a:solidFill>
+            <a:schemeClr val="lt1">
+              <a:hueOff val="0"/>
+              <a:satOff val="0"/>
+              <a:lumOff val="0"/>
+              <a:alphaOff val="0"/>
+            </a:schemeClr>
+          </a:solidFill>
+          <a:prstDash val="solid"/>
+        </a:ln>
+        <a:effectLst/>
+      </dsp:spPr>
+      <dsp:style>
+        <a:lnRef idx="2">
+          <a:scrgbClr r="0" g="0" b="0"/>
+        </a:lnRef>
+        <a:fillRef idx="1">
+          <a:scrgbClr r="0" g="0" b="0"/>
+        </a:fillRef>
+        <a:effectRef idx="0">
+          <a:scrgbClr r="0" g="0" b="0"/>
+        </a:effectRef>
+        <a:fontRef idx="minor">
+          <a:schemeClr val="lt1"/>
+        </a:fontRef>
+      </dsp:style>
+      <dsp:txBody>
+        <a:bodyPr spcFirstLastPara="0" vert="horz" wrap="square" lIns="125730" tIns="125730" rIns="125730" bIns="125730" numCol="1" spcCol="1270" anchor="ctr" anchorCtr="0">
+          <a:noAutofit/>
+        </a:bodyPr>
+        <a:lstStyle/>
+        <a:p>
+          <a:pPr marL="0" lvl="0" indent="0" algn="l" defTabSz="1466850">
+            <a:lnSpc>
+              <a:spcPct val="90000"/>
+            </a:lnSpc>
+            <a:spcBef>
+              <a:spcPct val="0"/>
+            </a:spcBef>
+            <a:spcAft>
+              <a:spcPct val="35000"/>
+            </a:spcAft>
+            <a:buNone/>
+          </a:pPr>
+          <a:r>
+            <a:rPr lang="en-US" sz="3300" b="1" kern="1200" dirty="0"/>
+            <a:t>HTML formatted email</a:t>
+          </a:r>
+        </a:p>
+      </dsp:txBody>
+      <dsp:txXfrm>
+        <a:off x="38638" y="1170568"/>
+        <a:ext cx="11047924" cy="714229"/>
+      </dsp:txXfrm>
+    </dsp:sp>
+    <dsp:sp modelId="{AFD63ED1-EF9A-4CEE-9F1D-A07234EE35DD}">
+      <dsp:nvSpPr>
+        <dsp:cNvPr id="0" name=""/>
+        <dsp:cNvSpPr/>
+      </dsp:nvSpPr>
+      <dsp:spPr>
+        <a:xfrm>
+          <a:off x="0" y="2018475"/>
+          <a:ext cx="11125200" cy="791505"/>
+        </a:xfrm>
+        <a:prstGeom prst="roundRect">
+          <a:avLst/>
+        </a:prstGeom>
+        <a:solidFill>
+          <a:schemeClr val="accent1">
+            <a:hueOff val="0"/>
+            <a:satOff val="0"/>
+            <a:lumOff val="0"/>
+            <a:alphaOff val="0"/>
+          </a:schemeClr>
+        </a:solidFill>
+        <a:ln w="19050" cap="flat" cmpd="sng" algn="ctr">
+          <a:solidFill>
+            <a:schemeClr val="lt1">
+              <a:hueOff val="0"/>
+              <a:satOff val="0"/>
+              <a:lumOff val="0"/>
+              <a:alphaOff val="0"/>
+            </a:schemeClr>
+          </a:solidFill>
+          <a:prstDash val="solid"/>
+        </a:ln>
+        <a:effectLst/>
+      </dsp:spPr>
+      <dsp:style>
+        <a:lnRef idx="2">
+          <a:scrgbClr r="0" g="0" b="0"/>
+        </a:lnRef>
+        <a:fillRef idx="1">
+          <a:scrgbClr r="0" g="0" b="0"/>
+        </a:fillRef>
+        <a:effectRef idx="0">
+          <a:scrgbClr r="0" g="0" b="0"/>
+        </a:effectRef>
+        <a:fontRef idx="minor">
+          <a:schemeClr val="lt1"/>
+        </a:fontRef>
+      </dsp:style>
+      <dsp:txBody>
+        <a:bodyPr spcFirstLastPara="0" vert="horz" wrap="square" lIns="125730" tIns="125730" rIns="125730" bIns="125730" numCol="1" spcCol="1270" anchor="ctr" anchorCtr="0">
+          <a:noAutofit/>
+        </a:bodyPr>
+        <a:lstStyle/>
+        <a:p>
+          <a:pPr marL="0" lvl="0" indent="0" algn="l" defTabSz="1466850">
+            <a:lnSpc>
+              <a:spcPct val="90000"/>
+            </a:lnSpc>
+            <a:spcBef>
+              <a:spcPct val="0"/>
+            </a:spcBef>
+            <a:spcAft>
+              <a:spcPct val="35000"/>
+            </a:spcAft>
+            <a:buNone/>
+          </a:pPr>
+          <a:r>
+            <a:rPr lang="en-US" sz="3300" b="1" kern="1200" dirty="0"/>
+            <a:t>Runs from central server</a:t>
+          </a:r>
+        </a:p>
+      </dsp:txBody>
+      <dsp:txXfrm>
+        <a:off x="38638" y="2057113"/>
+        <a:ext cx="11047924" cy="714229"/>
+      </dsp:txXfrm>
+    </dsp:sp>
+    <dsp:sp modelId="{C6C948B5-E06B-4BCB-AFDE-CAD9319DD3D4}">
+      <dsp:nvSpPr>
+        <dsp:cNvPr id="0" name=""/>
+        <dsp:cNvSpPr/>
+      </dsp:nvSpPr>
+      <dsp:spPr>
+        <a:xfrm>
+          <a:off x="0" y="2905020"/>
+          <a:ext cx="11125200" cy="791505"/>
+        </a:xfrm>
+        <a:prstGeom prst="roundRect">
+          <a:avLst/>
+        </a:prstGeom>
+        <a:solidFill>
+          <a:schemeClr val="accent1">
+            <a:hueOff val="0"/>
+            <a:satOff val="0"/>
+            <a:lumOff val="0"/>
+            <a:alphaOff val="0"/>
+          </a:schemeClr>
+        </a:solidFill>
+        <a:ln w="19050" cap="flat" cmpd="sng" algn="ctr">
+          <a:solidFill>
+            <a:schemeClr val="lt1">
+              <a:hueOff val="0"/>
+              <a:satOff val="0"/>
+              <a:lumOff val="0"/>
+              <a:alphaOff val="0"/>
+            </a:schemeClr>
+          </a:solidFill>
+          <a:prstDash val="solid"/>
+        </a:ln>
+        <a:effectLst/>
+      </dsp:spPr>
+      <dsp:style>
+        <a:lnRef idx="2">
+          <a:scrgbClr r="0" g="0" b="0"/>
+        </a:lnRef>
+        <a:fillRef idx="1">
+          <a:scrgbClr r="0" g="0" b="0"/>
+        </a:fillRef>
+        <a:effectRef idx="0">
+          <a:scrgbClr r="0" g="0" b="0"/>
+        </a:effectRef>
+        <a:fontRef idx="minor">
+          <a:schemeClr val="lt1"/>
+        </a:fontRef>
+      </dsp:style>
+      <dsp:txBody>
+        <a:bodyPr spcFirstLastPara="0" vert="horz" wrap="square" lIns="125730" tIns="125730" rIns="125730" bIns="125730" numCol="1" spcCol="1270" anchor="ctr" anchorCtr="0">
+          <a:noAutofit/>
+        </a:bodyPr>
+        <a:lstStyle/>
+        <a:p>
+          <a:pPr marL="0" lvl="0" indent="0" algn="l" defTabSz="1466850">
+            <a:lnSpc>
+              <a:spcPct val="90000"/>
+            </a:lnSpc>
+            <a:spcBef>
+              <a:spcPct val="0"/>
+            </a:spcBef>
+            <a:spcAft>
+              <a:spcPct val="35000"/>
+            </a:spcAft>
+            <a:buNone/>
+          </a:pPr>
+          <a:r>
+            <a:rPr lang="en-US" sz="3300" b="1" kern="1200" dirty="0"/>
+            <a:t>Consistency and Transparency</a:t>
+          </a:r>
+        </a:p>
+      </dsp:txBody>
+      <dsp:txXfrm>
+        <a:off x="38638" y="2943658"/>
+        <a:ext cx="11047924" cy="714229"/>
+      </dsp:txXfrm>
+    </dsp:sp>
+    <dsp:sp modelId="{AEAE4768-89DE-4207-8C9D-DD90B97B49D6}">
+      <dsp:nvSpPr>
+        <dsp:cNvPr id="0" name=""/>
+        <dsp:cNvSpPr/>
+      </dsp:nvSpPr>
+      <dsp:spPr>
+        <a:xfrm>
+          <a:off x="0" y="3791565"/>
+          <a:ext cx="11125200" cy="791505"/>
+        </a:xfrm>
+        <a:prstGeom prst="roundRect">
+          <a:avLst/>
+        </a:prstGeom>
+        <a:solidFill>
+          <a:schemeClr val="accent1">
+            <a:hueOff val="0"/>
+            <a:satOff val="0"/>
+            <a:lumOff val="0"/>
+            <a:alphaOff val="0"/>
+          </a:schemeClr>
+        </a:solidFill>
+        <a:ln w="19050" cap="flat" cmpd="sng" algn="ctr">
+          <a:solidFill>
+            <a:schemeClr val="lt1">
+              <a:hueOff val="0"/>
+              <a:satOff val="0"/>
+              <a:lumOff val="0"/>
+              <a:alphaOff val="0"/>
+            </a:schemeClr>
+          </a:solidFill>
+          <a:prstDash val="solid"/>
+        </a:ln>
+        <a:effectLst/>
+      </dsp:spPr>
+      <dsp:style>
+        <a:lnRef idx="2">
+          <a:scrgbClr r="0" g="0" b="0"/>
+        </a:lnRef>
+        <a:fillRef idx="1">
+          <a:scrgbClr r="0" g="0" b="0"/>
+        </a:fillRef>
+        <a:effectRef idx="0">
+          <a:scrgbClr r="0" g="0" b="0"/>
+        </a:effectRef>
+        <a:fontRef idx="minor">
+          <a:schemeClr val="lt1"/>
+        </a:fontRef>
+      </dsp:style>
+      <dsp:txBody>
+        <a:bodyPr spcFirstLastPara="0" vert="horz" wrap="square" lIns="125730" tIns="125730" rIns="125730" bIns="125730" numCol="1" spcCol="1270" anchor="ctr" anchorCtr="0">
+          <a:noAutofit/>
+        </a:bodyPr>
+        <a:lstStyle/>
+        <a:p>
+          <a:pPr marL="0" lvl="0" indent="0" algn="l" defTabSz="1466850">
+            <a:lnSpc>
+              <a:spcPct val="90000"/>
+            </a:lnSpc>
+            <a:spcBef>
+              <a:spcPct val="0"/>
+            </a:spcBef>
+            <a:spcAft>
+              <a:spcPct val="35000"/>
+            </a:spcAft>
+            <a:buNone/>
+          </a:pPr>
+          <a:r>
+            <a:rPr lang="en-US" sz="3300" b="1" kern="1200" dirty="0"/>
+            <a:t>Quick checks to ensure zero database performance impact</a:t>
+          </a:r>
+        </a:p>
+      </dsp:txBody>
+      <dsp:txXfrm>
+        <a:off x="38638" y="3830203"/>
+        <a:ext cx="11047924" cy="714229"/>
+      </dsp:txXfrm>
+    </dsp:sp>
+    <dsp:sp modelId="{F7E79ACB-6B9C-4E4B-BDDA-7C826C923DAF}">
+      <dsp:nvSpPr>
+        <dsp:cNvPr id="0" name=""/>
+        <dsp:cNvSpPr/>
+      </dsp:nvSpPr>
+      <dsp:spPr>
+        <a:xfrm>
+          <a:off x="0" y="4678110"/>
+          <a:ext cx="11125200" cy="791505"/>
+        </a:xfrm>
+        <a:prstGeom prst="roundRect">
+          <a:avLst/>
+        </a:prstGeom>
+        <a:solidFill>
+          <a:schemeClr val="accent1">
+            <a:hueOff val="0"/>
+            <a:satOff val="0"/>
+            <a:lumOff val="0"/>
+            <a:alphaOff val="0"/>
+          </a:schemeClr>
+        </a:solidFill>
+        <a:ln w="19050" cap="flat" cmpd="sng" algn="ctr">
+          <a:solidFill>
+            <a:schemeClr val="lt1">
+              <a:hueOff val="0"/>
+              <a:satOff val="0"/>
+              <a:lumOff val="0"/>
+              <a:alphaOff val="0"/>
+            </a:schemeClr>
+          </a:solidFill>
+          <a:prstDash val="solid"/>
+        </a:ln>
+        <a:effectLst/>
+      </dsp:spPr>
+      <dsp:style>
+        <a:lnRef idx="2">
+          <a:scrgbClr r="0" g="0" b="0"/>
+        </a:lnRef>
+        <a:fillRef idx="1">
+          <a:scrgbClr r="0" g="0" b="0"/>
+        </a:fillRef>
+        <a:effectRef idx="0">
+          <a:scrgbClr r="0" g="0" b="0"/>
+        </a:effectRef>
+        <a:fontRef idx="minor">
+          <a:schemeClr val="lt1"/>
+        </a:fontRef>
+      </dsp:style>
+      <dsp:txBody>
+        <a:bodyPr spcFirstLastPara="0" vert="horz" wrap="square" lIns="125730" tIns="125730" rIns="125730" bIns="125730" numCol="1" spcCol="1270" anchor="ctr" anchorCtr="0">
+          <a:noAutofit/>
+        </a:bodyPr>
+        <a:lstStyle/>
+        <a:p>
+          <a:pPr marL="0" lvl="0" indent="0" algn="l" defTabSz="1466850">
+            <a:lnSpc>
+              <a:spcPct val="90000"/>
+            </a:lnSpc>
+            <a:spcBef>
+              <a:spcPct val="0"/>
+            </a:spcBef>
+            <a:spcAft>
+              <a:spcPct val="35000"/>
+            </a:spcAft>
+            <a:buNone/>
+          </a:pPr>
+          <a:r>
+            <a:rPr lang="en-US" sz="3300" b="1" kern="1200" dirty="0"/>
+            <a:t>Timeout for stats collection</a:t>
+          </a:r>
+        </a:p>
+      </dsp:txBody>
+      <dsp:txXfrm>
+        <a:off x="38638" y="4716748"/>
+        <a:ext cx="11047924" cy="714229"/>
+      </dsp:txXfrm>
+    </dsp:sp>
   </dsp:spTree>
 </dsp:drawing>
 </file>
@@ -17521,6 +19409,553 @@
       <dsp:cNvGrpSpPr/>
     </dsp:nvGrpSpPr>
     <dsp:grpSpPr/>
+    <dsp:sp modelId="{5EB1B882-CB63-4803-9C7D-F3891E0BF340}">
+      <dsp:nvSpPr>
+        <dsp:cNvPr id="0" name=""/>
+        <dsp:cNvSpPr/>
+      </dsp:nvSpPr>
+      <dsp:spPr>
+        <a:xfrm>
+          <a:off x="0" y="3204"/>
+          <a:ext cx="11125200" cy="807220"/>
+        </a:xfrm>
+        <a:prstGeom prst="roundRect">
+          <a:avLst/>
+        </a:prstGeom>
+        <a:solidFill>
+          <a:schemeClr val="accent1">
+            <a:hueOff val="0"/>
+            <a:satOff val="0"/>
+            <a:lumOff val="0"/>
+            <a:alphaOff val="0"/>
+          </a:schemeClr>
+        </a:solidFill>
+        <a:ln w="19050" cap="flat" cmpd="sng" algn="ctr">
+          <a:solidFill>
+            <a:schemeClr val="lt1">
+              <a:hueOff val="0"/>
+              <a:satOff val="0"/>
+              <a:lumOff val="0"/>
+              <a:alphaOff val="0"/>
+            </a:schemeClr>
+          </a:solidFill>
+          <a:prstDash val="solid"/>
+        </a:ln>
+        <a:effectLst/>
+      </dsp:spPr>
+      <dsp:style>
+        <a:lnRef idx="2">
+          <a:scrgbClr r="0" g="0" b="0"/>
+        </a:lnRef>
+        <a:fillRef idx="1">
+          <a:scrgbClr r="0" g="0" b="0"/>
+        </a:fillRef>
+        <a:effectRef idx="0">
+          <a:scrgbClr r="0" g="0" b="0"/>
+        </a:effectRef>
+        <a:fontRef idx="minor">
+          <a:schemeClr val="lt1"/>
+        </a:fontRef>
+      </dsp:style>
+      <dsp:txBody>
+        <a:bodyPr spcFirstLastPara="0" vert="horz" wrap="square" lIns="114300" tIns="114300" rIns="114300" bIns="114300" numCol="1" spcCol="1270" anchor="ctr" anchorCtr="0">
+          <a:noAutofit/>
+        </a:bodyPr>
+        <a:lstStyle/>
+        <a:p>
+          <a:pPr marL="0" lvl="0" indent="0" algn="l" defTabSz="1333500">
+            <a:lnSpc>
+              <a:spcPct val="90000"/>
+            </a:lnSpc>
+            <a:spcBef>
+              <a:spcPct val="0"/>
+            </a:spcBef>
+            <a:spcAft>
+              <a:spcPct val="35000"/>
+            </a:spcAft>
+            <a:buNone/>
+          </a:pPr>
+          <a:r>
+            <a:rPr lang="en-US" sz="3000" b="1" kern="1200" dirty="0"/>
+            <a:t>Using Windows authentication as default</a:t>
+          </a:r>
+        </a:p>
+      </dsp:txBody>
+      <dsp:txXfrm>
+        <a:off x="39405" y="42609"/>
+        <a:ext cx="11046390" cy="728410"/>
+      </dsp:txXfrm>
+    </dsp:sp>
+    <dsp:sp modelId="{708F7504-374E-44BB-9A47-A98EA87E66E6}">
+      <dsp:nvSpPr>
+        <dsp:cNvPr id="0" name=""/>
+        <dsp:cNvSpPr/>
+      </dsp:nvSpPr>
+      <dsp:spPr>
+        <a:xfrm>
+          <a:off x="0" y="820099"/>
+          <a:ext cx="11125200" cy="807220"/>
+        </a:xfrm>
+        <a:prstGeom prst="roundRect">
+          <a:avLst/>
+        </a:prstGeom>
+        <a:solidFill>
+          <a:schemeClr val="accent1">
+            <a:hueOff val="0"/>
+            <a:satOff val="0"/>
+            <a:lumOff val="0"/>
+            <a:alphaOff val="0"/>
+          </a:schemeClr>
+        </a:solidFill>
+        <a:ln w="19050" cap="flat" cmpd="sng" algn="ctr">
+          <a:solidFill>
+            <a:schemeClr val="lt1">
+              <a:hueOff val="0"/>
+              <a:satOff val="0"/>
+              <a:lumOff val="0"/>
+              <a:alphaOff val="0"/>
+            </a:schemeClr>
+          </a:solidFill>
+          <a:prstDash val="solid"/>
+        </a:ln>
+        <a:effectLst/>
+      </dsp:spPr>
+      <dsp:style>
+        <a:lnRef idx="2">
+          <a:scrgbClr r="0" g="0" b="0"/>
+        </a:lnRef>
+        <a:fillRef idx="1">
+          <a:scrgbClr r="0" g="0" b="0"/>
+        </a:fillRef>
+        <a:effectRef idx="0">
+          <a:scrgbClr r="0" g="0" b="0"/>
+        </a:effectRef>
+        <a:fontRef idx="minor">
+          <a:schemeClr val="lt1"/>
+        </a:fontRef>
+      </dsp:style>
+      <dsp:txBody>
+        <a:bodyPr spcFirstLastPara="0" vert="horz" wrap="square" lIns="114300" tIns="114300" rIns="114300" bIns="114300" numCol="1" spcCol="1270" anchor="ctr" anchorCtr="0">
+          <a:noAutofit/>
+        </a:bodyPr>
+        <a:lstStyle/>
+        <a:p>
+          <a:pPr marL="0" lvl="0" indent="0" algn="l" defTabSz="1333500">
+            <a:lnSpc>
+              <a:spcPct val="90000"/>
+            </a:lnSpc>
+            <a:spcBef>
+              <a:spcPct val="0"/>
+            </a:spcBef>
+            <a:spcAft>
+              <a:spcPct val="35000"/>
+            </a:spcAft>
+            <a:buNone/>
+          </a:pPr>
+          <a:r>
+            <a:rPr lang="en-US" sz="3000" b="1" kern="1200" dirty="0"/>
+            <a:t>SQL Authentication for non-trusted domains</a:t>
+          </a:r>
+        </a:p>
+      </dsp:txBody>
+      <dsp:txXfrm>
+        <a:off x="39405" y="859504"/>
+        <a:ext cx="11046390" cy="728410"/>
+      </dsp:txXfrm>
+    </dsp:sp>
+    <dsp:sp modelId="{82B6DCDE-8477-49AA-85CD-8FF65A4333E9}">
+      <dsp:nvSpPr>
+        <dsp:cNvPr id="0" name=""/>
+        <dsp:cNvSpPr/>
+      </dsp:nvSpPr>
+      <dsp:spPr>
+        <a:xfrm>
+          <a:off x="0" y="1636994"/>
+          <a:ext cx="11125200" cy="807220"/>
+        </a:xfrm>
+        <a:prstGeom prst="roundRect">
+          <a:avLst/>
+        </a:prstGeom>
+        <a:solidFill>
+          <a:schemeClr val="accent1">
+            <a:hueOff val="0"/>
+            <a:satOff val="0"/>
+            <a:lumOff val="0"/>
+            <a:alphaOff val="0"/>
+          </a:schemeClr>
+        </a:solidFill>
+        <a:ln w="19050" cap="flat" cmpd="sng" algn="ctr">
+          <a:solidFill>
+            <a:schemeClr val="lt1">
+              <a:hueOff val="0"/>
+              <a:satOff val="0"/>
+              <a:lumOff val="0"/>
+              <a:alphaOff val="0"/>
+            </a:schemeClr>
+          </a:solidFill>
+          <a:prstDash val="solid"/>
+        </a:ln>
+        <a:effectLst/>
+      </dsp:spPr>
+      <dsp:style>
+        <a:lnRef idx="2">
+          <a:scrgbClr r="0" g="0" b="0"/>
+        </a:lnRef>
+        <a:fillRef idx="1">
+          <a:scrgbClr r="0" g="0" b="0"/>
+        </a:fillRef>
+        <a:effectRef idx="0">
+          <a:scrgbClr r="0" g="0" b="0"/>
+        </a:effectRef>
+        <a:fontRef idx="minor">
+          <a:schemeClr val="lt1"/>
+        </a:fontRef>
+      </dsp:style>
+      <dsp:txBody>
+        <a:bodyPr spcFirstLastPara="0" vert="horz" wrap="square" lIns="114300" tIns="114300" rIns="114300" bIns="114300" numCol="1" spcCol="1270" anchor="ctr" anchorCtr="0">
+          <a:noAutofit/>
+        </a:bodyPr>
+        <a:lstStyle/>
+        <a:p>
+          <a:pPr marL="0" lvl="0" indent="0" algn="l" defTabSz="1333500">
+            <a:lnSpc>
+              <a:spcPct val="90000"/>
+            </a:lnSpc>
+            <a:spcBef>
+              <a:spcPct val="0"/>
+            </a:spcBef>
+            <a:spcAft>
+              <a:spcPct val="35000"/>
+            </a:spcAft>
+            <a:buNone/>
+          </a:pPr>
+          <a:r>
+            <a:rPr lang="en-US" sz="3000" b="1" kern="1200" dirty="0"/>
+            <a:t>Using SQL port to collect stats (No </a:t>
+          </a:r>
+          <a:r>
+            <a:rPr lang="en-US" sz="3000" b="1" kern="1200" dirty="0" err="1"/>
+            <a:t>WinRM</a:t>
+          </a:r>
+          <a:r>
+            <a:rPr lang="en-US" sz="3000" b="1" kern="1200" dirty="0"/>
+            <a:t> or WMI ports to be opened)</a:t>
+          </a:r>
+        </a:p>
+      </dsp:txBody>
+      <dsp:txXfrm>
+        <a:off x="39405" y="1676399"/>
+        <a:ext cx="11046390" cy="728410"/>
+      </dsp:txXfrm>
+    </dsp:sp>
+    <dsp:sp modelId="{85EB92F4-1707-4309-A594-03047A477C14}">
+      <dsp:nvSpPr>
+        <dsp:cNvPr id="0" name=""/>
+        <dsp:cNvSpPr/>
+      </dsp:nvSpPr>
+      <dsp:spPr>
+        <a:xfrm>
+          <a:off x="0" y="2453889"/>
+          <a:ext cx="11125200" cy="807220"/>
+        </a:xfrm>
+        <a:prstGeom prst="roundRect">
+          <a:avLst/>
+        </a:prstGeom>
+        <a:solidFill>
+          <a:schemeClr val="accent1">
+            <a:hueOff val="0"/>
+            <a:satOff val="0"/>
+            <a:lumOff val="0"/>
+            <a:alphaOff val="0"/>
+          </a:schemeClr>
+        </a:solidFill>
+        <a:ln w="19050" cap="flat" cmpd="sng" algn="ctr">
+          <a:solidFill>
+            <a:schemeClr val="lt1">
+              <a:hueOff val="0"/>
+              <a:satOff val="0"/>
+              <a:lumOff val="0"/>
+              <a:alphaOff val="0"/>
+            </a:schemeClr>
+          </a:solidFill>
+          <a:prstDash val="solid"/>
+        </a:ln>
+        <a:effectLst/>
+      </dsp:spPr>
+      <dsp:style>
+        <a:lnRef idx="2">
+          <a:scrgbClr r="0" g="0" b="0"/>
+        </a:lnRef>
+        <a:fillRef idx="1">
+          <a:scrgbClr r="0" g="0" b="0"/>
+        </a:fillRef>
+        <a:effectRef idx="0">
+          <a:scrgbClr r="0" g="0" b="0"/>
+        </a:effectRef>
+        <a:fontRef idx="minor">
+          <a:schemeClr val="lt1"/>
+        </a:fontRef>
+      </dsp:style>
+      <dsp:txBody>
+        <a:bodyPr spcFirstLastPara="0" vert="horz" wrap="square" lIns="114300" tIns="114300" rIns="114300" bIns="114300" numCol="1" spcCol="1270" anchor="ctr" anchorCtr="0">
+          <a:noAutofit/>
+        </a:bodyPr>
+        <a:lstStyle/>
+        <a:p>
+          <a:pPr marL="0" lvl="0" indent="0" algn="l" defTabSz="1333500">
+            <a:lnSpc>
+              <a:spcPct val="90000"/>
+            </a:lnSpc>
+            <a:spcBef>
+              <a:spcPct val="0"/>
+            </a:spcBef>
+            <a:spcAft>
+              <a:spcPct val="35000"/>
+            </a:spcAft>
+            <a:buNone/>
+          </a:pPr>
+          <a:r>
+            <a:rPr lang="en-US" sz="3000" b="1" kern="1200" dirty="0"/>
+            <a:t>Read Intent AlwaysON databases</a:t>
+          </a:r>
+        </a:p>
+      </dsp:txBody>
+      <dsp:txXfrm>
+        <a:off x="39405" y="2493294"/>
+        <a:ext cx="11046390" cy="728410"/>
+      </dsp:txXfrm>
+    </dsp:sp>
+    <dsp:sp modelId="{20CCEE77-CC03-4ACA-A8B2-6CE39C5F3097}">
+      <dsp:nvSpPr>
+        <dsp:cNvPr id="0" name=""/>
+        <dsp:cNvSpPr/>
+      </dsp:nvSpPr>
+      <dsp:spPr>
+        <a:xfrm>
+          <a:off x="0" y="3270785"/>
+          <a:ext cx="11125200" cy="807220"/>
+        </a:xfrm>
+        <a:prstGeom prst="roundRect">
+          <a:avLst/>
+        </a:prstGeom>
+        <a:solidFill>
+          <a:schemeClr val="accent1">
+            <a:hueOff val="0"/>
+            <a:satOff val="0"/>
+            <a:lumOff val="0"/>
+            <a:alphaOff val="0"/>
+          </a:schemeClr>
+        </a:solidFill>
+        <a:ln w="19050" cap="flat" cmpd="sng" algn="ctr">
+          <a:solidFill>
+            <a:schemeClr val="lt1">
+              <a:hueOff val="0"/>
+              <a:satOff val="0"/>
+              <a:lumOff val="0"/>
+              <a:alphaOff val="0"/>
+            </a:schemeClr>
+          </a:solidFill>
+          <a:prstDash val="solid"/>
+        </a:ln>
+        <a:effectLst/>
+      </dsp:spPr>
+      <dsp:style>
+        <a:lnRef idx="2">
+          <a:scrgbClr r="0" g="0" b="0"/>
+        </a:lnRef>
+        <a:fillRef idx="1">
+          <a:scrgbClr r="0" g="0" b="0"/>
+        </a:fillRef>
+        <a:effectRef idx="0">
+          <a:scrgbClr r="0" g="0" b="0"/>
+        </a:effectRef>
+        <a:fontRef idx="minor">
+          <a:schemeClr val="lt1"/>
+        </a:fontRef>
+      </dsp:style>
+      <dsp:txBody>
+        <a:bodyPr spcFirstLastPara="0" vert="horz" wrap="square" lIns="114300" tIns="114300" rIns="114300" bIns="114300" numCol="1" spcCol="1270" anchor="ctr" anchorCtr="0">
+          <a:noAutofit/>
+        </a:bodyPr>
+        <a:lstStyle/>
+        <a:p>
+          <a:pPr marL="0" lvl="0" indent="0" algn="l" defTabSz="1333500">
+            <a:lnSpc>
+              <a:spcPct val="90000"/>
+            </a:lnSpc>
+            <a:spcBef>
+              <a:spcPct val="0"/>
+            </a:spcBef>
+            <a:spcAft>
+              <a:spcPct val="35000"/>
+            </a:spcAft>
+            <a:buNone/>
+          </a:pPr>
+          <a:r>
+            <a:rPr lang="en-US" sz="3000" b="1" kern="1200" dirty="0"/>
+            <a:t>Multiple domain</a:t>
+          </a:r>
+        </a:p>
+      </dsp:txBody>
+      <dsp:txXfrm>
+        <a:off x="39405" y="3310190"/>
+        <a:ext cx="11046390" cy="728410"/>
+      </dsp:txXfrm>
+    </dsp:sp>
+    <dsp:sp modelId="{9DF6C847-C22A-444C-A085-846774949965}">
+      <dsp:nvSpPr>
+        <dsp:cNvPr id="0" name=""/>
+        <dsp:cNvSpPr/>
+      </dsp:nvSpPr>
+      <dsp:spPr>
+        <a:xfrm>
+          <a:off x="0" y="4087680"/>
+          <a:ext cx="11125200" cy="807220"/>
+        </a:xfrm>
+        <a:prstGeom prst="roundRect">
+          <a:avLst/>
+        </a:prstGeom>
+        <a:solidFill>
+          <a:schemeClr val="accent1">
+            <a:hueOff val="0"/>
+            <a:satOff val="0"/>
+            <a:lumOff val="0"/>
+            <a:alphaOff val="0"/>
+          </a:schemeClr>
+        </a:solidFill>
+        <a:ln w="19050" cap="flat" cmpd="sng" algn="ctr">
+          <a:solidFill>
+            <a:schemeClr val="lt1">
+              <a:hueOff val="0"/>
+              <a:satOff val="0"/>
+              <a:lumOff val="0"/>
+              <a:alphaOff val="0"/>
+            </a:schemeClr>
+          </a:solidFill>
+          <a:prstDash val="solid"/>
+        </a:ln>
+        <a:effectLst/>
+      </dsp:spPr>
+      <dsp:style>
+        <a:lnRef idx="2">
+          <a:scrgbClr r="0" g="0" b="0"/>
+        </a:lnRef>
+        <a:fillRef idx="1">
+          <a:scrgbClr r="0" g="0" b="0"/>
+        </a:fillRef>
+        <a:effectRef idx="0">
+          <a:scrgbClr r="0" g="0" b="0"/>
+        </a:effectRef>
+        <a:fontRef idx="minor">
+          <a:schemeClr val="lt1"/>
+        </a:fontRef>
+      </dsp:style>
+      <dsp:txBody>
+        <a:bodyPr spcFirstLastPara="0" vert="horz" wrap="square" lIns="114300" tIns="114300" rIns="114300" bIns="114300" numCol="1" spcCol="1270" anchor="ctr" anchorCtr="0">
+          <a:noAutofit/>
+        </a:bodyPr>
+        <a:lstStyle/>
+        <a:p>
+          <a:pPr marL="0" lvl="0" indent="0" algn="l" defTabSz="1333500">
+            <a:lnSpc>
+              <a:spcPct val="90000"/>
+            </a:lnSpc>
+            <a:spcBef>
+              <a:spcPct val="0"/>
+            </a:spcBef>
+            <a:spcAft>
+              <a:spcPct val="35000"/>
+            </a:spcAft>
+            <a:buNone/>
+          </a:pPr>
+          <a:r>
+            <a:rPr lang="en-US" sz="3000" b="1" kern="1200" dirty="0"/>
+            <a:t>SQL 2005 onwards</a:t>
+          </a:r>
+        </a:p>
+      </dsp:txBody>
+      <dsp:txXfrm>
+        <a:off x="39405" y="4127085"/>
+        <a:ext cx="11046390" cy="728410"/>
+      </dsp:txXfrm>
+    </dsp:sp>
+    <dsp:sp modelId="{57B63706-C9D5-4B97-B7D7-A8A6491AB814}">
+      <dsp:nvSpPr>
+        <dsp:cNvPr id="0" name=""/>
+        <dsp:cNvSpPr/>
+      </dsp:nvSpPr>
+      <dsp:spPr>
+        <a:xfrm>
+          <a:off x="0" y="4904575"/>
+          <a:ext cx="11125200" cy="807220"/>
+        </a:xfrm>
+        <a:prstGeom prst="roundRect">
+          <a:avLst/>
+        </a:prstGeom>
+        <a:solidFill>
+          <a:schemeClr val="accent1">
+            <a:hueOff val="0"/>
+            <a:satOff val="0"/>
+            <a:lumOff val="0"/>
+            <a:alphaOff val="0"/>
+          </a:schemeClr>
+        </a:solidFill>
+        <a:ln w="19050" cap="flat" cmpd="sng" algn="ctr">
+          <a:solidFill>
+            <a:schemeClr val="lt1">
+              <a:hueOff val="0"/>
+              <a:satOff val="0"/>
+              <a:lumOff val="0"/>
+              <a:alphaOff val="0"/>
+            </a:schemeClr>
+          </a:solidFill>
+          <a:prstDash val="solid"/>
+        </a:ln>
+        <a:effectLst/>
+      </dsp:spPr>
+      <dsp:style>
+        <a:lnRef idx="2">
+          <a:scrgbClr r="0" g="0" b="0"/>
+        </a:lnRef>
+        <a:fillRef idx="1">
+          <a:scrgbClr r="0" g="0" b="0"/>
+        </a:fillRef>
+        <a:effectRef idx="0">
+          <a:scrgbClr r="0" g="0" b="0"/>
+        </a:effectRef>
+        <a:fontRef idx="minor">
+          <a:schemeClr val="lt1"/>
+        </a:fontRef>
+      </dsp:style>
+      <dsp:txBody>
+        <a:bodyPr spcFirstLastPara="0" vert="horz" wrap="square" lIns="114300" tIns="114300" rIns="114300" bIns="114300" numCol="1" spcCol="1270" anchor="ctr" anchorCtr="0">
+          <a:noAutofit/>
+        </a:bodyPr>
+        <a:lstStyle/>
+        <a:p>
+          <a:pPr marL="0" lvl="0" indent="0" algn="l" defTabSz="1333500">
+            <a:lnSpc>
+              <a:spcPct val="90000"/>
+            </a:lnSpc>
+            <a:spcBef>
+              <a:spcPct val="0"/>
+            </a:spcBef>
+            <a:spcAft>
+              <a:spcPct val="35000"/>
+            </a:spcAft>
+            <a:buNone/>
+          </a:pPr>
+          <a:r>
+            <a:rPr lang="en-US" sz="3000" b="1" kern="1200" dirty="0"/>
+            <a:t>SQL named and default Instance</a:t>
+          </a:r>
+        </a:p>
+      </dsp:txBody>
+      <dsp:txXfrm>
+        <a:off x="39405" y="4943980"/>
+        <a:ext cx="11046390" cy="728410"/>
+      </dsp:txXfrm>
+    </dsp:sp>
   </dsp:spTree>
 </dsp:drawing>
 </file>
@@ -17533,6 +19968,292 @@
       <dsp:cNvGrpSpPr/>
     </dsp:nvGrpSpPr>
     <dsp:grpSpPr/>
+    <dsp:sp modelId="{C2AC79BC-77C4-4FC6-A187-A54CEE873C69}">
+      <dsp:nvSpPr>
+        <dsp:cNvPr id="0" name=""/>
+        <dsp:cNvSpPr/>
+      </dsp:nvSpPr>
+      <dsp:spPr>
+        <a:xfrm>
+          <a:off x="0" y="228606"/>
+          <a:ext cx="11125200" cy="887445"/>
+        </a:xfrm>
+        <a:prstGeom prst="roundRect">
+          <a:avLst/>
+        </a:prstGeom>
+        <a:solidFill>
+          <a:schemeClr val="accent1">
+            <a:hueOff val="0"/>
+            <a:satOff val="0"/>
+            <a:lumOff val="0"/>
+            <a:alphaOff val="0"/>
+          </a:schemeClr>
+        </a:solidFill>
+        <a:ln w="19050" cap="flat" cmpd="sng" algn="ctr">
+          <a:solidFill>
+            <a:schemeClr val="lt1">
+              <a:hueOff val="0"/>
+              <a:satOff val="0"/>
+              <a:lumOff val="0"/>
+              <a:alphaOff val="0"/>
+            </a:schemeClr>
+          </a:solidFill>
+          <a:prstDash val="solid"/>
+        </a:ln>
+        <a:effectLst/>
+      </dsp:spPr>
+      <dsp:style>
+        <a:lnRef idx="2">
+          <a:scrgbClr r="0" g="0" b="0"/>
+        </a:lnRef>
+        <a:fillRef idx="1">
+          <a:scrgbClr r="0" g="0" b="0"/>
+        </a:fillRef>
+        <a:effectRef idx="0">
+          <a:scrgbClr r="0" g="0" b="0"/>
+        </a:effectRef>
+        <a:fontRef idx="minor">
+          <a:schemeClr val="lt1"/>
+        </a:fontRef>
+      </dsp:style>
+      <dsp:txBody>
+        <a:bodyPr spcFirstLastPara="0" vert="horz" wrap="square" lIns="140970" tIns="140970" rIns="140970" bIns="140970" numCol="1" spcCol="1270" anchor="ctr" anchorCtr="0">
+          <a:noAutofit/>
+        </a:bodyPr>
+        <a:lstStyle/>
+        <a:p>
+          <a:pPr marL="0" lvl="0" indent="0" algn="l" defTabSz="1644650">
+            <a:lnSpc>
+              <a:spcPct val="90000"/>
+            </a:lnSpc>
+            <a:spcBef>
+              <a:spcPct val="0"/>
+            </a:spcBef>
+            <a:spcAft>
+              <a:spcPct val="35000"/>
+            </a:spcAft>
+            <a:buNone/>
+          </a:pPr>
+          <a:r>
+            <a:rPr lang="en-US" sz="3700" b="1" kern="1200" dirty="0"/>
+            <a:t>Critical observations for SQL Performance</a:t>
+          </a:r>
+        </a:p>
+      </dsp:txBody>
+      <dsp:txXfrm>
+        <a:off x="43321" y="271927"/>
+        <a:ext cx="11038558" cy="800803"/>
+      </dsp:txXfrm>
+    </dsp:sp>
+    <dsp:sp modelId="{10DE68FC-13DD-4814-A02F-A8AC2BD722AC}">
+      <dsp:nvSpPr>
+        <dsp:cNvPr id="0" name=""/>
+        <dsp:cNvSpPr/>
+      </dsp:nvSpPr>
+      <dsp:spPr>
+        <a:xfrm>
+          <a:off x="0" y="1295402"/>
+          <a:ext cx="11125200" cy="2527470"/>
+        </a:xfrm>
+        <a:prstGeom prst="rect">
+          <a:avLst/>
+        </a:prstGeom>
+        <a:noFill/>
+        <a:ln>
+          <a:noFill/>
+        </a:ln>
+        <a:effectLst/>
+      </dsp:spPr>
+      <dsp:style>
+        <a:lnRef idx="0">
+          <a:scrgbClr r="0" g="0" b="0"/>
+        </a:lnRef>
+        <a:fillRef idx="0">
+          <a:scrgbClr r="0" g="0" b="0"/>
+        </a:fillRef>
+        <a:effectRef idx="0">
+          <a:scrgbClr r="0" g="0" b="0"/>
+        </a:effectRef>
+        <a:fontRef idx="minor"/>
+      </dsp:style>
+      <dsp:txBody>
+        <a:bodyPr spcFirstLastPara="0" vert="horz" wrap="square" lIns="353225" tIns="46990" rIns="263144" bIns="46990" numCol="1" spcCol="1270" anchor="t" anchorCtr="0">
+          <a:noAutofit/>
+        </a:bodyPr>
+        <a:lstStyle/>
+        <a:p>
+          <a:pPr marL="285750" lvl="1" indent="-285750" algn="l" defTabSz="1289050">
+            <a:lnSpc>
+              <a:spcPct val="90000"/>
+            </a:lnSpc>
+            <a:spcBef>
+              <a:spcPct val="0"/>
+            </a:spcBef>
+            <a:spcAft>
+              <a:spcPct val="20000"/>
+            </a:spcAft>
+            <a:buChar char="•"/>
+          </a:pPr>
+          <a:r>
+            <a:rPr lang="en-US" sz="2900" b="1" kern="1200" dirty="0"/>
+            <a:t>OS and SQL Uptime</a:t>
+          </a:r>
+        </a:p>
+        <a:p>
+          <a:pPr marL="285750" lvl="1" indent="-285750" algn="l" defTabSz="1289050">
+            <a:lnSpc>
+              <a:spcPct val="90000"/>
+            </a:lnSpc>
+            <a:spcBef>
+              <a:spcPct val="0"/>
+            </a:spcBef>
+            <a:spcAft>
+              <a:spcPct val="20000"/>
+            </a:spcAft>
+            <a:buChar char="•"/>
+          </a:pPr>
+          <a:r>
+            <a:rPr lang="en-US" sz="2900" b="1" kern="1200" dirty="0"/>
+            <a:t>How was OS and SQL memory is configured</a:t>
+          </a:r>
+        </a:p>
+        <a:p>
+          <a:pPr marL="285750" lvl="1" indent="-285750" algn="l" defTabSz="1289050">
+            <a:lnSpc>
+              <a:spcPct val="90000"/>
+            </a:lnSpc>
+            <a:spcBef>
+              <a:spcPct val="0"/>
+            </a:spcBef>
+            <a:spcAft>
+              <a:spcPct val="20000"/>
+            </a:spcAft>
+            <a:buChar char="•"/>
+          </a:pPr>
+          <a:r>
+            <a:rPr lang="en-US" sz="2900" b="1" kern="1200" dirty="0"/>
+            <a:t>Ad-hoc database growth</a:t>
+          </a:r>
+        </a:p>
+        <a:p>
+          <a:pPr marL="285750" lvl="1" indent="-285750" algn="l" defTabSz="1289050">
+            <a:lnSpc>
+              <a:spcPct val="90000"/>
+            </a:lnSpc>
+            <a:spcBef>
+              <a:spcPct val="0"/>
+            </a:spcBef>
+            <a:spcAft>
+              <a:spcPct val="20000"/>
+            </a:spcAft>
+            <a:buChar char="•"/>
+          </a:pPr>
+          <a:r>
+            <a:rPr lang="en-US" sz="2900" b="1" kern="1200" dirty="0"/>
+            <a:t>Database Latency</a:t>
+          </a:r>
+        </a:p>
+        <a:p>
+          <a:pPr marL="285750" lvl="1" indent="-285750" algn="l" defTabSz="1289050">
+            <a:lnSpc>
+              <a:spcPct val="90000"/>
+            </a:lnSpc>
+            <a:spcBef>
+              <a:spcPct val="0"/>
+            </a:spcBef>
+            <a:spcAft>
+              <a:spcPct val="20000"/>
+            </a:spcAft>
+            <a:buChar char="•"/>
+          </a:pPr>
+          <a:r>
+            <a:rPr lang="en-US" sz="2900" b="1" kern="1200" dirty="0"/>
+            <a:t>High CPU usage</a:t>
+          </a:r>
+        </a:p>
+      </dsp:txBody>
+      <dsp:txXfrm>
+        <a:off x="0" y="1295402"/>
+        <a:ext cx="11125200" cy="2527470"/>
+      </dsp:txXfrm>
+    </dsp:sp>
+    <dsp:sp modelId="{4A1824F6-ED0D-46F3-B950-7E50CE12681F}">
+      <dsp:nvSpPr>
+        <dsp:cNvPr id="0" name=""/>
+        <dsp:cNvSpPr/>
+      </dsp:nvSpPr>
+      <dsp:spPr>
+        <a:xfrm>
+          <a:off x="0" y="4045035"/>
+          <a:ext cx="11125200" cy="887445"/>
+        </a:xfrm>
+        <a:prstGeom prst="roundRect">
+          <a:avLst/>
+        </a:prstGeom>
+        <a:solidFill>
+          <a:schemeClr val="accent1">
+            <a:hueOff val="0"/>
+            <a:satOff val="0"/>
+            <a:lumOff val="0"/>
+            <a:alphaOff val="0"/>
+          </a:schemeClr>
+        </a:solidFill>
+        <a:ln w="19050" cap="flat" cmpd="sng" algn="ctr">
+          <a:solidFill>
+            <a:schemeClr val="lt1">
+              <a:hueOff val="0"/>
+              <a:satOff val="0"/>
+              <a:lumOff val="0"/>
+              <a:alphaOff val="0"/>
+            </a:schemeClr>
+          </a:solidFill>
+          <a:prstDash val="solid"/>
+        </a:ln>
+        <a:effectLst/>
+      </dsp:spPr>
+      <dsp:style>
+        <a:lnRef idx="2">
+          <a:scrgbClr r="0" g="0" b="0"/>
+        </a:lnRef>
+        <a:fillRef idx="1">
+          <a:scrgbClr r="0" g="0" b="0"/>
+        </a:fillRef>
+        <a:effectRef idx="0">
+          <a:scrgbClr r="0" g="0" b="0"/>
+        </a:effectRef>
+        <a:fontRef idx="minor">
+          <a:schemeClr val="lt1"/>
+        </a:fontRef>
+      </dsp:style>
+      <dsp:txBody>
+        <a:bodyPr spcFirstLastPara="0" vert="horz" wrap="square" lIns="140970" tIns="140970" rIns="140970" bIns="140970" numCol="1" spcCol="1270" anchor="ctr" anchorCtr="0">
+          <a:noAutofit/>
+        </a:bodyPr>
+        <a:lstStyle/>
+        <a:p>
+          <a:pPr marL="0" lvl="0" indent="0" algn="l" defTabSz="1644650">
+            <a:lnSpc>
+              <a:spcPct val="90000"/>
+            </a:lnSpc>
+            <a:spcBef>
+              <a:spcPct val="0"/>
+            </a:spcBef>
+            <a:spcAft>
+              <a:spcPct val="35000"/>
+            </a:spcAft>
+            <a:buNone/>
+          </a:pPr>
+          <a:r>
+            <a:rPr lang="en-US" sz="3700" b="1" kern="1200" dirty="0"/>
+            <a:t>SQL observations are based on dedicated SQL Node</a:t>
+          </a:r>
+        </a:p>
+      </dsp:txBody>
+      <dsp:txXfrm>
+        <a:off x="43321" y="4088356"/>
+        <a:ext cx="11038558" cy="800803"/>
+      </dsp:txXfrm>
+    </dsp:sp>
   </dsp:spTree>
 </dsp:drawing>
 </file>
@@ -17545,6 +20266,644 @@
       <dsp:cNvGrpSpPr/>
     </dsp:nvGrpSpPr>
     <dsp:grpSpPr/>
+    <dsp:sp modelId="{C2AC79BC-77C4-4FC6-A187-A54CEE873C69}">
+      <dsp:nvSpPr>
+        <dsp:cNvPr id="0" name=""/>
+        <dsp:cNvSpPr/>
+      </dsp:nvSpPr>
+      <dsp:spPr>
+        <a:xfrm>
+          <a:off x="0" y="65797"/>
+          <a:ext cx="11125200" cy="438715"/>
+        </a:xfrm>
+        <a:prstGeom prst="roundRect">
+          <a:avLst/>
+        </a:prstGeom>
+        <a:solidFill>
+          <a:schemeClr val="accent1">
+            <a:hueOff val="0"/>
+            <a:satOff val="0"/>
+            <a:lumOff val="0"/>
+            <a:alphaOff val="0"/>
+          </a:schemeClr>
+        </a:solidFill>
+        <a:ln w="19050" cap="flat" cmpd="sng" algn="ctr">
+          <a:solidFill>
+            <a:schemeClr val="lt1">
+              <a:hueOff val="0"/>
+              <a:satOff val="0"/>
+              <a:lumOff val="0"/>
+              <a:alphaOff val="0"/>
+            </a:schemeClr>
+          </a:solidFill>
+          <a:prstDash val="solid"/>
+        </a:ln>
+        <a:effectLst/>
+      </dsp:spPr>
+      <dsp:style>
+        <a:lnRef idx="2">
+          <a:scrgbClr r="0" g="0" b="0"/>
+        </a:lnRef>
+        <a:fillRef idx="1">
+          <a:scrgbClr r="0" g="0" b="0"/>
+        </a:fillRef>
+        <a:effectRef idx="0">
+          <a:scrgbClr r="0" g="0" b="0"/>
+        </a:effectRef>
+        <a:fontRef idx="minor">
+          <a:schemeClr val="lt1"/>
+        </a:fontRef>
+      </dsp:style>
+      <dsp:txBody>
+        <a:bodyPr spcFirstLastPara="0" vert="horz" wrap="square" lIns="76200" tIns="76200" rIns="76200" bIns="76200" numCol="1" spcCol="1270" anchor="ctr" anchorCtr="0">
+          <a:noAutofit/>
+        </a:bodyPr>
+        <a:lstStyle/>
+        <a:p>
+          <a:pPr marL="0" lvl="0" indent="0" algn="l" defTabSz="889000">
+            <a:lnSpc>
+              <a:spcPct val="90000"/>
+            </a:lnSpc>
+            <a:spcBef>
+              <a:spcPct val="0"/>
+            </a:spcBef>
+            <a:spcAft>
+              <a:spcPct val="35000"/>
+            </a:spcAft>
+            <a:buNone/>
+          </a:pPr>
+          <a:r>
+            <a:rPr lang="en-US" sz="2000" b="1" kern="1200" dirty="0"/>
+            <a:t>Key consolidated views to match OS and SQL information</a:t>
+          </a:r>
+        </a:p>
+      </dsp:txBody>
+      <dsp:txXfrm>
+        <a:off x="21416" y="87213"/>
+        <a:ext cx="11082368" cy="395883"/>
+      </dsp:txXfrm>
+    </dsp:sp>
+    <dsp:sp modelId="{00960D85-6FA6-46BE-81E5-C5DAC39C2572}">
+      <dsp:nvSpPr>
+        <dsp:cNvPr id="0" name=""/>
+        <dsp:cNvSpPr/>
+      </dsp:nvSpPr>
+      <dsp:spPr>
+        <a:xfrm>
+          <a:off x="0" y="626773"/>
+          <a:ext cx="11125200" cy="455853"/>
+        </a:xfrm>
+        <a:prstGeom prst="roundRect">
+          <a:avLst/>
+        </a:prstGeom>
+        <a:solidFill>
+          <a:schemeClr val="accent1">
+            <a:hueOff val="0"/>
+            <a:satOff val="0"/>
+            <a:lumOff val="0"/>
+            <a:alphaOff val="0"/>
+          </a:schemeClr>
+        </a:solidFill>
+        <a:ln w="19050" cap="flat" cmpd="sng" algn="ctr">
+          <a:solidFill>
+            <a:schemeClr val="lt1">
+              <a:hueOff val="0"/>
+              <a:satOff val="0"/>
+              <a:lumOff val="0"/>
+              <a:alphaOff val="0"/>
+            </a:schemeClr>
+          </a:solidFill>
+          <a:prstDash val="solid"/>
+        </a:ln>
+        <a:effectLst/>
+      </dsp:spPr>
+      <dsp:style>
+        <a:lnRef idx="2">
+          <a:scrgbClr r="0" g="0" b="0"/>
+        </a:lnRef>
+        <a:fillRef idx="1">
+          <a:scrgbClr r="0" g="0" b="0"/>
+        </a:fillRef>
+        <a:effectRef idx="0">
+          <a:scrgbClr r="0" g="0" b="0"/>
+        </a:effectRef>
+        <a:fontRef idx="minor">
+          <a:schemeClr val="lt1"/>
+        </a:fontRef>
+      </dsp:style>
+      <dsp:txBody>
+        <a:bodyPr spcFirstLastPara="0" vert="horz" wrap="square" lIns="76200" tIns="76200" rIns="76200" bIns="76200" numCol="1" spcCol="1270" anchor="ctr" anchorCtr="0">
+          <a:noAutofit/>
+        </a:bodyPr>
+        <a:lstStyle/>
+        <a:p>
+          <a:pPr marL="0" lvl="0" indent="0" algn="l" defTabSz="889000">
+            <a:lnSpc>
+              <a:spcPct val="90000"/>
+            </a:lnSpc>
+            <a:spcBef>
+              <a:spcPct val="0"/>
+            </a:spcBef>
+            <a:spcAft>
+              <a:spcPct val="35000"/>
+            </a:spcAft>
+            <a:buNone/>
+          </a:pPr>
+          <a:r>
+            <a:rPr lang="en-US" sz="2000" b="1" kern="1200" dirty="0"/>
+            <a:t>Memory View</a:t>
+          </a:r>
+        </a:p>
+      </dsp:txBody>
+      <dsp:txXfrm>
+        <a:off x="22253" y="649026"/>
+        <a:ext cx="11080694" cy="411347"/>
+      </dsp:txXfrm>
+    </dsp:sp>
+    <dsp:sp modelId="{357D803B-3768-45B9-8E4E-2B110E62BCD0}">
+      <dsp:nvSpPr>
+        <dsp:cNvPr id="0" name=""/>
+        <dsp:cNvSpPr/>
+      </dsp:nvSpPr>
+      <dsp:spPr>
+        <a:xfrm>
+          <a:off x="0" y="1137302"/>
+          <a:ext cx="11125200" cy="770040"/>
+        </a:xfrm>
+        <a:prstGeom prst="rect">
+          <a:avLst/>
+        </a:prstGeom>
+        <a:noFill/>
+        <a:ln>
+          <a:noFill/>
+        </a:ln>
+        <a:effectLst/>
+      </dsp:spPr>
+      <dsp:style>
+        <a:lnRef idx="0">
+          <a:scrgbClr r="0" g="0" b="0"/>
+        </a:lnRef>
+        <a:fillRef idx="0">
+          <a:scrgbClr r="0" g="0" b="0"/>
+        </a:fillRef>
+        <a:effectRef idx="0">
+          <a:scrgbClr r="0" g="0" b="0"/>
+        </a:effectRef>
+        <a:fontRef idx="minor"/>
+      </dsp:style>
+      <dsp:txBody>
+        <a:bodyPr spcFirstLastPara="0" vert="horz" wrap="square" lIns="353225" tIns="19050" rIns="106680" bIns="19050" numCol="1" spcCol="1270" anchor="t" anchorCtr="0">
+          <a:noAutofit/>
+        </a:bodyPr>
+        <a:lstStyle/>
+        <a:p>
+          <a:pPr marL="114300" lvl="1" indent="-114300" algn="l" defTabSz="666750">
+            <a:lnSpc>
+              <a:spcPct val="90000"/>
+            </a:lnSpc>
+            <a:spcBef>
+              <a:spcPct val="0"/>
+            </a:spcBef>
+            <a:spcAft>
+              <a:spcPct val="20000"/>
+            </a:spcAft>
+            <a:buChar char="•"/>
+          </a:pPr>
+          <a:r>
+            <a:rPr lang="en-US" sz="1500" b="1" kern="1200" dirty="0"/>
+            <a:t>PLE</a:t>
+          </a:r>
+        </a:p>
+        <a:p>
+          <a:pPr marL="114300" lvl="1" indent="-114300" algn="l" defTabSz="666750">
+            <a:lnSpc>
+              <a:spcPct val="90000"/>
+            </a:lnSpc>
+            <a:spcBef>
+              <a:spcPct val="0"/>
+            </a:spcBef>
+            <a:spcAft>
+              <a:spcPct val="20000"/>
+            </a:spcAft>
+            <a:buChar char="•"/>
+          </a:pPr>
+          <a:r>
+            <a:rPr lang="en-US" sz="1500" b="1" kern="1200" dirty="0"/>
+            <a:t>Min/Max memory</a:t>
+          </a:r>
+        </a:p>
+        <a:p>
+          <a:pPr marL="114300" lvl="1" indent="-114300" algn="l" defTabSz="666750">
+            <a:lnSpc>
+              <a:spcPct val="90000"/>
+            </a:lnSpc>
+            <a:spcBef>
+              <a:spcPct val="0"/>
+            </a:spcBef>
+            <a:spcAft>
+              <a:spcPct val="20000"/>
+            </a:spcAft>
+            <a:buChar char="•"/>
+          </a:pPr>
+          <a:r>
+            <a:rPr lang="en-US" sz="1500" b="1" kern="1200" dirty="0"/>
+            <a:t>OS Total and Free RAM</a:t>
+          </a:r>
+        </a:p>
+      </dsp:txBody>
+      <dsp:txXfrm>
+        <a:off x="0" y="1137302"/>
+        <a:ext cx="11125200" cy="770040"/>
+      </dsp:txXfrm>
+    </dsp:sp>
+    <dsp:sp modelId="{066691E2-4A79-4C96-8821-FC759DFC4CC2}">
+      <dsp:nvSpPr>
+        <dsp:cNvPr id="0" name=""/>
+        <dsp:cNvSpPr/>
+      </dsp:nvSpPr>
+      <dsp:spPr>
+        <a:xfrm>
+          <a:off x="0" y="2066140"/>
+          <a:ext cx="11125200" cy="458709"/>
+        </a:xfrm>
+        <a:prstGeom prst="roundRect">
+          <a:avLst/>
+        </a:prstGeom>
+        <a:solidFill>
+          <a:schemeClr val="accent1">
+            <a:hueOff val="0"/>
+            <a:satOff val="0"/>
+            <a:lumOff val="0"/>
+            <a:alphaOff val="0"/>
+          </a:schemeClr>
+        </a:solidFill>
+        <a:ln w="19050" cap="flat" cmpd="sng" algn="ctr">
+          <a:solidFill>
+            <a:schemeClr val="lt1">
+              <a:hueOff val="0"/>
+              <a:satOff val="0"/>
+              <a:lumOff val="0"/>
+              <a:alphaOff val="0"/>
+            </a:schemeClr>
+          </a:solidFill>
+          <a:prstDash val="solid"/>
+        </a:ln>
+        <a:effectLst/>
+      </dsp:spPr>
+      <dsp:style>
+        <a:lnRef idx="2">
+          <a:scrgbClr r="0" g="0" b="0"/>
+        </a:lnRef>
+        <a:fillRef idx="1">
+          <a:scrgbClr r="0" g="0" b="0"/>
+        </a:fillRef>
+        <a:effectRef idx="0">
+          <a:scrgbClr r="0" g="0" b="0"/>
+        </a:effectRef>
+        <a:fontRef idx="minor">
+          <a:schemeClr val="lt1"/>
+        </a:fontRef>
+      </dsp:style>
+      <dsp:txBody>
+        <a:bodyPr spcFirstLastPara="0" vert="horz" wrap="square" lIns="72390" tIns="72390" rIns="72390" bIns="72390" numCol="1" spcCol="1270" anchor="ctr" anchorCtr="0">
+          <a:noAutofit/>
+        </a:bodyPr>
+        <a:lstStyle/>
+        <a:p>
+          <a:pPr marL="0" lvl="0" indent="0" algn="l" defTabSz="844550">
+            <a:lnSpc>
+              <a:spcPct val="90000"/>
+            </a:lnSpc>
+            <a:spcBef>
+              <a:spcPct val="0"/>
+            </a:spcBef>
+            <a:spcAft>
+              <a:spcPct val="35000"/>
+            </a:spcAft>
+            <a:buNone/>
+          </a:pPr>
+          <a:r>
+            <a:rPr lang="en-US" sz="1900" b="1" kern="1200" dirty="0"/>
+            <a:t>CPU View</a:t>
+          </a:r>
+        </a:p>
+      </dsp:txBody>
+      <dsp:txXfrm>
+        <a:off x="22392" y="2088532"/>
+        <a:ext cx="11080416" cy="413925"/>
+      </dsp:txXfrm>
+    </dsp:sp>
+    <dsp:sp modelId="{4F4BD30E-D3C0-440D-A0B5-3FF6936890CB}">
+      <dsp:nvSpPr>
+        <dsp:cNvPr id="0" name=""/>
+        <dsp:cNvSpPr/>
+      </dsp:nvSpPr>
+      <dsp:spPr>
+        <a:xfrm>
+          <a:off x="0" y="2590799"/>
+          <a:ext cx="11125200" cy="2053440"/>
+        </a:xfrm>
+        <a:prstGeom prst="rect">
+          <a:avLst/>
+        </a:prstGeom>
+        <a:noFill/>
+        <a:ln>
+          <a:noFill/>
+        </a:ln>
+        <a:effectLst/>
+      </dsp:spPr>
+      <dsp:style>
+        <a:lnRef idx="0">
+          <a:scrgbClr r="0" g="0" b="0"/>
+        </a:lnRef>
+        <a:fillRef idx="0">
+          <a:scrgbClr r="0" g="0" b="0"/>
+        </a:fillRef>
+        <a:effectRef idx="0">
+          <a:scrgbClr r="0" g="0" b="0"/>
+        </a:effectRef>
+        <a:fontRef idx="minor"/>
+      </dsp:style>
+      <dsp:txBody>
+        <a:bodyPr spcFirstLastPara="0" vert="horz" wrap="square" lIns="353225" tIns="24130" rIns="135128" bIns="24130" numCol="1" spcCol="1270" anchor="t" anchorCtr="0">
+          <a:noAutofit/>
+        </a:bodyPr>
+        <a:lstStyle/>
+        <a:p>
+          <a:pPr marL="114300" lvl="1" indent="-114300" algn="l" defTabSz="666750">
+            <a:lnSpc>
+              <a:spcPct val="90000"/>
+            </a:lnSpc>
+            <a:spcBef>
+              <a:spcPct val="0"/>
+            </a:spcBef>
+            <a:spcAft>
+              <a:spcPct val="20000"/>
+            </a:spcAft>
+            <a:buChar char="•"/>
+          </a:pPr>
+          <a:r>
+            <a:rPr lang="en-US" sz="1500" b="1" kern="1200" dirty="0"/>
+            <a:t>OS and SQL Uptime</a:t>
+          </a:r>
+        </a:p>
+        <a:p>
+          <a:pPr marL="114300" lvl="1" indent="-114300" algn="l" defTabSz="666750">
+            <a:lnSpc>
+              <a:spcPct val="90000"/>
+            </a:lnSpc>
+            <a:spcBef>
+              <a:spcPct val="0"/>
+            </a:spcBef>
+            <a:spcAft>
+              <a:spcPct val="20000"/>
+            </a:spcAft>
+            <a:buChar char="•"/>
+          </a:pPr>
+          <a:r>
+            <a:rPr lang="en-US" sz="1500" b="1" kern="1200" dirty="0"/>
+            <a:t>No of CPU</a:t>
+          </a:r>
+        </a:p>
+        <a:p>
+          <a:pPr marL="114300" lvl="1" indent="-114300" algn="l" defTabSz="666750">
+            <a:lnSpc>
+              <a:spcPct val="90000"/>
+            </a:lnSpc>
+            <a:spcBef>
+              <a:spcPct val="0"/>
+            </a:spcBef>
+            <a:spcAft>
+              <a:spcPct val="20000"/>
+            </a:spcAft>
+            <a:buChar char="•"/>
+          </a:pPr>
+          <a:r>
+            <a:rPr lang="en-US" sz="1500" b="1" kern="1200" dirty="0"/>
+            <a:t>Last 4 hours </a:t>
+          </a:r>
+          <a:r>
+            <a:rPr lang="en-US" sz="1500" b="1" kern="1200" dirty="0" err="1"/>
+            <a:t>Avg</a:t>
+          </a:r>
+          <a:r>
+            <a:rPr lang="en-US" sz="1500" b="1" kern="1200" dirty="0"/>
+            <a:t>/Max/Min CPU Usage by SQL server</a:t>
+          </a:r>
+        </a:p>
+        <a:p>
+          <a:pPr marL="114300" lvl="1" indent="-114300" algn="l" defTabSz="666750">
+            <a:lnSpc>
+              <a:spcPct val="90000"/>
+            </a:lnSpc>
+            <a:spcBef>
+              <a:spcPct val="0"/>
+            </a:spcBef>
+            <a:spcAft>
+              <a:spcPct val="20000"/>
+            </a:spcAft>
+            <a:buChar char="•"/>
+          </a:pPr>
+          <a:r>
+            <a:rPr lang="en-US" sz="1500" b="1" kern="1200" dirty="0"/>
+            <a:t>Last 4 hours </a:t>
+          </a:r>
+          <a:r>
+            <a:rPr lang="en-US" sz="1500" b="1" kern="1200" dirty="0" err="1"/>
+            <a:t>Avg</a:t>
+          </a:r>
+          <a:r>
+            <a:rPr lang="en-US" sz="1500" b="1" kern="1200" dirty="0"/>
+            <a:t>/Max/Min CPU Usage by Non-SQL processes</a:t>
+          </a:r>
+        </a:p>
+        <a:p>
+          <a:pPr marL="114300" lvl="1" indent="-114300" algn="l" defTabSz="666750">
+            <a:lnSpc>
+              <a:spcPct val="90000"/>
+            </a:lnSpc>
+            <a:spcBef>
+              <a:spcPct val="0"/>
+            </a:spcBef>
+            <a:spcAft>
+              <a:spcPct val="20000"/>
+            </a:spcAft>
+            <a:buChar char="•"/>
+          </a:pPr>
+          <a:r>
+            <a:rPr lang="en-US" sz="1500" b="1" kern="1200" dirty="0"/>
+            <a:t>Last 30 min </a:t>
+          </a:r>
+          <a:r>
+            <a:rPr lang="en-US" sz="1500" b="1" kern="1200" dirty="0" err="1"/>
+            <a:t>Avg</a:t>
+          </a:r>
+          <a:r>
+            <a:rPr lang="en-US" sz="1500" b="1" kern="1200" dirty="0"/>
+            <a:t>/Max/Min CPU Usage by SQL server</a:t>
+          </a:r>
+        </a:p>
+      </dsp:txBody>
+      <dsp:txXfrm>
+        <a:off x="0" y="2590799"/>
+        <a:ext cx="11125200" cy="2053440"/>
+      </dsp:txXfrm>
+    </dsp:sp>
+    <dsp:sp modelId="{8A3AEA11-F8CF-486D-A4F3-77052337E117}">
+      <dsp:nvSpPr>
+        <dsp:cNvPr id="0" name=""/>
+        <dsp:cNvSpPr/>
+      </dsp:nvSpPr>
+      <dsp:spPr>
+        <a:xfrm>
+          <a:off x="0" y="4038602"/>
+          <a:ext cx="11125200" cy="483156"/>
+        </a:xfrm>
+        <a:prstGeom prst="roundRect">
+          <a:avLst/>
+        </a:prstGeom>
+        <a:solidFill>
+          <a:schemeClr val="accent1">
+            <a:hueOff val="0"/>
+            <a:satOff val="0"/>
+            <a:lumOff val="0"/>
+            <a:alphaOff val="0"/>
+          </a:schemeClr>
+        </a:solidFill>
+        <a:ln w="19050" cap="flat" cmpd="sng" algn="ctr">
+          <a:solidFill>
+            <a:schemeClr val="lt1">
+              <a:hueOff val="0"/>
+              <a:satOff val="0"/>
+              <a:lumOff val="0"/>
+              <a:alphaOff val="0"/>
+            </a:schemeClr>
+          </a:solidFill>
+          <a:prstDash val="solid"/>
+        </a:ln>
+        <a:effectLst/>
+      </dsp:spPr>
+      <dsp:style>
+        <a:lnRef idx="2">
+          <a:scrgbClr r="0" g="0" b="0"/>
+        </a:lnRef>
+        <a:fillRef idx="1">
+          <a:scrgbClr r="0" g="0" b="0"/>
+        </a:fillRef>
+        <a:effectRef idx="0">
+          <a:scrgbClr r="0" g="0" b="0"/>
+        </a:effectRef>
+        <a:fontRef idx="minor">
+          <a:schemeClr val="lt1"/>
+        </a:fontRef>
+      </dsp:style>
+      <dsp:txBody>
+        <a:bodyPr spcFirstLastPara="0" vert="horz" wrap="square" lIns="76200" tIns="76200" rIns="76200" bIns="76200" numCol="1" spcCol="1270" anchor="ctr" anchorCtr="0">
+          <a:noAutofit/>
+        </a:bodyPr>
+        <a:lstStyle/>
+        <a:p>
+          <a:pPr marL="0" lvl="0" indent="0" algn="l" defTabSz="889000">
+            <a:lnSpc>
+              <a:spcPct val="90000"/>
+            </a:lnSpc>
+            <a:spcBef>
+              <a:spcPct val="0"/>
+            </a:spcBef>
+            <a:spcAft>
+              <a:spcPct val="35000"/>
+            </a:spcAft>
+            <a:buNone/>
+          </a:pPr>
+          <a:r>
+            <a:rPr lang="en-US" sz="2000" b="1" kern="1200" dirty="0"/>
+            <a:t>Disk view</a:t>
+          </a:r>
+        </a:p>
+      </dsp:txBody>
+      <dsp:txXfrm>
+        <a:off x="23586" y="4062188"/>
+        <a:ext cx="11078028" cy="435984"/>
+      </dsp:txXfrm>
+    </dsp:sp>
+    <dsp:sp modelId="{DA880F0B-2261-46F9-8BDB-3E6643D259B1}">
+      <dsp:nvSpPr>
+        <dsp:cNvPr id="0" name=""/>
+        <dsp:cNvSpPr/>
+      </dsp:nvSpPr>
+      <dsp:spPr>
+        <a:xfrm>
+          <a:off x="0" y="4598066"/>
+          <a:ext cx="11125200" cy="834210"/>
+        </a:xfrm>
+        <a:prstGeom prst="rect">
+          <a:avLst/>
+        </a:prstGeom>
+        <a:noFill/>
+        <a:ln>
+          <a:noFill/>
+        </a:ln>
+        <a:effectLst/>
+      </dsp:spPr>
+      <dsp:style>
+        <a:lnRef idx="0">
+          <a:scrgbClr r="0" g="0" b="0"/>
+        </a:lnRef>
+        <a:fillRef idx="0">
+          <a:scrgbClr r="0" g="0" b="0"/>
+        </a:fillRef>
+        <a:effectRef idx="0">
+          <a:scrgbClr r="0" g="0" b="0"/>
+        </a:effectRef>
+        <a:fontRef idx="minor"/>
+      </dsp:style>
+      <dsp:txBody>
+        <a:bodyPr spcFirstLastPara="0" vert="horz" wrap="square" lIns="353225" tIns="24130" rIns="135128" bIns="24130" numCol="1" spcCol="1270" anchor="t" anchorCtr="0">
+          <a:noAutofit/>
+        </a:bodyPr>
+        <a:lstStyle/>
+        <a:p>
+          <a:pPr marL="114300" lvl="1" indent="-114300" algn="l" defTabSz="666750">
+            <a:lnSpc>
+              <a:spcPct val="90000"/>
+            </a:lnSpc>
+            <a:spcBef>
+              <a:spcPct val="0"/>
+            </a:spcBef>
+            <a:spcAft>
+              <a:spcPct val="20000"/>
+            </a:spcAft>
+            <a:buChar char="•"/>
+          </a:pPr>
+          <a:r>
+            <a:rPr lang="en-US" sz="1500" b="1" kern="1200" dirty="0"/>
+            <a:t>Highest Read/Write/Overall Latency</a:t>
+          </a:r>
+        </a:p>
+        <a:p>
+          <a:pPr marL="114300" lvl="1" indent="-114300" algn="l" defTabSz="666750">
+            <a:lnSpc>
+              <a:spcPct val="90000"/>
+            </a:lnSpc>
+            <a:spcBef>
+              <a:spcPct val="0"/>
+            </a:spcBef>
+            <a:spcAft>
+              <a:spcPct val="20000"/>
+            </a:spcAft>
+            <a:buChar char="•"/>
+          </a:pPr>
+          <a:r>
+            <a:rPr lang="en-US" sz="1500" b="1" kern="1200" dirty="0"/>
+            <a:t>Drive usage mapped to data  and log files</a:t>
+          </a:r>
+        </a:p>
+      </dsp:txBody>
+      <dsp:txXfrm>
+        <a:off x="0" y="4598066"/>
+        <a:ext cx="11125200" cy="834210"/>
+      </dsp:txXfrm>
+    </dsp:sp>
   </dsp:spTree>
 </dsp:drawing>
 </file>
@@ -17557,6 +20916,420 @@
       <dsp:cNvGrpSpPr/>
     </dsp:nvGrpSpPr>
     <dsp:grpSpPr/>
+    <dsp:sp modelId="{7138743C-3DBC-49B5-B864-0A4B0B265BCF}">
+      <dsp:nvSpPr>
+        <dsp:cNvPr id="0" name=""/>
+        <dsp:cNvSpPr/>
+      </dsp:nvSpPr>
+      <dsp:spPr>
+        <a:xfrm>
+          <a:off x="0" y="62397"/>
+          <a:ext cx="11125200" cy="743535"/>
+        </a:xfrm>
+        <a:prstGeom prst="roundRect">
+          <a:avLst/>
+        </a:prstGeom>
+        <a:solidFill>
+          <a:schemeClr val="accent1">
+            <a:hueOff val="0"/>
+            <a:satOff val="0"/>
+            <a:lumOff val="0"/>
+            <a:alphaOff val="0"/>
+          </a:schemeClr>
+        </a:solidFill>
+        <a:ln w="19050" cap="flat" cmpd="sng" algn="ctr">
+          <a:solidFill>
+            <a:schemeClr val="lt1">
+              <a:hueOff val="0"/>
+              <a:satOff val="0"/>
+              <a:lumOff val="0"/>
+              <a:alphaOff val="0"/>
+            </a:schemeClr>
+          </a:solidFill>
+          <a:prstDash val="solid"/>
+        </a:ln>
+        <a:effectLst/>
+      </dsp:spPr>
+      <dsp:style>
+        <a:lnRef idx="2">
+          <a:scrgbClr r="0" g="0" b="0"/>
+        </a:lnRef>
+        <a:fillRef idx="1">
+          <a:scrgbClr r="0" g="0" b="0"/>
+        </a:fillRef>
+        <a:effectRef idx="0">
+          <a:scrgbClr r="0" g="0" b="0"/>
+        </a:effectRef>
+        <a:fontRef idx="minor">
+          <a:schemeClr val="lt1"/>
+        </a:fontRef>
+      </dsp:style>
+      <dsp:txBody>
+        <a:bodyPr spcFirstLastPara="0" vert="horz" wrap="square" lIns="118110" tIns="118110" rIns="118110" bIns="118110" numCol="1" spcCol="1270" anchor="ctr" anchorCtr="0">
+          <a:noAutofit/>
+        </a:bodyPr>
+        <a:lstStyle/>
+        <a:p>
+          <a:pPr marL="0" lvl="0" indent="0" algn="l" defTabSz="1377950">
+            <a:lnSpc>
+              <a:spcPct val="90000"/>
+            </a:lnSpc>
+            <a:spcBef>
+              <a:spcPct val="0"/>
+            </a:spcBef>
+            <a:spcAft>
+              <a:spcPct val="35000"/>
+            </a:spcAft>
+            <a:buNone/>
+          </a:pPr>
+          <a:r>
+            <a:rPr lang="en-US" sz="3100" b="1" kern="1200" dirty="0"/>
+            <a:t>Demo scenarios include </a:t>
+          </a:r>
+        </a:p>
+      </dsp:txBody>
+      <dsp:txXfrm>
+        <a:off x="36296" y="98693"/>
+        <a:ext cx="11052608" cy="670943"/>
+      </dsp:txXfrm>
+    </dsp:sp>
+    <dsp:sp modelId="{60A80BC2-C5E0-4393-B85C-FAA052C71825}">
+      <dsp:nvSpPr>
+        <dsp:cNvPr id="0" name=""/>
+        <dsp:cNvSpPr/>
+      </dsp:nvSpPr>
+      <dsp:spPr>
+        <a:xfrm>
+          <a:off x="0" y="838201"/>
+          <a:ext cx="11125200" cy="1896159"/>
+        </a:xfrm>
+        <a:prstGeom prst="rect">
+          <a:avLst/>
+        </a:prstGeom>
+        <a:noFill/>
+        <a:ln>
+          <a:noFill/>
+        </a:ln>
+        <a:effectLst/>
+      </dsp:spPr>
+      <dsp:style>
+        <a:lnRef idx="0">
+          <a:scrgbClr r="0" g="0" b="0"/>
+        </a:lnRef>
+        <a:fillRef idx="0">
+          <a:scrgbClr r="0" g="0" b="0"/>
+        </a:fillRef>
+        <a:effectRef idx="0">
+          <a:scrgbClr r="0" g="0" b="0"/>
+        </a:effectRef>
+        <a:fontRef idx="minor"/>
+      </dsp:style>
+      <dsp:txBody>
+        <a:bodyPr spcFirstLastPara="0" vert="horz" wrap="square" lIns="353225" tIns="39370" rIns="220472" bIns="39370" numCol="1" spcCol="1270" anchor="t" anchorCtr="0">
+          <a:noAutofit/>
+        </a:bodyPr>
+        <a:lstStyle/>
+        <a:p>
+          <a:pPr marL="228600" lvl="1" indent="-228600" algn="l" defTabSz="1066800">
+            <a:lnSpc>
+              <a:spcPct val="90000"/>
+            </a:lnSpc>
+            <a:spcBef>
+              <a:spcPct val="0"/>
+            </a:spcBef>
+            <a:spcAft>
+              <a:spcPct val="20000"/>
+            </a:spcAft>
+            <a:buChar char="•"/>
+          </a:pPr>
+          <a:r>
+            <a:rPr lang="en-US" sz="2400" b="1" kern="1200" dirty="0"/>
+            <a:t>Diff SQL versions from 2008 to 2016</a:t>
+          </a:r>
+        </a:p>
+        <a:p>
+          <a:pPr marL="228600" lvl="1" indent="-228600" algn="l" defTabSz="1066800">
+            <a:lnSpc>
+              <a:spcPct val="90000"/>
+            </a:lnSpc>
+            <a:spcBef>
+              <a:spcPct val="0"/>
+            </a:spcBef>
+            <a:spcAft>
+              <a:spcPct val="20000"/>
+            </a:spcAft>
+            <a:buChar char="•"/>
+          </a:pPr>
+          <a:r>
+            <a:rPr lang="en-US" sz="2400" b="1" kern="1200" dirty="0"/>
+            <a:t>Named and Default Instance</a:t>
+          </a:r>
+        </a:p>
+        <a:p>
+          <a:pPr marL="228600" lvl="1" indent="-228600" algn="l" defTabSz="1066800">
+            <a:lnSpc>
+              <a:spcPct val="90000"/>
+            </a:lnSpc>
+            <a:spcBef>
+              <a:spcPct val="0"/>
+            </a:spcBef>
+            <a:spcAft>
+              <a:spcPct val="20000"/>
+            </a:spcAft>
+            <a:buChar char="•"/>
+          </a:pPr>
+          <a:r>
+            <a:rPr lang="en-US" sz="2400" b="1" kern="1200" dirty="0"/>
+            <a:t>Windows &amp; SQL Authentication</a:t>
+          </a:r>
+        </a:p>
+        <a:p>
+          <a:pPr marL="228600" lvl="1" indent="-228600" algn="l" defTabSz="1066800">
+            <a:lnSpc>
+              <a:spcPct val="90000"/>
+            </a:lnSpc>
+            <a:spcBef>
+              <a:spcPct val="0"/>
+            </a:spcBef>
+            <a:spcAft>
+              <a:spcPct val="20000"/>
+            </a:spcAft>
+            <a:buChar char="•"/>
+          </a:pPr>
+          <a:r>
+            <a:rPr lang="en-US" sz="2400" b="1" kern="1200" dirty="0"/>
+            <a:t>Host Name with and without FQDN</a:t>
+          </a:r>
+        </a:p>
+      </dsp:txBody>
+      <dsp:txXfrm>
+        <a:off x="0" y="838201"/>
+        <a:ext cx="11125200" cy="1896159"/>
+      </dsp:txXfrm>
+    </dsp:sp>
+    <dsp:sp modelId="{E77F4C3D-F6ED-45BB-AC50-A2F4FACC1EB1}">
+      <dsp:nvSpPr>
+        <dsp:cNvPr id="0" name=""/>
+        <dsp:cNvSpPr/>
+      </dsp:nvSpPr>
+      <dsp:spPr>
+        <a:xfrm>
+          <a:off x="0" y="2702091"/>
+          <a:ext cx="11125200" cy="743535"/>
+        </a:xfrm>
+        <a:prstGeom prst="roundRect">
+          <a:avLst/>
+        </a:prstGeom>
+        <a:solidFill>
+          <a:schemeClr val="accent1">
+            <a:hueOff val="0"/>
+            <a:satOff val="0"/>
+            <a:lumOff val="0"/>
+            <a:alphaOff val="0"/>
+          </a:schemeClr>
+        </a:solidFill>
+        <a:ln w="19050" cap="flat" cmpd="sng" algn="ctr">
+          <a:solidFill>
+            <a:schemeClr val="lt1">
+              <a:hueOff val="0"/>
+              <a:satOff val="0"/>
+              <a:lumOff val="0"/>
+              <a:alphaOff val="0"/>
+            </a:schemeClr>
+          </a:solidFill>
+          <a:prstDash val="solid"/>
+        </a:ln>
+        <a:effectLst/>
+      </dsp:spPr>
+      <dsp:style>
+        <a:lnRef idx="2">
+          <a:scrgbClr r="0" g="0" b="0"/>
+        </a:lnRef>
+        <a:fillRef idx="1">
+          <a:scrgbClr r="0" g="0" b="0"/>
+        </a:fillRef>
+        <a:effectRef idx="0">
+          <a:scrgbClr r="0" g="0" b="0"/>
+        </a:effectRef>
+        <a:fontRef idx="minor">
+          <a:schemeClr val="lt1"/>
+        </a:fontRef>
+      </dsp:style>
+      <dsp:txBody>
+        <a:bodyPr spcFirstLastPara="0" vert="horz" wrap="square" lIns="118110" tIns="118110" rIns="118110" bIns="118110" numCol="1" spcCol="1270" anchor="ctr" anchorCtr="0">
+          <a:noAutofit/>
+        </a:bodyPr>
+        <a:lstStyle/>
+        <a:p>
+          <a:pPr marL="0" lvl="0" indent="0" algn="l" defTabSz="1377950">
+            <a:lnSpc>
+              <a:spcPct val="90000"/>
+            </a:lnSpc>
+            <a:spcBef>
+              <a:spcPct val="0"/>
+            </a:spcBef>
+            <a:spcAft>
+              <a:spcPct val="35000"/>
+            </a:spcAft>
+            <a:buNone/>
+          </a:pPr>
+          <a:r>
+            <a:rPr lang="en-US" sz="3100" kern="1200" dirty="0"/>
+            <a:t>Script Parameters</a:t>
+          </a:r>
+        </a:p>
+      </dsp:txBody>
+      <dsp:txXfrm>
+        <a:off x="36296" y="2738387"/>
+        <a:ext cx="11052608" cy="670943"/>
+      </dsp:txXfrm>
+    </dsp:sp>
+    <dsp:sp modelId="{49F4E748-0747-4D59-914B-28182EAC8EAF}">
+      <dsp:nvSpPr>
+        <dsp:cNvPr id="0" name=""/>
+        <dsp:cNvSpPr/>
+      </dsp:nvSpPr>
+      <dsp:spPr>
+        <a:xfrm>
+          <a:off x="0" y="3505198"/>
+          <a:ext cx="11125200" cy="2206975"/>
+        </a:xfrm>
+        <a:prstGeom prst="rect">
+          <a:avLst/>
+        </a:prstGeom>
+        <a:noFill/>
+        <a:ln>
+          <a:noFill/>
+        </a:ln>
+        <a:effectLst/>
+      </dsp:spPr>
+      <dsp:style>
+        <a:lnRef idx="0">
+          <a:scrgbClr r="0" g="0" b="0"/>
+        </a:lnRef>
+        <a:fillRef idx="0">
+          <a:scrgbClr r="0" g="0" b="0"/>
+        </a:fillRef>
+        <a:effectRef idx="0">
+          <a:scrgbClr r="0" g="0" b="0"/>
+        </a:effectRef>
+        <a:fontRef idx="minor"/>
+      </dsp:style>
+      <dsp:txBody>
+        <a:bodyPr spcFirstLastPara="0" vert="horz" wrap="square" lIns="353225" tIns="39370" rIns="220472" bIns="39370" numCol="1" spcCol="1270" anchor="t" anchorCtr="0">
+          <a:noAutofit/>
+        </a:bodyPr>
+        <a:lstStyle/>
+        <a:p>
+          <a:pPr marL="228600" lvl="1" indent="-228600" algn="l" defTabSz="1066800">
+            <a:lnSpc>
+              <a:spcPct val="90000"/>
+            </a:lnSpc>
+            <a:spcBef>
+              <a:spcPct val="0"/>
+            </a:spcBef>
+            <a:spcAft>
+              <a:spcPct val="20000"/>
+            </a:spcAft>
+            <a:buChar char="•"/>
+          </a:pPr>
+          <a:r>
+            <a:rPr lang="en-US" sz="2400" b="1" kern="1200" dirty="0" err="1"/>
+            <a:t>EmailSender</a:t>
+          </a:r>
+          <a:endParaRPr lang="en-US" sz="2400" b="1" kern="1200" dirty="0"/>
+        </a:p>
+        <a:p>
+          <a:pPr marL="228600" lvl="1" indent="-228600" algn="l" defTabSz="1066800">
+            <a:lnSpc>
+              <a:spcPct val="90000"/>
+            </a:lnSpc>
+            <a:spcBef>
+              <a:spcPct val="0"/>
+            </a:spcBef>
+            <a:spcAft>
+              <a:spcPct val="20000"/>
+            </a:spcAft>
+            <a:buChar char="•"/>
+          </a:pPr>
+          <a:r>
+            <a:rPr lang="en-US" sz="2400" b="1" kern="1200" dirty="0" err="1"/>
+            <a:t>ServerInstance</a:t>
+          </a:r>
+          <a:endParaRPr lang="en-US" sz="2400" b="1" kern="1200" dirty="0"/>
+        </a:p>
+        <a:p>
+          <a:pPr marL="228600" lvl="1" indent="-228600" algn="l" defTabSz="1066800">
+            <a:lnSpc>
+              <a:spcPct val="90000"/>
+            </a:lnSpc>
+            <a:spcBef>
+              <a:spcPct val="0"/>
+            </a:spcBef>
+            <a:spcAft>
+              <a:spcPct val="20000"/>
+            </a:spcAft>
+            <a:buChar char="•"/>
+          </a:pPr>
+          <a:r>
+            <a:rPr lang="en-US" sz="2400" b="1" kern="1200" dirty="0" err="1"/>
+            <a:t>SqlUser</a:t>
+          </a:r>
+          <a:r>
+            <a:rPr lang="en-US" sz="2400" b="1" kern="1200" dirty="0"/>
+            <a:t> - Optional</a:t>
+          </a:r>
+        </a:p>
+        <a:p>
+          <a:pPr marL="228600" lvl="1" indent="-228600" algn="l" defTabSz="1066800">
+            <a:lnSpc>
+              <a:spcPct val="90000"/>
+            </a:lnSpc>
+            <a:spcBef>
+              <a:spcPct val="0"/>
+            </a:spcBef>
+            <a:spcAft>
+              <a:spcPct val="20000"/>
+            </a:spcAft>
+            <a:buChar char="•"/>
+          </a:pPr>
+          <a:r>
+            <a:rPr lang="en-US" sz="2400" b="1" kern="1200" dirty="0" err="1"/>
+            <a:t>SqlPassword</a:t>
+          </a:r>
+          <a:r>
+            <a:rPr lang="en-US" sz="2400" b="1" kern="1200" dirty="0"/>
+            <a:t>– Optional (Default windows authentication will be used)</a:t>
+          </a:r>
+        </a:p>
+        <a:p>
+          <a:pPr marL="228600" lvl="1" indent="-228600" algn="l" defTabSz="1066800">
+            <a:lnSpc>
+              <a:spcPct val="90000"/>
+            </a:lnSpc>
+            <a:spcBef>
+              <a:spcPct val="0"/>
+            </a:spcBef>
+            <a:spcAft>
+              <a:spcPct val="20000"/>
+            </a:spcAft>
+            <a:buChar char="•"/>
+          </a:pPr>
+          <a:r>
+            <a:rPr lang="en-US" sz="2400" b="1" kern="1200" dirty="0" err="1"/>
+            <a:t>Smtpserver</a:t>
+          </a:r>
+          <a:r>
+            <a:rPr lang="en-US" sz="2400" b="1" kern="1200" dirty="0"/>
+            <a:t>- Optional</a:t>
+          </a:r>
+        </a:p>
+      </dsp:txBody>
+      <dsp:txXfrm>
+        <a:off x="0" y="3505198"/>
+        <a:ext cx="11125200" cy="2206975"/>
+      </dsp:txXfrm>
+    </dsp:sp>
   </dsp:spTree>
 </dsp:drawing>
 </file>
@@ -37782,7 +41555,7 @@
           <a:p>
             <a:fld id="{36C75685-DA2B-40D8-8A5E-4CA8B8C3253C}" type="datetimeFigureOut">
               <a:rPr lang="en-US" smtClean="0"/>
-              <a:t>6/8/2016</a:t>
+              <a:t>7/22/2016</a:t>
             </a:fld>
             <a:endParaRPr lang="en-US"/>
           </a:p>
@@ -37846,38 +41619,37 @@
           <a:p>
             <a:pPr lvl="0"/>
             <a:r>
-              <a:rPr lang="en-US" smtClean="0"/>
+              <a:rPr lang="en-US"/>
               <a:t>Click to edit Master text styles</a:t>
             </a:r>
           </a:p>
           <a:p>
             <a:pPr lvl="1"/>
             <a:r>
-              <a:rPr lang="en-US" smtClean="0"/>
+              <a:rPr lang="en-US"/>
               <a:t>Second level</a:t>
             </a:r>
           </a:p>
           <a:p>
             <a:pPr lvl="2"/>
             <a:r>
-              <a:rPr lang="en-US" smtClean="0"/>
+              <a:rPr lang="en-US"/>
               <a:t>Third level</a:t>
             </a:r>
           </a:p>
           <a:p>
             <a:pPr lvl="3"/>
             <a:r>
-              <a:rPr lang="en-US" smtClean="0"/>
+              <a:rPr lang="en-US"/>
               <a:t>Fourth level</a:t>
             </a:r>
           </a:p>
           <a:p>
             <a:pPr lvl="4"/>
             <a:r>
-              <a:rPr lang="en-US" smtClean="0"/>
+              <a:rPr lang="en-US"/>
               <a:t>Fifth level</a:t>
             </a:r>
-            <a:endParaRPr lang="en-US"/>
           </a:p>
         </p:txBody>
       </p:sp>
@@ -38292,7 +42064,7 @@
     </p:spTree>
     <p:extLst>
       <p:ext uri="{BB962C8B-B14F-4D97-AF65-F5344CB8AC3E}">
-        <p14:creationId xmlns:p14="http://schemas.microsoft.com/office/powerpoint/2010/main" val="533854220"/>
+        <p14:creationId xmlns:p14="http://schemas.microsoft.com/office/powerpoint/2010/main" val="1484800697"/>
       </p:ext>
     </p:extLst>
   </p:cSld>
@@ -38376,7 +42148,7 @@
     </p:spTree>
     <p:extLst>
       <p:ext uri="{BB962C8B-B14F-4D97-AF65-F5344CB8AC3E}">
-        <p14:creationId xmlns:p14="http://schemas.microsoft.com/office/powerpoint/2010/main" val="3338327468"/>
+        <p14:creationId xmlns:p14="http://schemas.microsoft.com/office/powerpoint/2010/main" val="533854220"/>
       </p:ext>
     </p:extLst>
   </p:cSld>
@@ -38460,6 +42232,90 @@
     </p:spTree>
     <p:extLst>
       <p:ext uri="{BB962C8B-B14F-4D97-AF65-F5344CB8AC3E}">
+        <p14:creationId xmlns:p14="http://schemas.microsoft.com/office/powerpoint/2010/main" val="3338327468"/>
+      </p:ext>
+    </p:extLst>
+  </p:cSld>
+  <p:clrMapOvr>
+    <a:masterClrMapping/>
+  </p:clrMapOvr>
+</p:notes>
+</file>
+
+<file path=ppt/notesSlides/notesSlide14.xml><?xml version="1.0" encoding="utf-8"?>
+<p:notes xmlns:a="http://schemas.openxmlformats.org/drawingml/2006/main" xmlns:r="http://schemas.openxmlformats.org/officeDocument/2006/relationships" xmlns:p="http://schemas.openxmlformats.org/presentationml/2006/main">
+  <p:cSld>
+    <p:spTree>
+      <p:nvGrpSpPr>
+        <p:cNvPr id="1" name=""/>
+        <p:cNvGrpSpPr/>
+        <p:nvPr/>
+      </p:nvGrpSpPr>
+      <p:grpSpPr>
+        <a:xfrm>
+          <a:off x="0" y="0"/>
+          <a:ext cx="0" cy="0"/>
+          <a:chOff x="0" y="0"/>
+          <a:chExt cx="0" cy="0"/>
+        </a:xfrm>
+      </p:grpSpPr>
+      <p:sp>
+        <p:nvSpPr>
+          <p:cNvPr id="2" name="Slide Image Placeholder 1"/>
+          <p:cNvSpPr>
+            <a:spLocks noGrp="1" noRot="1" noChangeAspect="1"/>
+          </p:cNvSpPr>
+          <p:nvPr>
+            <p:ph type="sldImg"/>
+          </p:nvPr>
+        </p:nvSpPr>
+        <p:spPr/>
+      </p:sp>
+      <p:sp>
+        <p:nvSpPr>
+          <p:cNvPr id="3" name="Notes Placeholder 2"/>
+          <p:cNvSpPr>
+            <a:spLocks noGrp="1"/>
+          </p:cNvSpPr>
+          <p:nvPr>
+            <p:ph type="body" idx="1"/>
+          </p:nvPr>
+        </p:nvSpPr>
+        <p:spPr/>
+        <p:txBody>
+          <a:bodyPr/>
+          <a:lstStyle/>
+          <a:p>
+            <a:endParaRPr lang="en-US" dirty="0"/>
+          </a:p>
+        </p:txBody>
+      </p:sp>
+      <p:sp>
+        <p:nvSpPr>
+          <p:cNvPr id="4" name="Slide Number Placeholder 3"/>
+          <p:cNvSpPr>
+            <a:spLocks noGrp="1"/>
+          </p:cNvSpPr>
+          <p:nvPr>
+            <p:ph type="sldNum" sz="quarter" idx="10"/>
+          </p:nvPr>
+        </p:nvSpPr>
+        <p:spPr/>
+        <p:txBody>
+          <a:bodyPr/>
+          <a:lstStyle/>
+          <a:p>
+            <a:fld id="{5E123F7F-522B-4841-9624-8996038EA783}" type="slidenum">
+              <a:rPr lang="en-US" smtClean="0"/>
+              <a:t>14</a:t>
+            </a:fld>
+            <a:endParaRPr lang="en-US"/>
+          </a:p>
+        </p:txBody>
+      </p:sp>
+    </p:spTree>
+    <p:extLst>
+      <p:ext uri="{BB962C8B-B14F-4D97-AF65-F5344CB8AC3E}">
         <p14:creationId xmlns:p14="http://schemas.microsoft.com/office/powerpoint/2010/main" val="2339768002"/>
       </p:ext>
     </p:extLst>
@@ -38470,7 +42326,7 @@
 </p:notes>
 </file>
 
-<file path=ppt/notesSlides/notesSlide14.xml><?xml version="1.0" encoding="utf-8"?>
+<file path=ppt/notesSlides/notesSlide15.xml><?xml version="1.0" encoding="utf-8"?>
 <p:notes xmlns:a="http://schemas.openxmlformats.org/drawingml/2006/main" xmlns:r="http://schemas.openxmlformats.org/officeDocument/2006/relationships" xmlns:p="http://schemas.openxmlformats.org/presentationml/2006/main">
   <p:cSld>
     <p:spTree>
@@ -38535,7 +42391,7 @@
           <a:p>
             <a:fld id="{5E123F7F-522B-4841-9624-8996038EA783}" type="slidenum">
               <a:rPr lang="en-US" smtClean="0"/>
-              <a:t>14</a:t>
+              <a:t>15</a:t>
             </a:fld>
             <a:endParaRPr lang="en-US"/>
           </a:p>
@@ -38554,7 +42410,7 @@
 </p:notes>
 </file>
 
-<file path=ppt/notesSlides/notesSlide15.xml><?xml version="1.0" encoding="utf-8"?>
+<file path=ppt/notesSlides/notesSlide16.xml><?xml version="1.0" encoding="utf-8"?>
 <p:notes xmlns:a="http://schemas.openxmlformats.org/drawingml/2006/main" xmlns:r="http://schemas.openxmlformats.org/officeDocument/2006/relationships" xmlns:p="http://schemas.openxmlformats.org/presentationml/2006/main">
   <p:cSld>
     <p:spTree>
@@ -38619,7 +42475,7 @@
           <a:p>
             <a:fld id="{5E123F7F-522B-4841-9624-8996038EA783}" type="slidenum">
               <a:rPr lang="en-US" smtClean="0"/>
-              <a:t>15</a:t>
+              <a:t>16</a:t>
             </a:fld>
             <a:endParaRPr lang="en-US"/>
           </a:p>
@@ -38686,7 +42542,7 @@
               <a:buFont typeface="+mj-lt"/>
               <a:buNone/>
             </a:pPr>
-            <a:endParaRPr lang="en-US" baseline="0" dirty="0" smtClean="0"/>
+            <a:endParaRPr lang="en-US" baseline="0" dirty="0"/>
           </a:p>
         </p:txBody>
       </p:sp>
@@ -39443,7 +43299,7 @@
           </a:lstStyle>
           <a:p>
             <a:r>
-              <a:rPr lang="en-US" smtClean="0"/>
+              <a:rPr lang="en-US"/>
               <a:t>Click to edit Master subtitle style</a:t>
             </a:r>
             <a:endParaRPr lang="en-US" dirty="0"/>
@@ -39550,7 +43406,7 @@
           <a:p>
             <a:fld id="{E7CFDF7C-8015-473F-9254-6142903838CD}" type="datetimeFigureOut">
               <a:rPr lang="en-US" smtClean="0"/>
-              <a:t>6/8/2016</a:t>
+              <a:t>7/22/2016</a:t>
             </a:fld>
             <a:endParaRPr lang="en-US"/>
           </a:p>
@@ -39656,7 +43512,7 @@
           </a:lstStyle>
           <a:p>
             <a:r>
-              <a:rPr lang="en-US" smtClean="0"/>
+              <a:rPr lang="en-US"/>
               <a:t>Click to edit Master title style</a:t>
             </a:r>
             <a:endParaRPr lang="en-US" dirty="0"/>
@@ -39752,10 +43608,9 @@
           <a:lstStyle/>
           <a:p>
             <a:r>
-              <a:rPr lang="en-US" smtClean="0"/>
+              <a:rPr lang="en-US"/>
               <a:t>Click to edit Master title style</a:t>
             </a:r>
-            <a:endParaRPr lang="en-US"/>
           </a:p>
         </p:txBody>
       </p:sp>
@@ -39776,38 +43631,37 @@
           <a:p>
             <a:pPr lvl="0"/>
             <a:r>
-              <a:rPr lang="en-US" smtClean="0"/>
+              <a:rPr lang="en-US"/>
               <a:t>Click to edit Master text styles</a:t>
             </a:r>
           </a:p>
           <a:p>
             <a:pPr lvl="1"/>
             <a:r>
-              <a:rPr lang="en-US" smtClean="0"/>
+              <a:rPr lang="en-US"/>
               <a:t>Second level</a:t>
             </a:r>
           </a:p>
           <a:p>
             <a:pPr lvl="2"/>
             <a:r>
-              <a:rPr lang="en-US" smtClean="0"/>
+              <a:rPr lang="en-US"/>
               <a:t>Third level</a:t>
             </a:r>
           </a:p>
           <a:p>
             <a:pPr lvl="3"/>
             <a:r>
-              <a:rPr lang="en-US" smtClean="0"/>
+              <a:rPr lang="en-US"/>
               <a:t>Fourth level</a:t>
             </a:r>
           </a:p>
           <a:p>
             <a:pPr lvl="4"/>
             <a:r>
-              <a:rPr lang="en-US" smtClean="0"/>
+              <a:rPr lang="en-US"/>
               <a:t>Fifth level</a:t>
             </a:r>
-            <a:endParaRPr lang="en-US"/>
           </a:p>
         </p:txBody>
       </p:sp>
@@ -39828,7 +43682,7 @@
           <a:p>
             <a:fld id="{E7CFDF7C-8015-473F-9254-6142903838CD}" type="datetimeFigureOut">
               <a:rPr lang="en-US" smtClean="0"/>
-              <a:t>6/8/2016</a:t>
+              <a:t>7/22/2016</a:t>
             </a:fld>
             <a:endParaRPr lang="en-US"/>
           </a:p>
@@ -39970,10 +43824,9 @@
           <a:lstStyle/>
           <a:p>
             <a:r>
-              <a:rPr lang="en-US" smtClean="0"/>
+              <a:rPr lang="en-US"/>
               <a:t>Click to edit Master title style</a:t>
             </a:r>
-            <a:endParaRPr lang="en-US"/>
           </a:p>
         </p:txBody>
       </p:sp>
@@ -39999,38 +43852,37 @@
           <a:p>
             <a:pPr lvl="0"/>
             <a:r>
-              <a:rPr lang="en-US" smtClean="0"/>
+              <a:rPr lang="en-US"/>
               <a:t>Click to edit Master text styles</a:t>
             </a:r>
           </a:p>
           <a:p>
             <a:pPr lvl="1"/>
             <a:r>
-              <a:rPr lang="en-US" smtClean="0"/>
+              <a:rPr lang="en-US"/>
               <a:t>Second level</a:t>
             </a:r>
           </a:p>
           <a:p>
             <a:pPr lvl="2"/>
             <a:r>
-              <a:rPr lang="en-US" smtClean="0"/>
+              <a:rPr lang="en-US"/>
               <a:t>Third level</a:t>
             </a:r>
           </a:p>
           <a:p>
             <a:pPr lvl="3"/>
             <a:r>
-              <a:rPr lang="en-US" smtClean="0"/>
+              <a:rPr lang="en-US"/>
               <a:t>Fourth level</a:t>
             </a:r>
           </a:p>
           <a:p>
             <a:pPr lvl="4"/>
             <a:r>
-              <a:rPr lang="en-US" smtClean="0"/>
+              <a:rPr lang="en-US"/>
               <a:t>Fifth level</a:t>
             </a:r>
-            <a:endParaRPr lang="en-US"/>
           </a:p>
         </p:txBody>
       </p:sp>
@@ -40051,7 +43903,7 @@
           <a:p>
             <a:fld id="{E7CFDF7C-8015-473F-9254-6142903838CD}" type="datetimeFigureOut">
               <a:rPr lang="en-US" smtClean="0"/>
-              <a:t>6/8/2016</a:t>
+              <a:t>7/22/2016</a:t>
             </a:fld>
             <a:endParaRPr lang="en-US"/>
           </a:p>
@@ -40194,35 +44046,35 @@
           <a:p>
             <a:pPr lvl="0"/>
             <a:r>
-              <a:rPr lang="en-US" smtClean="0"/>
+              <a:rPr lang="en-US"/>
               <a:t>Click to edit Master text styles</a:t>
             </a:r>
           </a:p>
           <a:p>
             <a:pPr lvl="1"/>
             <a:r>
-              <a:rPr lang="en-US" smtClean="0"/>
+              <a:rPr lang="en-US"/>
               <a:t>Second level</a:t>
             </a:r>
           </a:p>
           <a:p>
             <a:pPr lvl="2"/>
             <a:r>
-              <a:rPr lang="en-US" smtClean="0"/>
+              <a:rPr lang="en-US"/>
               <a:t>Third level</a:t>
             </a:r>
           </a:p>
           <a:p>
             <a:pPr lvl="3"/>
             <a:r>
-              <a:rPr lang="en-US" smtClean="0"/>
+              <a:rPr lang="en-US"/>
               <a:t>Fourth level</a:t>
             </a:r>
           </a:p>
           <a:p>
             <a:pPr lvl="4"/>
             <a:r>
-              <a:rPr lang="en-US" smtClean="0"/>
+              <a:rPr lang="en-US"/>
               <a:t>Fifth level</a:t>
             </a:r>
             <a:endParaRPr lang="en-US" dirty="0"/>
@@ -40246,7 +44098,7 @@
           <a:p>
             <a:fld id="{E7CFDF7C-8015-473F-9254-6142903838CD}" type="datetimeFigureOut">
               <a:rPr lang="en-US" smtClean="0"/>
-              <a:t>6/8/2016</a:t>
+              <a:t>7/22/2016</a:t>
             </a:fld>
             <a:endParaRPr lang="en-US"/>
           </a:p>
@@ -40310,7 +44162,7 @@
           <a:lstStyle/>
           <a:p>
             <a:r>
-              <a:rPr lang="en-US" smtClean="0"/>
+              <a:rPr lang="en-US"/>
               <a:t>Click to edit Master title style</a:t>
             </a:r>
             <a:endParaRPr lang="en-US" dirty="0"/>
@@ -40502,7 +44354,7 @@
           </a:lstStyle>
           <a:p>
             <a:r>
-              <a:rPr lang="en-US" smtClean="0"/>
+              <a:rPr lang="en-US"/>
               <a:t>Click to edit Master subtitle style</a:t>
             </a:r>
             <a:endParaRPr lang="en-US" dirty="0"/>
@@ -40526,7 +44378,7 @@
           <a:p>
             <a:fld id="{E7CFDF7C-8015-473F-9254-6142903838CD}" type="datetimeFigureOut">
               <a:rPr lang="en-US" smtClean="0"/>
-              <a:t>6/8/2016</a:t>
+              <a:t>7/22/2016</a:t>
             </a:fld>
             <a:endParaRPr lang="en-US"/>
           </a:p>
@@ -40729,7 +44581,7 @@
               <a:defRPr/>
             </a:pPr>
             <a:r>
-              <a:rPr lang="en-US" smtClean="0"/>
+              <a:rPr lang="en-US"/>
               <a:t>Click to edit Master title style</a:t>
             </a:r>
             <a:endParaRPr lang="en-US" dirty="0"/>
@@ -40849,35 +44701,35 @@
           <a:p>
             <a:pPr lvl="0"/>
             <a:r>
-              <a:rPr lang="en-US" smtClean="0"/>
+              <a:rPr lang="en-US"/>
               <a:t>Click to edit Master text styles</a:t>
             </a:r>
           </a:p>
           <a:p>
             <a:pPr lvl="1"/>
             <a:r>
-              <a:rPr lang="en-US" smtClean="0"/>
+              <a:rPr lang="en-US"/>
               <a:t>Second level</a:t>
             </a:r>
           </a:p>
           <a:p>
             <a:pPr lvl="2"/>
             <a:r>
-              <a:rPr lang="en-US" smtClean="0"/>
+              <a:rPr lang="en-US"/>
               <a:t>Third level</a:t>
             </a:r>
           </a:p>
           <a:p>
             <a:pPr lvl="3"/>
             <a:r>
-              <a:rPr lang="en-US" smtClean="0"/>
+              <a:rPr lang="en-US"/>
               <a:t>Fourth level</a:t>
             </a:r>
           </a:p>
           <a:p>
             <a:pPr lvl="4"/>
             <a:r>
-              <a:rPr lang="en-US" smtClean="0"/>
+              <a:rPr lang="en-US"/>
               <a:t>Fifth level</a:t>
             </a:r>
             <a:endParaRPr lang="en-US" dirty="0"/>
@@ -40924,35 +44776,35 @@
           <a:p>
             <a:pPr lvl="0"/>
             <a:r>
-              <a:rPr lang="en-US" smtClean="0"/>
+              <a:rPr lang="en-US"/>
               <a:t>Click to edit Master text styles</a:t>
             </a:r>
           </a:p>
           <a:p>
             <a:pPr lvl="1"/>
             <a:r>
-              <a:rPr lang="en-US" smtClean="0"/>
+              <a:rPr lang="en-US"/>
               <a:t>Second level</a:t>
             </a:r>
           </a:p>
           <a:p>
             <a:pPr lvl="2"/>
             <a:r>
-              <a:rPr lang="en-US" smtClean="0"/>
+              <a:rPr lang="en-US"/>
               <a:t>Third level</a:t>
             </a:r>
           </a:p>
           <a:p>
             <a:pPr lvl="3"/>
             <a:r>
-              <a:rPr lang="en-US" smtClean="0"/>
+              <a:rPr lang="en-US"/>
               <a:t>Fourth level</a:t>
             </a:r>
           </a:p>
           <a:p>
             <a:pPr lvl="4"/>
             <a:r>
-              <a:rPr lang="en-US" smtClean="0"/>
+              <a:rPr lang="en-US"/>
               <a:t>Fifth level</a:t>
             </a:r>
             <a:endParaRPr lang="en-US" dirty="0"/>
@@ -40975,7 +44827,7 @@
           <a:lstStyle/>
           <a:p>
             <a:r>
-              <a:rPr lang="en-US" smtClean="0"/>
+              <a:rPr lang="en-US"/>
               <a:t>Click to edit Master title style</a:t>
             </a:r>
             <a:endParaRPr lang="en-US" dirty="0"/>
@@ -40999,7 +44851,7 @@
           <a:p>
             <a:fld id="{E7CFDF7C-8015-473F-9254-6142903838CD}" type="datetimeFigureOut">
               <a:rPr lang="en-US" smtClean="0"/>
-              <a:t>6/8/2016</a:t>
+              <a:t>7/22/2016</a:t>
             </a:fld>
             <a:endParaRPr lang="en-US"/>
           </a:p>
@@ -41186,7 +45038,7 @@
           <a:p>
             <a:pPr lvl="0"/>
             <a:r>
-              <a:rPr lang="en-US" smtClean="0"/>
+              <a:rPr lang="en-US"/>
               <a:t>Click to edit Master text styles</a:t>
             </a:r>
           </a:p>
@@ -41258,7 +45110,7 @@
           <a:p>
             <a:pPr lvl="0"/>
             <a:r>
-              <a:rPr lang="en-US" smtClean="0"/>
+              <a:rPr lang="en-US"/>
               <a:t>Click to edit Master text styles</a:t>
             </a:r>
           </a:p>
@@ -41304,35 +45156,35 @@
           <a:p>
             <a:pPr lvl="0"/>
             <a:r>
-              <a:rPr lang="en-US" smtClean="0"/>
+              <a:rPr lang="en-US"/>
               <a:t>Click to edit Master text styles</a:t>
             </a:r>
           </a:p>
           <a:p>
             <a:pPr lvl="1"/>
             <a:r>
-              <a:rPr lang="en-US" smtClean="0"/>
+              <a:rPr lang="en-US"/>
               <a:t>Second level</a:t>
             </a:r>
           </a:p>
           <a:p>
             <a:pPr lvl="2"/>
             <a:r>
-              <a:rPr lang="en-US" smtClean="0"/>
+              <a:rPr lang="en-US"/>
               <a:t>Third level</a:t>
             </a:r>
           </a:p>
           <a:p>
             <a:pPr lvl="3"/>
             <a:r>
-              <a:rPr lang="en-US" smtClean="0"/>
+              <a:rPr lang="en-US"/>
               <a:t>Fourth level</a:t>
             </a:r>
           </a:p>
           <a:p>
             <a:pPr lvl="4"/>
             <a:r>
-              <a:rPr lang="en-US" smtClean="0"/>
+              <a:rPr lang="en-US"/>
               <a:t>Fifth level</a:t>
             </a:r>
             <a:endParaRPr lang="en-US" dirty="0"/>
@@ -41379,35 +45231,35 @@
           <a:p>
             <a:pPr lvl="0"/>
             <a:r>
-              <a:rPr lang="en-US" smtClean="0"/>
+              <a:rPr lang="en-US"/>
               <a:t>Click to edit Master text styles</a:t>
             </a:r>
           </a:p>
           <a:p>
             <a:pPr lvl="1"/>
             <a:r>
-              <a:rPr lang="en-US" smtClean="0"/>
+              <a:rPr lang="en-US"/>
               <a:t>Second level</a:t>
             </a:r>
           </a:p>
           <a:p>
             <a:pPr lvl="2"/>
             <a:r>
-              <a:rPr lang="en-US" smtClean="0"/>
+              <a:rPr lang="en-US"/>
               <a:t>Third level</a:t>
             </a:r>
           </a:p>
           <a:p>
             <a:pPr lvl="3"/>
             <a:r>
-              <a:rPr lang="en-US" smtClean="0"/>
+              <a:rPr lang="en-US"/>
               <a:t>Fourth level</a:t>
             </a:r>
           </a:p>
           <a:p>
             <a:pPr lvl="4"/>
             <a:r>
-              <a:rPr lang="en-US" smtClean="0"/>
+              <a:rPr lang="en-US"/>
               <a:t>Fifth level</a:t>
             </a:r>
             <a:endParaRPr lang="en-US" dirty="0"/>
@@ -41430,10 +45282,9 @@
           <a:lstStyle/>
           <a:p>
             <a:r>
-              <a:rPr lang="en-US" smtClean="0"/>
+              <a:rPr lang="en-US"/>
               <a:t>Click to edit Master title style</a:t>
             </a:r>
-            <a:endParaRPr lang="en-US"/>
           </a:p>
         </p:txBody>
       </p:sp>
@@ -41454,7 +45305,7 @@
           <a:p>
             <a:fld id="{E7CFDF7C-8015-473F-9254-6142903838CD}" type="datetimeFigureOut">
               <a:rPr lang="en-US" smtClean="0"/>
-              <a:t>6/8/2016</a:t>
+              <a:t>7/22/2016</a:t>
             </a:fld>
             <a:endParaRPr lang="en-US"/>
           </a:p>
@@ -41592,7 +45443,7 @@
           <a:p>
             <a:fld id="{E7CFDF7C-8015-473F-9254-6142903838CD}" type="datetimeFigureOut">
               <a:rPr lang="en-US" smtClean="0"/>
-              <a:t>6/8/2016</a:t>
+              <a:t>7/22/2016</a:t>
             </a:fld>
             <a:endParaRPr lang="en-US"/>
           </a:p>
@@ -41656,10 +45507,9 @@
           <a:lstStyle/>
           <a:p>
             <a:r>
-              <a:rPr lang="en-US" smtClean="0"/>
+              <a:rPr lang="en-US"/>
               <a:t>Click to edit Master title style</a:t>
             </a:r>
-            <a:endParaRPr lang="en-US"/>
           </a:p>
         </p:txBody>
       </p:sp>
@@ -41753,7 +45603,7 @@
           <a:p>
             <a:fld id="{E7CFDF7C-8015-473F-9254-6142903838CD}" type="datetimeFigureOut">
               <a:rPr lang="en-US" smtClean="0"/>
-              <a:t>6/8/2016</a:t>
+              <a:t>7/22/2016</a:t>
             </a:fld>
             <a:endParaRPr lang="en-US"/>
           </a:p>
@@ -41973,10 +45823,9 @@
           <a:lstStyle/>
           <a:p>
             <a:r>
-              <a:rPr lang="en-US" smtClean="0"/>
+              <a:rPr lang="en-US"/>
               <a:t>Click to edit Master title style</a:t>
             </a:r>
-            <a:endParaRPr lang="en-US"/>
           </a:p>
         </p:txBody>
       </p:sp>
@@ -42049,7 +45898,7 @@
           <a:p>
             <a:pPr lvl="0"/>
             <a:r>
-              <a:rPr lang="en-US" smtClean="0"/>
+              <a:rPr lang="en-US"/>
               <a:t>Click to edit Master text styles</a:t>
             </a:r>
           </a:p>
@@ -42095,38 +45944,37 @@
           <a:p>
             <a:pPr lvl="0"/>
             <a:r>
-              <a:rPr lang="en-US" smtClean="0"/>
+              <a:rPr lang="en-US"/>
               <a:t>Click to edit Master text styles</a:t>
             </a:r>
           </a:p>
           <a:p>
             <a:pPr lvl="1"/>
             <a:r>
-              <a:rPr lang="en-US" smtClean="0"/>
+              <a:rPr lang="en-US"/>
               <a:t>Second level</a:t>
             </a:r>
           </a:p>
           <a:p>
             <a:pPr lvl="2"/>
             <a:r>
-              <a:rPr lang="en-US" smtClean="0"/>
+              <a:rPr lang="en-US"/>
               <a:t>Third level</a:t>
             </a:r>
           </a:p>
           <a:p>
             <a:pPr lvl="3"/>
             <a:r>
-              <a:rPr lang="en-US" smtClean="0"/>
+              <a:rPr lang="en-US"/>
               <a:t>Fourth level</a:t>
             </a:r>
           </a:p>
           <a:p>
             <a:pPr lvl="4"/>
             <a:r>
-              <a:rPr lang="en-US" smtClean="0"/>
+              <a:rPr lang="en-US"/>
               <a:t>Fifth level</a:t>
             </a:r>
-            <a:endParaRPr lang="en-US"/>
           </a:p>
         </p:txBody>
       </p:sp>
@@ -42147,7 +45995,7 @@
           <a:p>
             <a:fld id="{E7CFDF7C-8015-473F-9254-6142903838CD}" type="datetimeFigureOut">
               <a:rPr lang="en-US" smtClean="0"/>
-              <a:t>6/8/2016</a:t>
+              <a:t>7/22/2016</a:t>
             </a:fld>
             <a:endParaRPr lang="en-US"/>
           </a:p>
@@ -42330,7 +46178,7 @@
           </a:lstStyle>
           <a:p>
             <a:r>
-              <a:rPr lang="en-US" smtClean="0"/>
+              <a:rPr lang="en-US"/>
               <a:t>Click icon to add picture</a:t>
             </a:r>
             <a:endParaRPr lang="en-US" dirty="0"/>
@@ -42408,7 +46256,7 @@
           <a:p>
             <a:pPr lvl="0"/>
             <a:r>
-              <a:rPr lang="en-US" smtClean="0"/>
+              <a:rPr lang="en-US"/>
               <a:t>Click to edit Master text styles</a:t>
             </a:r>
           </a:p>
@@ -42523,7 +46371,7 @@
           <a:lstStyle/>
           <a:p>
             <a:r>
-              <a:rPr lang="en-US" smtClean="0"/>
+              <a:rPr lang="en-US"/>
               <a:t>Click to edit Master title style</a:t>
             </a:r>
             <a:endParaRPr lang="en-US" dirty="0"/>
@@ -42547,7 +46395,7 @@
           <a:p>
             <a:fld id="{E7CFDF7C-8015-473F-9254-6142903838CD}" type="datetimeFigureOut">
               <a:rPr lang="en-US" smtClean="0"/>
-              <a:t>6/8/2016</a:t>
+              <a:t>7/22/2016</a:t>
             </a:fld>
             <a:endParaRPr lang="en-US"/>
           </a:p>
@@ -42651,7 +46499,7 @@
           <a:lstStyle/>
           <a:p>
             <a:r>
-              <a:rPr lang="en-US" smtClean="0"/>
+              <a:rPr lang="en-US"/>
               <a:t>Click to edit Master title style</a:t>
             </a:r>
             <a:endParaRPr lang="en-US" dirty="0"/>
@@ -42685,35 +46533,35 @@
           <a:p>
             <a:pPr lvl="0"/>
             <a:r>
-              <a:rPr lang="en-US" smtClean="0"/>
+              <a:rPr lang="en-US"/>
               <a:t>Click to edit Master text styles</a:t>
             </a:r>
           </a:p>
           <a:p>
             <a:pPr lvl="1"/>
             <a:r>
-              <a:rPr lang="en-US" smtClean="0"/>
+              <a:rPr lang="en-US"/>
               <a:t>Second level</a:t>
             </a:r>
           </a:p>
           <a:p>
             <a:pPr lvl="2"/>
             <a:r>
-              <a:rPr lang="en-US" smtClean="0"/>
+              <a:rPr lang="en-US"/>
               <a:t>Third level</a:t>
             </a:r>
           </a:p>
           <a:p>
             <a:pPr lvl="3"/>
             <a:r>
-              <a:rPr lang="en-US" smtClean="0"/>
+              <a:rPr lang="en-US"/>
               <a:t>Fourth level</a:t>
             </a:r>
           </a:p>
           <a:p>
             <a:pPr lvl="4"/>
             <a:r>
-              <a:rPr lang="en-US" smtClean="0"/>
+              <a:rPr lang="en-US"/>
               <a:t>Fifth level</a:t>
             </a:r>
             <a:endParaRPr lang="en-US" dirty="0"/>
@@ -42757,7 +46605,7 @@
           <a:p>
             <a:fld id="{E7CFDF7C-8015-473F-9254-6142903838CD}" type="datetimeFigureOut">
               <a:rPr lang="en-US" smtClean="0"/>
-              <a:t>6/8/2016</a:t>
+              <a:t>7/22/2016</a:t>
             </a:fld>
             <a:endParaRPr lang="en-US"/>
           </a:p>
@@ -43374,18 +47222,13 @@
           </a:p>
           <a:p>
             <a:r>
-              <a:rPr lang="en-US" sz="2600" dirty="0" smtClean="0">
+              <a:rPr lang="en-US" sz="2600" dirty="0">
                 <a:solidFill>
                   <a:srgbClr val="0000FF"/>
                 </a:solidFill>
               </a:rPr>
               <a:t>Www.advent.com</a:t>
             </a:r>
-            <a:endParaRPr lang="en-US" sz="2600" dirty="0">
-              <a:solidFill>
-                <a:srgbClr val="0000FF"/>
-              </a:solidFill>
-            </a:endParaRPr>
           </a:p>
         </p:txBody>
       </p:sp>
@@ -43457,18 +47300,13 @@
           <a:p>
             <a:pPr algn="r"/>
             <a:r>
-              <a:rPr lang="it-IT" sz="2800" dirty="0"/>
-              <a:t>San Francisco Microsoft Data Platform Meetup </a:t>
+              <a:rPr lang="it-IT" sz="2800" b="1" dirty="0"/>
+              <a:t>SQLSaturday – Sacramento </a:t>
             </a:r>
             <a:r>
-              <a:rPr lang="en-US" sz="2800" dirty="0" smtClean="0"/>
-              <a:t>– </a:t>
+              <a:rPr lang="en-US" sz="2800" b="1" dirty="0"/>
+              <a:t>– July 23 2016</a:t>
             </a:r>
-            <a:r>
-              <a:rPr lang="en-US" sz="2800" b="1" dirty="0" smtClean="0"/>
-              <a:t>June 08 2016</a:t>
-            </a:r>
-            <a:endParaRPr lang="en-US" sz="2800" b="1" dirty="0"/>
           </a:p>
         </p:txBody>
       </p:sp>
@@ -43482,13 +47320,6 @@
   <p:clrMapOvr>
     <a:masterClrMapping/>
   </p:clrMapOvr>
-  <p:timing>
-    <p:tnLst>
-      <p:par>
-        <p:cTn id="1" dur="indefinite" restart="never" nodeType="tmRoot"/>
-      </p:par>
-    </p:tnLst>
-  </p:timing>
 </p:sld>
 </file>
 
@@ -43592,10 +47423,9 @@
           </a:lstStyle>
           <a:p>
             <a:r>
-              <a:rPr lang="en-US" b="1" u="sng" dirty="0" smtClean="0"/>
+              <a:rPr lang="en-US" b="1" u="sng" dirty="0"/>
               <a:t>Demo Scenarios</a:t>
             </a:r>
-            <a:endParaRPr lang="en-US" b="1" u="sng" dirty="0"/>
           </a:p>
         </p:txBody>
       </p:sp>
@@ -43621,6 +47451,100 @@
           </a:graphicData>
         </a:graphic>
       </p:graphicFrame>
+    </p:spTree>
+    <p:extLst>
+      <p:ext uri="{BB962C8B-B14F-4D97-AF65-F5344CB8AC3E}">
+        <p14:creationId xmlns:p14="http://schemas.microsoft.com/office/powerpoint/2010/main" val="392025221"/>
+      </p:ext>
+    </p:extLst>
+  </p:cSld>
+  <p:clrMapOvr>
+    <a:masterClrMapping/>
+  </p:clrMapOvr>
+</p:sld>
+</file>
+
+<file path=ppt/slides/slide11.xml><?xml version="1.0" encoding="utf-8"?>
+<p:sld xmlns:a="http://schemas.openxmlformats.org/drawingml/2006/main" xmlns:r="http://schemas.openxmlformats.org/officeDocument/2006/relationships" xmlns:p="http://schemas.openxmlformats.org/presentationml/2006/main">
+  <p:cSld>
+    <p:spTree>
+      <p:nvGrpSpPr>
+        <p:cNvPr id="1" name=""/>
+        <p:cNvGrpSpPr/>
+        <p:nvPr/>
+      </p:nvGrpSpPr>
+      <p:grpSpPr>
+        <a:xfrm>
+          <a:off x="0" y="0"/>
+          <a:ext cx="0" cy="0"/>
+          <a:chOff x="0" y="0"/>
+          <a:chExt cx="0" cy="0"/>
+        </a:xfrm>
+      </p:grpSpPr>
+      <p:sp>
+        <p:nvSpPr>
+          <p:cNvPr id="3" name="Title 2"/>
+          <p:cNvSpPr txBox="1">
+            <a:spLocks/>
+          </p:cNvSpPr>
+          <p:nvPr/>
+        </p:nvSpPr>
+        <p:spPr>
+          <a:xfrm>
+            <a:off x="303212" y="76200"/>
+            <a:ext cx="10238613" cy="533400"/>
+          </a:xfrm>
+          <a:prstGeom prst="rect">
+            <a:avLst/>
+          </a:prstGeom>
+        </p:spPr>
+        <p:style>
+          <a:lnRef idx="2">
+            <a:schemeClr val="dk1">
+              <a:shade val="50000"/>
+            </a:schemeClr>
+          </a:lnRef>
+          <a:fillRef idx="1">
+            <a:schemeClr val="dk1"/>
+          </a:fillRef>
+          <a:effectRef idx="0">
+            <a:schemeClr val="dk1"/>
+          </a:effectRef>
+          <a:fontRef idx="minor">
+            <a:schemeClr val="lt1"/>
+          </a:fontRef>
+        </p:style>
+        <p:txBody>
+          <a:bodyPr>
+            <a:noAutofit/>
+          </a:bodyPr>
+          <a:lstStyle>
+            <a:defPPr>
+              <a:defRPr lang="en-US"/>
+            </a:defPPr>
+            <a:lvl1pPr lvl="0">
+              <a:spcBef>
+                <a:spcPts val="400"/>
+              </a:spcBef>
+              <a:buNone/>
+              <a:defRPr sz="4000" b="0" cap="none" spc="0" baseline="0">
+                <a:solidFill>
+                  <a:schemeClr val="tx1"/>
+                </a:solidFill>
+                <a:latin typeface="+mj-lt"/>
+                <a:ea typeface="+mj-ea"/>
+                <a:cs typeface="Tunga" pitchFamily="2"/>
+              </a:defRPr>
+            </a:lvl1pPr>
+          </a:lstStyle>
+          <a:p>
+            <a:r>
+              <a:rPr lang="en-US" b="1" u="sng" dirty="0"/>
+              <a:t>Test examples</a:t>
+            </a:r>
+          </a:p>
+        </p:txBody>
+      </p:sp>
       <p:sp>
         <p:nvSpPr>
           <p:cNvPr id="6" name="Rectangle 5"/>
@@ -43659,7 +47583,7 @@
           <a:p>
             <a:pPr algn="ctr"/>
             <a:r>
-              <a:rPr lang="en-US" sz="5500" b="1" dirty="0" smtClean="0">
+              <a:rPr lang="en-US" sz="5500" b="1" dirty="0">
                 <a:ln w="11430"/>
                 <a:gradFill>
                   <a:gsLst>
@@ -43696,48 +47620,339 @@
               </a:rPr>
               <a:t>DEMO….</a:t>
             </a:r>
-            <a:endParaRPr lang="en-US" sz="5500" b="1" dirty="0">
-              <a:ln w="11430"/>
-              <a:gradFill>
-                <a:gsLst>
-                  <a:gs pos="0">
-                    <a:schemeClr val="accent2">
-                      <a:tint val="70000"/>
-                      <a:satMod val="245000"/>
-                    </a:schemeClr>
-                  </a:gs>
-                  <a:gs pos="75000">
-                    <a:schemeClr val="accent2">
-                      <a:tint val="90000"/>
-                      <a:shade val="60000"/>
-                      <a:satMod val="240000"/>
-                    </a:schemeClr>
-                  </a:gs>
-                  <a:gs pos="100000">
-                    <a:schemeClr val="accent2">
-                      <a:tint val="100000"/>
-                      <a:shade val="50000"/>
-                      <a:satMod val="240000"/>
-                    </a:schemeClr>
-                  </a:gs>
-                </a:gsLst>
-                <a:lin ang="5400000"/>
-              </a:gradFill>
-              <a:effectLst>
-                <a:outerShdw blurRad="50800" dist="39000" dir="5460000" algn="tl">
-                  <a:srgbClr val="000000">
-                    <a:alpha val="38000"/>
-                  </a:srgbClr>
-                </a:outerShdw>
-              </a:effectLst>
-            </a:endParaRPr>
+          </a:p>
+        </p:txBody>
+      </p:sp>
+      <p:sp>
+        <p:nvSpPr>
+          <p:cNvPr id="4" name="Rectangle 3"/>
+          <p:cNvSpPr/>
+          <p:nvPr/>
+        </p:nvSpPr>
+        <p:spPr>
+          <a:xfrm>
+            <a:off x="303212" y="685800"/>
+            <a:ext cx="11441527" cy="6340197"/>
+          </a:xfrm>
+          <a:prstGeom prst="rect">
+            <a:avLst/>
+          </a:prstGeom>
+        </p:spPr>
+        <p:txBody>
+          <a:bodyPr wrap="square">
+            <a:spAutoFit/>
+          </a:bodyPr>
+          <a:lstStyle/>
+          <a:p>
+            <a:r>
+              <a:rPr lang="en-US" sz="2000" b="1" dirty="0"/>
+              <a:t>$</a:t>
+            </a:r>
+            <a:r>
+              <a:rPr lang="en-US" sz="2000" b="1" dirty="0" err="1"/>
+              <a:t>smtpserver</a:t>
+            </a:r>
+            <a:r>
+              <a:rPr lang="en-US" sz="2000" dirty="0"/>
+              <a:t>="</a:t>
+            </a:r>
+            <a:r>
+              <a:rPr lang="en-US" sz="2000" dirty="0" err="1"/>
+              <a:t>mail.sqlfeatures.local</a:t>
+            </a:r>
+            <a:r>
+              <a:rPr lang="en-US" sz="2000" dirty="0"/>
+              <a:t>" </a:t>
+            </a:r>
+            <a:r>
+              <a:rPr lang="en-US" sz="1600" dirty="0"/>
+              <a:t># Change </a:t>
+            </a:r>
+            <a:r>
+              <a:rPr lang="en-US" sz="1600" dirty="0" err="1"/>
+              <a:t>smtp</a:t>
+            </a:r>
+            <a:r>
+              <a:rPr lang="en-US" sz="1600" dirty="0"/>
+              <a:t> server here</a:t>
+            </a:r>
+          </a:p>
+          <a:p>
+            <a:r>
+              <a:rPr lang="en-US" sz="2000" b="1" dirty="0"/>
+              <a:t>$</a:t>
+            </a:r>
+            <a:r>
+              <a:rPr lang="en-US" sz="2000" b="1" dirty="0" err="1"/>
+              <a:t>ServerInstance</a:t>
+            </a:r>
+            <a:r>
+              <a:rPr lang="en-US" sz="2000" dirty="0"/>
+              <a:t>= "</a:t>
+            </a:r>
+            <a:r>
+              <a:rPr lang="en-US" sz="2000" dirty="0" err="1"/>
+              <a:t>dbserver</a:t>
+            </a:r>
+            <a:r>
+              <a:rPr lang="en-US" sz="2000" dirty="0"/>
+              <a:t>\</a:t>
+            </a:r>
+            <a:r>
+              <a:rPr lang="en-US" sz="2000" dirty="0" err="1"/>
+              <a:t>InsanceName</a:t>
+            </a:r>
+            <a:r>
+              <a:rPr lang="en-US" sz="2000" dirty="0"/>
+              <a:t>" </a:t>
+            </a:r>
+            <a:r>
+              <a:rPr lang="en-US" sz="1600" dirty="0"/>
+              <a:t>#this should be the same value as you would put in SSMS</a:t>
+            </a:r>
+          </a:p>
+          <a:p>
+            <a:r>
+              <a:rPr lang="en-US" sz="2000" b="1" dirty="0"/>
+              <a:t>$</a:t>
+            </a:r>
+            <a:r>
+              <a:rPr lang="en-US" sz="2000" b="1" dirty="0" err="1"/>
+              <a:t>SqlPassword</a:t>
+            </a:r>
+            <a:r>
+              <a:rPr lang="en-US" sz="2000" b="1" dirty="0"/>
+              <a:t> = "Sequoia2012"</a:t>
+            </a:r>
+          </a:p>
+          <a:p>
+            <a:r>
+              <a:rPr lang="en-US" sz="2000" b="1" dirty="0"/>
+              <a:t>$</a:t>
+            </a:r>
+            <a:r>
+              <a:rPr lang="en-US" sz="2000" b="1" dirty="0" err="1"/>
+              <a:t>SqlUser</a:t>
+            </a:r>
+            <a:r>
+              <a:rPr lang="en-US" sz="2000" b="1" dirty="0"/>
+              <a:t>="SA"</a:t>
+            </a:r>
+          </a:p>
+          <a:p>
+            <a:r>
+              <a:rPr lang="en-US" sz="2000" b="1" dirty="0"/>
+              <a:t>$</a:t>
+            </a:r>
+            <a:r>
+              <a:rPr lang="en-US" sz="2000" b="1" dirty="0" err="1"/>
+              <a:t>emailToSent</a:t>
+            </a:r>
+            <a:r>
+              <a:rPr lang="en-US" sz="2000" b="1" dirty="0"/>
+              <a:t>="sqlfeatures@gmail.com" </a:t>
+            </a:r>
+          </a:p>
+          <a:p>
+            <a:r>
+              <a:rPr lang="en-US" sz="2400" b="1" dirty="0"/>
+              <a:t>#SQL 2008 R2 ENT/ Named Instance / SQL Authentication </a:t>
+            </a:r>
+          </a:p>
+          <a:p>
+            <a:pPr lvl="1"/>
+            <a:r>
+              <a:rPr lang="en-US" sz="2400" dirty="0"/>
+              <a:t>\\w12r2hv\SQLSetup\Scripts\SQLHealthCheck\SQLHealthCheck.ps1     `</a:t>
+            </a:r>
+          </a:p>
+          <a:p>
+            <a:pPr lvl="1"/>
+            <a:r>
+              <a:rPr lang="en-US" sz="2400" dirty="0"/>
+              <a:t>    -</a:t>
+            </a:r>
+            <a:r>
+              <a:rPr lang="en-US" sz="2400" dirty="0" err="1"/>
+              <a:t>EmailSender</a:t>
+            </a:r>
+            <a:r>
+              <a:rPr lang="en-US" sz="2400" dirty="0"/>
+              <a:t> $</a:t>
+            </a:r>
+            <a:r>
+              <a:rPr lang="en-US" sz="2400" dirty="0" err="1"/>
+              <a:t>emailToSent</a:t>
+            </a:r>
+            <a:r>
+              <a:rPr lang="en-US" sz="2400" dirty="0"/>
+              <a:t>  `</a:t>
+            </a:r>
+          </a:p>
+          <a:p>
+            <a:pPr lvl="1"/>
+            <a:r>
+              <a:rPr lang="en-US" sz="2400" dirty="0"/>
+              <a:t>    -</a:t>
+            </a:r>
+            <a:r>
+              <a:rPr lang="en-US" sz="2400" dirty="0" err="1"/>
+              <a:t>ServerInstance</a:t>
+            </a:r>
+            <a:r>
+              <a:rPr lang="en-US" sz="2400" dirty="0"/>
+              <a:t> "AALLINONEE1\SQL_2008R2_ENT"  `</a:t>
+            </a:r>
+          </a:p>
+          <a:p>
+            <a:pPr lvl="1"/>
+            <a:r>
+              <a:rPr lang="en-US" sz="2400" dirty="0"/>
+              <a:t>    -</a:t>
+            </a:r>
+            <a:r>
+              <a:rPr lang="en-US" sz="2400" dirty="0" err="1"/>
+              <a:t>SqlUser</a:t>
+            </a:r>
+            <a:r>
+              <a:rPr lang="en-US" sz="2400" dirty="0"/>
+              <a:t> $</a:t>
+            </a:r>
+            <a:r>
+              <a:rPr lang="en-US" sz="2400" dirty="0" err="1"/>
+              <a:t>SqlUser</a:t>
+            </a:r>
+            <a:r>
+              <a:rPr lang="en-US" sz="2400" dirty="0"/>
+              <a:t>  `</a:t>
+            </a:r>
+          </a:p>
+          <a:p>
+            <a:pPr lvl="1"/>
+            <a:r>
+              <a:rPr lang="en-US" sz="2400" dirty="0"/>
+              <a:t>    -</a:t>
+            </a:r>
+            <a:r>
+              <a:rPr lang="en-US" sz="2400" dirty="0" err="1"/>
+              <a:t>SqlPassword</a:t>
+            </a:r>
+            <a:r>
+              <a:rPr lang="en-US" sz="2400" dirty="0"/>
+              <a:t> $</a:t>
+            </a:r>
+            <a:r>
+              <a:rPr lang="en-US" sz="2400" dirty="0" err="1"/>
+              <a:t>SqlPassword</a:t>
+            </a:r>
+            <a:r>
+              <a:rPr lang="en-US" sz="2400" dirty="0"/>
+              <a:t>   `</a:t>
+            </a:r>
+          </a:p>
+          <a:p>
+            <a:pPr lvl="1"/>
+            <a:r>
+              <a:rPr lang="en-US" sz="2400" dirty="0"/>
+              <a:t>    -</a:t>
+            </a:r>
+            <a:r>
+              <a:rPr lang="en-US" sz="2400" dirty="0" err="1"/>
+              <a:t>smtpserver</a:t>
+            </a:r>
+            <a:r>
+              <a:rPr lang="en-US" sz="2400" dirty="0"/>
+              <a:t> $</a:t>
+            </a:r>
+            <a:r>
+              <a:rPr lang="en-US" sz="2400" dirty="0" err="1"/>
+              <a:t>smtpserver</a:t>
+            </a:r>
+            <a:endParaRPr lang="en-US" sz="3200" dirty="0"/>
+          </a:p>
+          <a:p>
+            <a:r>
+              <a:rPr lang="en-US" sz="2400" b="1" dirty="0"/>
+              <a:t>#SQL 2014 Ent/ Default instance / Windows Authentication / FQDN </a:t>
+            </a:r>
+          </a:p>
+          <a:p>
+            <a:pPr lvl="1"/>
+            <a:r>
+              <a:rPr lang="en-US" sz="2400" dirty="0"/>
+              <a:t>\\w12r2hv\SQLSetup\Scripts\SQLHealthCheck\SQLHealthCheck.ps1  `</a:t>
+            </a:r>
+          </a:p>
+          <a:p>
+            <a:pPr lvl="1"/>
+            <a:r>
+              <a:rPr lang="en-US" sz="2400" dirty="0"/>
+              <a:t>    -</a:t>
+            </a:r>
+            <a:r>
+              <a:rPr lang="en-US" sz="2400" dirty="0" err="1"/>
+              <a:t>EmailSender</a:t>
+            </a:r>
+            <a:r>
+              <a:rPr lang="en-US" sz="2400" dirty="0"/>
+              <a:t> $</a:t>
+            </a:r>
+            <a:r>
+              <a:rPr lang="en-US" sz="2400" dirty="0" err="1"/>
+              <a:t>emailToSent</a:t>
+            </a:r>
+            <a:r>
+              <a:rPr lang="en-US" sz="2400" dirty="0"/>
+              <a:t>  `</a:t>
+            </a:r>
+          </a:p>
+          <a:p>
+            <a:pPr lvl="1"/>
+            <a:r>
+              <a:rPr lang="en-US" sz="2400" dirty="0"/>
+              <a:t>    -</a:t>
+            </a:r>
+            <a:r>
+              <a:rPr lang="en-US" sz="2400" dirty="0" err="1"/>
+              <a:t>ServerInstance</a:t>
+            </a:r>
+            <a:r>
+              <a:rPr lang="en-US" sz="2400" dirty="0"/>
+              <a:t> "w12r2s14.sqlfeatures.local"  `</a:t>
+            </a:r>
+          </a:p>
+          <a:p>
+            <a:pPr lvl="1"/>
+            <a:r>
+              <a:rPr lang="en-US" sz="2400" dirty="0"/>
+              <a:t>    -</a:t>
+            </a:r>
+            <a:r>
+              <a:rPr lang="en-US" sz="2400" dirty="0" err="1"/>
+              <a:t>smtpserver</a:t>
+            </a:r>
+            <a:r>
+              <a:rPr lang="en-US" sz="2400" dirty="0"/>
+              <a:t> $</a:t>
+            </a:r>
+            <a:r>
+              <a:rPr lang="en-US" sz="2400" dirty="0" err="1"/>
+              <a:t>smtpserver</a:t>
+            </a:r>
+            <a:endParaRPr lang="en-US" sz="2400" dirty="0"/>
+          </a:p>
+          <a:p>
+            <a:r>
+              <a:rPr lang="en-US" dirty="0"/>
+              <a:t> </a:t>
+            </a:r>
           </a:p>
         </p:txBody>
       </p:sp>
     </p:spTree>
     <p:extLst>
       <p:ext uri="{BB962C8B-B14F-4D97-AF65-F5344CB8AC3E}">
-        <p14:creationId xmlns:p14="http://schemas.microsoft.com/office/powerpoint/2010/main" val="392025221"/>
+        <p14:creationId xmlns:p14="http://schemas.microsoft.com/office/powerpoint/2010/main" val="2046315493"/>
       </p:ext>
     </p:extLst>
   </p:cSld>
@@ -44076,160 +48291,6 @@
 </p:sld>
 </file>
 
-<file path=ppt/slides/slide11.xml><?xml version="1.0" encoding="utf-8"?>
-<p:sld xmlns:a="http://schemas.openxmlformats.org/drawingml/2006/main" xmlns:r="http://schemas.openxmlformats.org/officeDocument/2006/relationships" xmlns:p="http://schemas.openxmlformats.org/presentationml/2006/main">
-  <p:cSld>
-    <p:spTree>
-      <p:nvGrpSpPr>
-        <p:cNvPr id="1" name=""/>
-        <p:cNvGrpSpPr/>
-        <p:nvPr/>
-      </p:nvGrpSpPr>
-      <p:grpSpPr>
-        <a:xfrm>
-          <a:off x="0" y="0"/>
-          <a:ext cx="0" cy="0"/>
-          <a:chOff x="0" y="0"/>
-          <a:chExt cx="0" cy="0"/>
-        </a:xfrm>
-      </p:grpSpPr>
-      <p:sp>
-        <p:nvSpPr>
-          <p:cNvPr id="2" name="Rectangle 1"/>
-          <p:cNvSpPr/>
-          <p:nvPr/>
-        </p:nvSpPr>
-        <p:spPr>
-          <a:xfrm>
-            <a:off x="1446212" y="3886200"/>
-            <a:ext cx="8990013" cy="369332"/>
-          </a:xfrm>
-          <a:prstGeom prst="rect">
-            <a:avLst/>
-          </a:prstGeom>
-        </p:spPr>
-        <p:txBody>
-          <a:bodyPr wrap="square">
-            <a:spAutoFit/>
-          </a:bodyPr>
-          <a:lstStyle/>
-          <a:p>
-            <a:endParaRPr lang="en-US" dirty="0"/>
-          </a:p>
-        </p:txBody>
-      </p:sp>
-      <p:sp>
-        <p:nvSpPr>
-          <p:cNvPr id="3" name="Title 2"/>
-          <p:cNvSpPr txBox="1">
-            <a:spLocks/>
-          </p:cNvSpPr>
-          <p:nvPr/>
-        </p:nvSpPr>
-        <p:spPr>
-          <a:xfrm>
-            <a:off x="379412" y="228600"/>
-            <a:ext cx="10238613" cy="533400"/>
-          </a:xfrm>
-          <a:prstGeom prst="rect">
-            <a:avLst/>
-          </a:prstGeom>
-        </p:spPr>
-        <p:style>
-          <a:lnRef idx="2">
-            <a:schemeClr val="dk1">
-              <a:shade val="50000"/>
-            </a:schemeClr>
-          </a:lnRef>
-          <a:fillRef idx="1">
-            <a:schemeClr val="dk1"/>
-          </a:fillRef>
-          <a:effectRef idx="0">
-            <a:schemeClr val="dk1"/>
-          </a:effectRef>
-          <a:fontRef idx="minor">
-            <a:schemeClr val="lt1"/>
-          </a:fontRef>
-        </p:style>
-        <p:txBody>
-          <a:bodyPr>
-            <a:noAutofit/>
-          </a:bodyPr>
-          <a:lstStyle>
-            <a:defPPr>
-              <a:defRPr lang="en-US"/>
-            </a:defPPr>
-            <a:lvl1pPr lvl="0">
-              <a:spcBef>
-                <a:spcPts val="400"/>
-              </a:spcBef>
-              <a:buNone/>
-              <a:defRPr sz="4000" b="0" cap="none" spc="0" baseline="0">
-                <a:solidFill>
-                  <a:schemeClr val="tx1"/>
-                </a:solidFill>
-                <a:latin typeface="+mj-lt"/>
-                <a:ea typeface="+mj-ea"/>
-                <a:cs typeface="Tunga" pitchFamily="2"/>
-              </a:defRPr>
-            </a:lvl1pPr>
-          </a:lstStyle>
-          <a:p>
-            <a:pPr lvl="0"/>
-            <a:r>
-              <a:rPr lang="en-US" b="1" u="sng" dirty="0"/>
-              <a:t>Initial </a:t>
-            </a:r>
-            <a:r>
-              <a:rPr lang="en-US" b="1" u="sng" dirty="0" smtClean="0"/>
-              <a:t>Setup</a:t>
-            </a:r>
-            <a:endParaRPr lang="en-US" b="1" u="sng" dirty="0"/>
-          </a:p>
-        </p:txBody>
-      </p:sp>
-      <p:graphicFrame>
-        <p:nvGraphicFramePr>
-          <p:cNvPr id="5" name="Diagram 4"/>
-          <p:cNvGraphicFramePr/>
-          <p:nvPr>
-            <p:extLst>
-              <p:ext uri="{D42A27DB-BD31-4B8C-83A1-F6EECF244321}">
-                <p14:modId xmlns:p14="http://schemas.microsoft.com/office/powerpoint/2010/main" val="764352251"/>
-              </p:ext>
-            </p:extLst>
-          </p:nvPr>
-        </p:nvGraphicFramePr>
-        <p:xfrm>
-          <a:off x="760412" y="990600"/>
-          <a:ext cx="11125200" cy="5715000"/>
-        </p:xfrm>
-        <a:graphic>
-          <a:graphicData uri="http://schemas.openxmlformats.org/drawingml/2006/diagram">
-            <dgm:relIds xmlns:dgm="http://schemas.openxmlformats.org/drawingml/2006/diagram" xmlns:r="http://schemas.openxmlformats.org/officeDocument/2006/relationships" r:dm="rId3" r:lo="rId4" r:qs="rId5" r:cs="rId6"/>
-          </a:graphicData>
-        </a:graphic>
-      </p:graphicFrame>
-    </p:spTree>
-    <p:extLst>
-      <p:ext uri="{BB962C8B-B14F-4D97-AF65-F5344CB8AC3E}">
-        <p14:creationId xmlns:p14="http://schemas.microsoft.com/office/powerpoint/2010/main" val="2972718250"/>
-      </p:ext>
-    </p:extLst>
-  </p:cSld>
-  <p:clrMapOvr>
-    <a:masterClrMapping/>
-  </p:clrMapOvr>
-  <p:timing>
-    <p:tnLst>
-      <p:par>
-        <p:cTn id="1" dur="indefinite" restart="never" nodeType="tmRoot"/>
-      </p:par>
-    </p:tnLst>
-  </p:timing>
-</p:sld>
-</file>
-
 <file path=ppt/slides/slide12.xml><?xml version="1.0" encoding="utf-8"?>
 <p:sld xmlns:a="http://schemas.openxmlformats.org/drawingml/2006/main" xmlns:r="http://schemas.openxmlformats.org/officeDocument/2006/relationships" xmlns:p="http://schemas.openxmlformats.org/presentationml/2006/main">
   <p:cSld>
@@ -44282,7 +48343,7 @@
         </p:nvSpPr>
         <p:spPr>
           <a:xfrm>
-            <a:off x="379412" y="152400"/>
+            <a:off x="379412" y="76200"/>
             <a:ext cx="10238613" cy="533400"/>
           </a:xfrm>
           <a:prstGeom prst="rect">
@@ -44332,13 +48393,8 @@
             <a:pPr lvl="0"/>
             <a:r>
               <a:rPr lang="en-US" b="1" u="sng" dirty="0"/>
-              <a:t>Common </a:t>
+              <a:t>Initial Setup</a:t>
             </a:r>
-            <a:r>
-              <a:rPr lang="en-US" b="1" u="sng" dirty="0" smtClean="0"/>
-              <a:t>Functions</a:t>
-            </a:r>
-            <a:endParaRPr lang="en-US" b="1" u="sng" dirty="0"/>
           </a:p>
         </p:txBody>
       </p:sp>
@@ -44349,7 +48405,149 @@
           <p:nvPr>
             <p:extLst>
               <p:ext uri="{D42A27DB-BD31-4B8C-83A1-F6EECF244321}">
-                <p14:modId xmlns:p14="http://schemas.microsoft.com/office/powerpoint/2010/main" val="702644794"/>
+                <p14:modId xmlns:p14="http://schemas.microsoft.com/office/powerpoint/2010/main" val="764352251"/>
+              </p:ext>
+            </p:extLst>
+          </p:nvPr>
+        </p:nvGraphicFramePr>
+        <p:xfrm>
+          <a:off x="760412" y="990600"/>
+          <a:ext cx="11125200" cy="5715000"/>
+        </p:xfrm>
+        <a:graphic>
+          <a:graphicData uri="http://schemas.openxmlformats.org/drawingml/2006/diagram">
+            <dgm:relIds xmlns:dgm="http://schemas.openxmlformats.org/drawingml/2006/diagram" xmlns:r="http://schemas.openxmlformats.org/officeDocument/2006/relationships" r:dm="rId3" r:lo="rId4" r:qs="rId5" r:cs="rId6"/>
+          </a:graphicData>
+        </a:graphic>
+      </p:graphicFrame>
+    </p:spTree>
+    <p:extLst>
+      <p:ext uri="{BB962C8B-B14F-4D97-AF65-F5344CB8AC3E}">
+        <p14:creationId xmlns:p14="http://schemas.microsoft.com/office/powerpoint/2010/main" val="2972718250"/>
+      </p:ext>
+    </p:extLst>
+  </p:cSld>
+  <p:clrMapOvr>
+    <a:masterClrMapping/>
+  </p:clrMapOvr>
+</p:sld>
+</file>
+
+<file path=ppt/slides/slide13.xml><?xml version="1.0" encoding="utf-8"?>
+<p:sld xmlns:a="http://schemas.openxmlformats.org/drawingml/2006/main" xmlns:r="http://schemas.openxmlformats.org/officeDocument/2006/relationships" xmlns:p="http://schemas.openxmlformats.org/presentationml/2006/main">
+  <p:cSld>
+    <p:spTree>
+      <p:nvGrpSpPr>
+        <p:cNvPr id="1" name=""/>
+        <p:cNvGrpSpPr/>
+        <p:nvPr/>
+      </p:nvGrpSpPr>
+      <p:grpSpPr>
+        <a:xfrm>
+          <a:off x="0" y="0"/>
+          <a:ext cx="0" cy="0"/>
+          <a:chOff x="0" y="0"/>
+          <a:chExt cx="0" cy="0"/>
+        </a:xfrm>
+      </p:grpSpPr>
+      <p:sp>
+        <p:nvSpPr>
+          <p:cNvPr id="2" name="Rectangle 1"/>
+          <p:cNvSpPr/>
+          <p:nvPr/>
+        </p:nvSpPr>
+        <p:spPr>
+          <a:xfrm>
+            <a:off x="1446212" y="3886200"/>
+            <a:ext cx="8990013" cy="369332"/>
+          </a:xfrm>
+          <a:prstGeom prst="rect">
+            <a:avLst/>
+          </a:prstGeom>
+        </p:spPr>
+        <p:txBody>
+          <a:bodyPr wrap="square">
+            <a:spAutoFit/>
+          </a:bodyPr>
+          <a:lstStyle/>
+          <a:p>
+            <a:endParaRPr lang="en-US" dirty="0"/>
+          </a:p>
+        </p:txBody>
+      </p:sp>
+      <p:sp>
+        <p:nvSpPr>
+          <p:cNvPr id="3" name="Title 2"/>
+          <p:cNvSpPr txBox="1">
+            <a:spLocks/>
+          </p:cNvSpPr>
+          <p:nvPr/>
+        </p:nvSpPr>
+        <p:spPr>
+          <a:xfrm>
+            <a:off x="379412" y="76200"/>
+            <a:ext cx="10238613" cy="533400"/>
+          </a:xfrm>
+          <a:prstGeom prst="rect">
+            <a:avLst/>
+          </a:prstGeom>
+        </p:spPr>
+        <p:style>
+          <a:lnRef idx="2">
+            <a:schemeClr val="dk1">
+              <a:shade val="50000"/>
+            </a:schemeClr>
+          </a:lnRef>
+          <a:fillRef idx="1">
+            <a:schemeClr val="dk1"/>
+          </a:fillRef>
+          <a:effectRef idx="0">
+            <a:schemeClr val="dk1"/>
+          </a:effectRef>
+          <a:fontRef idx="minor">
+            <a:schemeClr val="lt1"/>
+          </a:fontRef>
+        </p:style>
+        <p:txBody>
+          <a:bodyPr>
+            <a:noAutofit/>
+          </a:bodyPr>
+          <a:lstStyle>
+            <a:defPPr>
+              <a:defRPr lang="en-US"/>
+            </a:defPPr>
+            <a:lvl1pPr lvl="0">
+              <a:spcBef>
+                <a:spcPts val="400"/>
+              </a:spcBef>
+              <a:buNone/>
+              <a:defRPr sz="4000" b="0" cap="none" spc="0" baseline="0">
+                <a:solidFill>
+                  <a:schemeClr val="tx1"/>
+                </a:solidFill>
+                <a:latin typeface="+mj-lt"/>
+                <a:ea typeface="+mj-ea"/>
+                <a:cs typeface="Tunga" pitchFamily="2"/>
+              </a:defRPr>
+            </a:lvl1pPr>
+          </a:lstStyle>
+          <a:p>
+            <a:pPr lvl="0"/>
+            <a:r>
+              <a:rPr lang="en-US" b="1" u="sng" dirty="0"/>
+              <a:t>Common Functions</a:t>
+            </a:r>
+          </a:p>
+        </p:txBody>
+      </p:sp>
+      <p:graphicFrame>
+        <p:nvGraphicFramePr>
+          <p:cNvPr id="5" name="Diagram 4"/>
+          <p:cNvGraphicFramePr/>
+          <p:nvPr>
+            <p:extLst>
+              <p:ext uri="{D42A27DB-BD31-4B8C-83A1-F6EECF244321}">
+                <p14:modId xmlns:p14="http://schemas.microsoft.com/office/powerpoint/2010/main" val="397104349"/>
               </p:ext>
             </p:extLst>
           </p:nvPr>
@@ -44402,7 +48600,7 @@
           <a:p>
             <a:pPr algn="ctr"/>
             <a:r>
-              <a:rPr lang="en-US" sz="5400" b="1" dirty="0" smtClean="0">
+              <a:rPr lang="en-US" sz="5400" b="1" dirty="0">
                 <a:ln w="11430"/>
                 <a:gradFill>
                   <a:gsLst>
@@ -44439,41 +48637,6 @@
               </a:rPr>
               <a:t>Fun Time….Script Review</a:t>
             </a:r>
-            <a:endParaRPr lang="en-US" sz="5400" b="1" dirty="0">
-              <a:ln w="11430"/>
-              <a:gradFill>
-                <a:gsLst>
-                  <a:gs pos="0">
-                    <a:schemeClr val="accent2">
-                      <a:tint val="70000"/>
-                      <a:satMod val="245000"/>
-                    </a:schemeClr>
-                  </a:gs>
-                  <a:gs pos="75000">
-                    <a:schemeClr val="accent2">
-                      <a:tint val="90000"/>
-                      <a:shade val="60000"/>
-                      <a:satMod val="240000"/>
-                    </a:schemeClr>
-                  </a:gs>
-                  <a:gs pos="100000">
-                    <a:schemeClr val="accent2">
-                      <a:tint val="100000"/>
-                      <a:shade val="50000"/>
-                      <a:satMod val="240000"/>
-                    </a:schemeClr>
-                  </a:gs>
-                </a:gsLst>
-                <a:lin ang="5400000"/>
-              </a:gradFill>
-              <a:effectLst>
-                <a:outerShdw blurRad="50800" dist="39000" dir="5460000" algn="tl">
-                  <a:srgbClr val="000000">
-                    <a:alpha val="38000"/>
-                  </a:srgbClr>
-                </a:outerShdw>
-              </a:effectLst>
-            </a:endParaRPr>
           </a:p>
         </p:txBody>
       </p:sp>
@@ -44819,7 +48982,7 @@
 </p:sld>
 </file>
 
-<file path=ppt/slides/slide13.xml><?xml version="1.0" encoding="utf-8"?>
+<file path=ppt/slides/slide14.xml><?xml version="1.0" encoding="utf-8"?>
 <p:sld xmlns:a="http://schemas.openxmlformats.org/drawingml/2006/main" xmlns:r="http://schemas.openxmlformats.org/officeDocument/2006/relationships" xmlns:p="http://schemas.openxmlformats.org/presentationml/2006/main">
   <p:cSld>
     <p:spTree>
@@ -44871,7 +49034,7 @@
         </p:nvSpPr>
         <p:spPr>
           <a:xfrm>
-            <a:off x="303212" y="228600"/>
+            <a:off x="303212" y="76200"/>
             <a:ext cx="10238613" cy="533400"/>
           </a:xfrm>
           <a:prstGeom prst="rect">
@@ -44933,7 +49096,7 @@
           <p:nvPr>
             <p:extLst>
               <p:ext uri="{D42A27DB-BD31-4B8C-83A1-F6EECF244321}">
-                <p14:modId xmlns:p14="http://schemas.microsoft.com/office/powerpoint/2010/main" val="1819015535"/>
+                <p14:modId xmlns:p14="http://schemas.microsoft.com/office/powerpoint/2010/main" val="3558527767"/>
               </p:ext>
             </p:extLst>
           </p:nvPr>
@@ -44958,17 +49121,10 @@
   <p:clrMapOvr>
     <a:masterClrMapping/>
   </p:clrMapOvr>
-  <p:timing>
-    <p:tnLst>
-      <p:par>
-        <p:cTn id="1" dur="indefinite" restart="never" nodeType="tmRoot"/>
-      </p:par>
-    </p:tnLst>
-  </p:timing>
 </p:sld>
 </file>
 
-<file path=ppt/slides/slide14.xml><?xml version="1.0" encoding="utf-8"?>
+<file path=ppt/slides/slide15.xml><?xml version="1.0" encoding="utf-8"?>
 <p:sld xmlns:a="http://schemas.openxmlformats.org/drawingml/2006/main" xmlns:r="http://schemas.openxmlformats.org/officeDocument/2006/relationships" xmlns:p="http://schemas.openxmlformats.org/presentationml/2006/main">
   <p:cSld>
     <p:spTree>
@@ -45012,7 +49168,7 @@
           <a:p>
             <a:pPr algn="ctr"/>
             <a:r>
-              <a:rPr lang="en-US" sz="7200" b="1" spc="300" dirty="0" smtClean="0">
+              <a:rPr lang="en-US" sz="7200" b="1" spc="300" dirty="0">
                 <a:ln w="11430" cmpd="sng">
                   <a:solidFill>
                     <a:schemeClr val="accent1">
@@ -45052,7 +49208,7 @@
               </a:rPr>
               <a:t>Q &amp; A</a:t>
             </a:r>
-            <a:endParaRPr lang="en-US" sz="7200" dirty="0" smtClean="0"/>
+            <a:endParaRPr lang="en-US" sz="7200" dirty="0"/>
           </a:p>
         </p:txBody>
       </p:sp>
@@ -45107,17 +49263,10 @@
   <p:clrMapOvr>
     <a:masterClrMapping/>
   </p:clrMapOvr>
-  <p:timing>
-    <p:tnLst>
-      <p:par>
-        <p:cTn id="1" dur="indefinite" restart="never" nodeType="tmRoot"/>
-      </p:par>
-    </p:tnLst>
-  </p:timing>
 </p:sld>
 </file>
 
-<file path=ppt/slides/slide15.xml><?xml version="1.0" encoding="utf-8"?>
+<file path=ppt/slides/slide16.xml><?xml version="1.0" encoding="utf-8"?>
 <p:sld xmlns:a="http://schemas.openxmlformats.org/drawingml/2006/main" xmlns:r="http://schemas.openxmlformats.org/officeDocument/2006/relationships" xmlns:p="http://schemas.openxmlformats.org/presentationml/2006/main">
   <p:cSld>
     <p:spTree>
@@ -45215,7 +49364,7 @@
           <a:lstStyle/>
           <a:p>
             <a:r>
-              <a:rPr lang="en-US" sz="3200" dirty="0" smtClean="0">
+              <a:rPr lang="en-US" sz="3200" dirty="0">
                 <a:solidFill>
                   <a:schemeClr val="accent2"/>
                 </a:solidFill>
@@ -45426,36 +49575,23 @@
             </a:lvl9pPr>
           </a:lstStyle>
           <a:p>
-            <a:pPr algn="r"/>
+            <a:pPr algn="ctr"/>
             <a:r>
-              <a:rPr lang="it-IT" sz="3200" dirty="0"/>
-              <a:t>San Francisco Microsoft Data Platform Meetup </a:t>
-            </a:r>
-            <a:r>
-              <a:rPr lang="en-US" sz="3200" dirty="0"/>
-              <a:t>– </a:t>
+              <a:rPr lang="it-IT" sz="3200" b="1" dirty="0"/>
+              <a:t>SQLSaturday – Sacramento </a:t>
             </a:r>
             <a:r>
               <a:rPr lang="en-US" sz="3200" b="1" dirty="0"/>
-              <a:t>June 08 </a:t>
+              <a:t>– July 23 2016</a:t>
             </a:r>
             <a:r>
-              <a:rPr lang="en-US" sz="3200" b="1" dirty="0" smtClean="0"/>
-              <a:t>2016</a:t>
-            </a:r>
-            <a:r>
-              <a:rPr lang="en-US" sz="3600" b="1" dirty="0" smtClean="0">
+              <a:rPr lang="en-US" sz="3600" b="1" dirty="0">
                 <a:solidFill>
                   <a:schemeClr val="bg1"/>
                 </a:solidFill>
               </a:rPr>
               <a:t> </a:t>
             </a:r>
-            <a:endParaRPr lang="en-US" sz="3600" b="1" dirty="0">
-              <a:solidFill>
-                <a:schemeClr val="bg1"/>
-              </a:solidFill>
-            </a:endParaRPr>
           </a:p>
         </p:txBody>
       </p:sp>
@@ -45482,20 +49618,6 @@
           <a:p>
             <a:pPr algn="ctr"/>
             <a:r>
-              <a:rPr lang="en-US" sz="4000" u="dbl" dirty="0" smtClean="0">
-                <a:solidFill>
-                  <a:srgbClr val="C00000"/>
-                </a:solidFill>
-                <a:uFill>
-                  <a:solidFill>
-                    <a:srgbClr val="0000FF"/>
-                  </a:solidFill>
-                </a:uFill>
-                <a:hlinkClick r:id="rId18"/>
-              </a:rPr>
-              <a:t>Script </a:t>
-            </a:r>
-            <a:r>
               <a:rPr lang="en-US" sz="4000" u="dbl" dirty="0">
                 <a:solidFill>
                   <a:srgbClr val="C00000"/>
@@ -45507,7 +49629,7 @@
                 </a:uFill>
                 <a:hlinkClick r:id="rId18"/>
               </a:rPr>
-              <a:t>&amp; Presentation DAC</a:t>
+              <a:t>Script &amp; Presentation DAC</a:t>
             </a:r>
             <a:endParaRPr lang="en-US" sz="4000" u="dbl" dirty="0">
               <a:solidFill>
@@ -45580,21 +49702,6 @@
   <p:clrMapOvr>
     <a:masterClrMapping/>
   </p:clrMapOvr>
-  <mc:AlternateContent xmlns:mc="http://schemas.openxmlformats.org/markup-compatibility/2006" xmlns:p14="http://schemas.microsoft.com/office/powerpoint/2010/main">
-    <mc:Choice Requires="p14">
-      <p:transition spd="slow" p14:dur="2000"/>
-    </mc:Choice>
-    <mc:Fallback xmlns="">
-      <p:transition spd="slow"/>
-    </mc:Fallback>
-  </mc:AlternateContent>
-  <p:timing>
-    <p:tnLst>
-      <p:par>
-        <p:cTn id="1" dur="indefinite" restart="never" nodeType="tmRoot"/>
-      </p:par>
-    </p:tnLst>
-  </p:timing>
 </p:sld>
 </file>
 
@@ -45653,7 +49760,7 @@
           <a:p>
             <a:pPr algn="ctr"/>
             <a:r>
-              <a:rPr lang="en-US" sz="3100" dirty="0" smtClean="0">
+              <a:rPr lang="en-US" sz="3100" dirty="0">
                 <a:solidFill>
                   <a:srgbClr val="0000FF"/>
                 </a:solidFill>
@@ -45661,7 +49768,7 @@
               <a:t>Email/Facebook/</a:t>
             </a:r>
             <a:r>
-              <a:rPr lang="en-US" sz="3100" dirty="0" err="1" smtClean="0">
+              <a:rPr lang="en-US" sz="3100" dirty="0" err="1">
                 <a:solidFill>
                   <a:srgbClr val="0000FF"/>
                 </a:solidFill>
@@ -45669,7 +49776,7 @@
               <a:t>LinkedIN</a:t>
             </a:r>
             <a:r>
-              <a:rPr lang="en-US" sz="3100" dirty="0" smtClean="0">
+              <a:rPr lang="en-US" sz="3100" dirty="0">
                 <a:solidFill>
                   <a:schemeClr val="bg1"/>
                 </a:solidFill>
@@ -45677,7 +49784,7 @@
               <a:t> </a:t>
             </a:r>
             <a:r>
-              <a:rPr lang="en-US" sz="3100" dirty="0" smtClean="0">
+              <a:rPr lang="en-US" sz="3100" dirty="0">
                 <a:solidFill>
                   <a:schemeClr val="tx1">
                     <a:lumMod val="95000"/>
@@ -45687,7 +49794,7 @@
               <a:t>Prakash@SQLfeatures.com</a:t>
             </a:r>
             <a:r>
-              <a:rPr lang="en-US" sz="3100" dirty="0" smtClean="0">
+              <a:rPr lang="en-US" sz="3100" dirty="0">
                 <a:solidFill>
                   <a:schemeClr val="bg1"/>
                 </a:solidFill>
@@ -45695,7 +49802,7 @@
               <a:t>   </a:t>
             </a:r>
             <a:r>
-              <a:rPr lang="en-US" sz="3100" dirty="0" smtClean="0">
+              <a:rPr lang="en-US" sz="3100" dirty="0">
                 <a:solidFill>
                   <a:schemeClr val="tx1">
                     <a:lumMod val="95000"/>
@@ -45704,13 +49811,6 @@
               </a:rPr>
               <a:t>MCDBA/MCITP</a:t>
             </a:r>
-            <a:endParaRPr lang="en-US" sz="3100" dirty="0">
-              <a:solidFill>
-                <a:schemeClr val="tx1">
-                  <a:lumMod val="95000"/>
-                </a:schemeClr>
-              </a:solidFill>
-            </a:endParaRPr>
           </a:p>
         </p:txBody>
       </p:sp>
@@ -45751,7 +49851,7 @@
           <a:lstStyle/>
           <a:p>
             <a:r>
-              <a:rPr lang="en-US" sz="3600" dirty="0" smtClean="0">
+              <a:rPr lang="en-US" sz="3600" dirty="0">
                 <a:solidFill>
                   <a:srgbClr val="0000FF"/>
                 </a:solidFill>
@@ -45759,7 +49859,7 @@
               <a:t>Blog</a:t>
             </a:r>
             <a:r>
-              <a:rPr lang="en-US" sz="3600" dirty="0" smtClean="0">
+              <a:rPr lang="en-US" sz="3600" dirty="0">
                 <a:solidFill>
                   <a:schemeClr val="bg1"/>
                 </a:solidFill>
@@ -45874,7 +49974,7 @@
           <a:lstStyle/>
           <a:p>
             <a:r>
-              <a:rPr lang="en-US" sz="3600" dirty="0" smtClean="0">
+              <a:rPr lang="en-US" sz="3600" dirty="0">
                 <a:solidFill>
                   <a:schemeClr val="tx1">
                     <a:lumMod val="95000"/>
@@ -45883,13 +49983,6 @@
               </a:rPr>
               <a:t>Mgr.(Data Team) at SS&amp;C Advent</a:t>
             </a:r>
-            <a:endParaRPr lang="en-US" sz="3600" dirty="0">
-              <a:solidFill>
-                <a:schemeClr val="tx1">
-                  <a:lumMod val="95000"/>
-                </a:schemeClr>
-              </a:solidFill>
-            </a:endParaRPr>
           </a:p>
         </p:txBody>
       </p:sp>
@@ -45931,7 +50024,7 @@
           <a:p>
             <a:pPr algn="ctr"/>
             <a:r>
-              <a:rPr lang="en-US" sz="6000" dirty="0" smtClean="0">
+              <a:rPr lang="en-US" sz="6000" dirty="0">
                 <a:solidFill>
                   <a:schemeClr val="tx1">
                     <a:lumMod val="95000"/>
@@ -46031,21 +50124,6 @@
   <p:clrMapOvr>
     <a:masterClrMapping/>
   </p:clrMapOvr>
-  <mc:AlternateContent xmlns:mc="http://schemas.openxmlformats.org/markup-compatibility/2006" xmlns:p14="http://schemas.microsoft.com/office/powerpoint/2010/main">
-    <mc:Choice Requires="p14">
-      <p:transition spd="slow" p14:dur="2000"/>
-    </mc:Choice>
-    <mc:Fallback xmlns="">
-      <p:transition spd="slow"/>
-    </mc:Fallback>
-  </mc:AlternateContent>
-  <p:timing>
-    <p:tnLst>
-      <p:par>
-        <p:cTn id="1" dur="indefinite" restart="never" nodeType="tmRoot"/>
-      </p:par>
-    </p:tnLst>
-  </p:timing>
 </p:sld>
 </file>
 
@@ -46101,7 +50179,7 @@
         </p:nvSpPr>
         <p:spPr>
           <a:xfrm>
-            <a:off x="303212" y="267474"/>
+            <a:off x="303212" y="76200"/>
             <a:ext cx="10238613" cy="533400"/>
           </a:xfrm>
           <a:prstGeom prst="rect">
@@ -46149,10 +50227,9 @@
           </a:lstStyle>
           <a:p>
             <a:r>
-              <a:rPr lang="en-US" b="1" u="sng" dirty="0" smtClean="0"/>
+              <a:rPr lang="en-US" b="1" u="sng" dirty="0"/>
               <a:t>Session Downloads</a:t>
             </a:r>
-            <a:endParaRPr lang="en-US" b="1" u="sng" dirty="0"/>
           </a:p>
         </p:txBody>
       </p:sp>
@@ -46223,11 +50300,11 @@
           <a:lstStyle/>
           <a:p>
             <a:r>
-              <a:rPr lang="en-US" sz="3200" b="1" dirty="0" smtClean="0"/>
+              <a:rPr lang="en-US" sz="3200" b="1" dirty="0"/>
               <a:t>Speaker Evaluation: </a:t>
             </a:r>
             <a:r>
-              <a:rPr lang="en-US" sz="3200" b="1" dirty="0" smtClean="0">
+              <a:rPr lang="en-US" sz="3200" b="1" dirty="0">
                 <a:hlinkClick r:id="rId3"/>
               </a:rPr>
               <a:t>https://goo.gl/vsTFXU</a:t>
@@ -46303,11 +50380,11 @@
           <a:lstStyle/>
           <a:p>
             <a:r>
-              <a:rPr lang="en-US" sz="3000" b="1" dirty="0" smtClean="0"/>
+              <a:rPr lang="en-US" sz="3000" b="1" dirty="0"/>
               <a:t>Presentation slides: </a:t>
             </a:r>
             <a:r>
-              <a:rPr lang="en-US" sz="3000" b="1" dirty="0" smtClean="0">
+              <a:rPr lang="en-US" sz="3000" b="1" dirty="0">
                 <a:solidFill>
                   <a:srgbClr val="00B0F0"/>
                 </a:solidFill>
@@ -46316,7 +50393,7 @@
               <a:t>http://sqlfeatures.com</a:t>
             </a:r>
             <a:r>
-              <a:rPr lang="en-US" sz="3000" b="1" dirty="0" smtClean="0">
+              <a:rPr lang="en-US" sz="3000" b="1" dirty="0">
                 <a:solidFill>
                   <a:srgbClr val="00B0F0"/>
                 </a:solidFill>
@@ -46324,7 +50401,7 @@
               <a:t> </a:t>
             </a:r>
             <a:r>
-              <a:rPr lang="en-US" sz="3000" b="1" dirty="0" smtClean="0"/>
+              <a:rPr lang="en-US" sz="3000" b="1" dirty="0"/>
               <a:t>(Flash needed to view)</a:t>
             </a:r>
           </a:p>
@@ -46397,7 +50474,7 @@
           <a:lstStyle/>
           <a:p>
             <a:r>
-              <a:rPr lang="en-US" sz="3200" b="1" dirty="0" smtClean="0"/>
+              <a:rPr lang="en-US" sz="3200" b="1" dirty="0"/>
               <a:t>Scripts: </a:t>
             </a:r>
             <a:r>
@@ -46409,18 +50486,7 @@
                 </a:solidFill>
                 <a:hlinkClick r:id="rId5"/>
               </a:rPr>
-              <a:t>https://</a:t>
-            </a:r>
-            <a:r>
-              <a:rPr lang="en-US" sz="3200" b="1" dirty="0" smtClean="0">
-                <a:solidFill>
-                  <a:schemeClr val="tx1">
-                    <a:lumMod val="95000"/>
-                  </a:schemeClr>
-                </a:solidFill>
-                <a:hlinkClick r:id="rId5"/>
-              </a:rPr>
-              <a:t>github.com/hedaprakash/SQLHealthCheck</a:t>
+              <a:t>https://github.com/hedaprakash/SQLHealthCheck</a:t>
             </a:r>
             <a:endParaRPr lang="en-US" sz="3200" b="1" dirty="0">
               <a:solidFill>
@@ -46442,13 +50508,6 @@
   <p:clrMapOvr>
     <a:masterClrMapping/>
   </p:clrMapOvr>
-  <p:timing>
-    <p:tnLst>
-      <p:par>
-        <p:cTn id="1" dur="indefinite" restart="never" nodeType="tmRoot"/>
-      </p:par>
-    </p:tnLst>
-  </p:timing>
 </p:sld>
 </file>
 
@@ -46552,10 +50611,9 @@
           </a:lstStyle>
           <a:p>
             <a:r>
-              <a:rPr lang="en-US" b="1" u="sng" dirty="0" smtClean="0"/>
+              <a:rPr lang="en-US" b="1" u="sng" dirty="0"/>
               <a:t>Agenda</a:t>
             </a:r>
-            <a:endParaRPr lang="en-US" b="1" u="sng" dirty="0"/>
           </a:p>
         </p:txBody>
       </p:sp>
@@ -46613,13 +50671,6 @@
   <p:clrMapOvr>
     <a:masterClrMapping/>
   </p:clrMapOvr>
-  <p:timing>
-    <p:tnLst>
-      <p:par>
-        <p:cTn id="1" dur="indefinite" restart="never" nodeType="tmRoot"/>
-      </p:par>
-    </p:tnLst>
-  </p:timing>
 </p:sld>
 </file>
 
@@ -46724,10 +50775,9 @@
           <a:p>
             <a:pPr lvl="0"/>
             <a:r>
-              <a:rPr lang="en-US" b="1" u="sng" dirty="0" smtClean="0"/>
+              <a:rPr lang="en-US" b="1" u="sng" dirty="0"/>
               <a:t>Primary Health Check Questions</a:t>
             </a:r>
-            <a:endParaRPr lang="en-US" b="1" u="sng" dirty="0"/>
           </a:p>
         </p:txBody>
       </p:sp>
@@ -46785,13 +50835,6 @@
   <p:clrMapOvr>
     <a:masterClrMapping/>
   </p:clrMapOvr>
-  <p:timing>
-    <p:tnLst>
-      <p:par>
-        <p:cTn id="1" dur="indefinite" restart="never" nodeType="tmRoot"/>
-      </p:par>
-    </p:tnLst>
-  </p:timing>
 </p:sld>
 </file>
 
@@ -46934,13 +50977,6 @@
   <p:clrMapOvr>
     <a:masterClrMapping/>
   </p:clrMapOvr>
-  <p:timing>
-    <p:tnLst>
-      <p:par>
-        <p:cTn id="1" dur="indefinite" restart="never" nodeType="tmRoot"/>
-      </p:par>
-    </p:tnLst>
-  </p:timing>
 </p:sld>
 </file>
 
@@ -47045,10 +51081,9 @@
           <a:p>
             <a:pPr lvl="0"/>
             <a:r>
-              <a:rPr lang="en-US" b="1" u="sng" dirty="0" smtClean="0"/>
+              <a:rPr lang="en-US" b="1" u="sng" dirty="0"/>
               <a:t>Supported Configurations</a:t>
             </a:r>
-            <a:endParaRPr lang="en-US" b="1" u="sng" dirty="0"/>
           </a:p>
         </p:txBody>
       </p:sp>
@@ -47084,13 +51119,6 @@
   <p:clrMapOvr>
     <a:masterClrMapping/>
   </p:clrMapOvr>
-  <p:timing>
-    <p:tnLst>
-      <p:par>
-        <p:cTn id="1" dur="indefinite" restart="never" nodeType="tmRoot"/>
-      </p:par>
-    </p:tnLst>
-  </p:timing>
 </p:sld>
 </file>
 
@@ -47146,7 +51174,7 @@
         </p:nvSpPr>
         <p:spPr>
           <a:xfrm>
-            <a:off x="379412" y="228600"/>
+            <a:off x="379412" y="76200"/>
             <a:ext cx="10238613" cy="533400"/>
           </a:xfrm>
           <a:prstGeom prst="rect">
@@ -47233,13 +51261,6 @@
   <p:clrMapOvr>
     <a:masterClrMapping/>
   </p:clrMapOvr>
-  <p:timing>
-    <p:tnLst>
-      <p:par>
-        <p:cTn id="1" dur="indefinite" restart="never" nodeType="tmRoot"/>
-      </p:par>
-    </p:tnLst>
-  </p:timing>
 </p:sld>
 </file>
 
@@ -47343,14 +51364,9 @@
           </a:lstStyle>
           <a:p>
             <a:r>
-              <a:rPr lang="en-US" u="sng" dirty="0"/>
-              <a:t>Summary </a:t>
+              <a:rPr lang="en-US" b="1" u="sng" dirty="0"/>
+              <a:t>Summary Info</a:t>
             </a:r>
-            <a:r>
-              <a:rPr lang="en-US" u="sng" dirty="0" smtClean="0"/>
-              <a:t>Info</a:t>
-            </a:r>
-            <a:endParaRPr lang="en-US" u="sng" dirty="0"/>
           </a:p>
         </p:txBody>
       </p:sp>
@@ -47386,19 +51402,13 @@
   <p:clrMapOvr>
     <a:masterClrMapping/>
   </p:clrMapOvr>
-  <p:timing>
-    <p:tnLst>
-      <p:par>
-        <p:cTn id="1" dur="indefinite" restart="never" nodeType="tmRoot"/>
-      </p:par>
-    </p:tnLst>
-  </p:timing>
 </p:sld>
 </file>
 
 <file path=ppt/tags/tag1.xml><?xml version="1.0" encoding="utf-8"?>
 <p:tagLst xmlns:a="http://schemas.openxmlformats.org/drawingml/2006/main" xmlns:r="http://schemas.openxmlformats.org/officeDocument/2006/relationships" xmlns:p="http://schemas.openxmlformats.org/presentationml/2006/main">
   <p:tag name="ISPRING_PRESENTATION_TITLE" val="Self Service Health Check"/>
+  <p:tag name="ISPRING_SCORM_RATE_SLIDES" val="0"/>
 </p:tagLst>
 </file>
 
